--- a/Presentation.pptx
+++ b/Presentation.pptx
@@ -6,6 +6,7 @@
   </p:sldMasterIdLst>
   <p:sldIdLst>
     <p:sldId id="256" r:id="rId2"/>
+    <p:sldId id="257" r:id="rId3"/>
   </p:sldIdLst>
   <p:sldSz cx="9144000" cy="6858000" type="screen4x3"/>
   <p:notesSz cx="6858000" cy="9144000"/>
@@ -403,7 +404,7 @@
             <a:fld id="{1BA50D42-C9CD-4801-B293-61D1F53EC57E}" type="datetimeFigureOut">
               <a:rPr lang="de-DE" smtClean="0"/>
               <a:pPr/>
-              <a:t>14.06.2012</a:t>
+              <a:t>15.06.2012</a:t>
             </a:fld>
             <a:endParaRPr lang="de-DE"/>
           </a:p>
@@ -640,7 +641,7 @@
             <a:fld id="{1BA50D42-C9CD-4801-B293-61D1F53EC57E}" type="datetimeFigureOut">
               <a:rPr lang="de-DE" smtClean="0"/>
               <a:pPr/>
-              <a:t>14.06.2012</a:t>
+              <a:t>15.06.2012</a:t>
             </a:fld>
             <a:endParaRPr lang="de-DE"/>
           </a:p>
@@ -1136,7 +1137,7 @@
             <a:fld id="{1BA50D42-C9CD-4801-B293-61D1F53EC57E}" type="datetimeFigureOut">
               <a:rPr lang="de-DE" smtClean="0"/>
               <a:pPr/>
-              <a:t>14.06.2012</a:t>
+              <a:t>15.06.2012</a:t>
             </a:fld>
             <a:endParaRPr lang="de-DE"/>
           </a:p>
@@ -1832,6 +1833,76 @@
               <a:t>Jordi</a:t>
             </a:r>
             <a:endParaRPr lang="en-US" dirty="0"/>
+          </a:p>
+        </p:txBody>
+      </p:sp>
+    </p:spTree>
+  </p:cSld>
+  <p:clrMapOvr>
+    <a:masterClrMapping/>
+  </p:clrMapOvr>
+  <p:transition spd="slow">
+    <p:fade/>
+  </p:transition>
+</p:sld>
+</file>
+
+<file path=ppt/slides/slide2.xml><?xml version="1.0" encoding="utf-8"?>
+<p:sld xmlns:a="http://schemas.openxmlformats.org/drawingml/2006/main" xmlns:r="http://schemas.openxmlformats.org/officeDocument/2006/relationships" xmlns:p="http://schemas.openxmlformats.org/presentationml/2006/main">
+  <p:cSld>
+    <p:spTree>
+      <p:nvGrpSpPr>
+        <p:cNvPr id="1" name=""/>
+        <p:cNvGrpSpPr/>
+        <p:nvPr/>
+      </p:nvGrpSpPr>
+      <p:grpSpPr>
+        <a:xfrm>
+          <a:off x="0" y="0"/>
+          <a:ext cx="0" cy="0"/>
+          <a:chOff x="0" y="0"/>
+          <a:chExt cx="0" cy="0"/>
+        </a:xfrm>
+      </p:grpSpPr>
+      <p:sp>
+        <p:nvSpPr>
+          <p:cNvPr id="2" name="Titel 1"/>
+          <p:cNvSpPr>
+            <a:spLocks noGrp="1"/>
+          </p:cNvSpPr>
+          <p:nvPr>
+            <p:ph type="title"/>
+          </p:nvPr>
+        </p:nvSpPr>
+        <p:spPr/>
+        <p:txBody>
+          <a:bodyPr/>
+          <a:lstStyle/>
+          <a:p>
+            <a:r>
+              <a:rPr lang="de-CH" smtClean="0"/>
+              <a:t>Test</a:t>
+            </a:r>
+            <a:endParaRPr lang="de-CH"/>
+          </a:p>
+        </p:txBody>
+      </p:sp>
+      <p:sp>
+        <p:nvSpPr>
+          <p:cNvPr id="3" name="Inhaltsplatzhalter 2"/>
+          <p:cNvSpPr>
+            <a:spLocks noGrp="1"/>
+          </p:cNvSpPr>
+          <p:nvPr>
+            <p:ph idx="1"/>
+          </p:nvPr>
+        </p:nvSpPr>
+        <p:spPr/>
+        <p:txBody>
+          <a:bodyPr/>
+          <a:lstStyle/>
+          <a:p>
+            <a:endParaRPr lang="de-CH"/>
           </a:p>
         </p:txBody>
       </p:sp>

--- a/Presentation.pptx
+++ b/Presentation.pptx
@@ -7,6 +7,9 @@
   <p:sldIdLst>
     <p:sldId id="256" r:id="rId2"/>
     <p:sldId id="257" r:id="rId3"/>
+    <p:sldId id="258" r:id="rId4"/>
+    <p:sldId id="260" r:id="rId5"/>
+    <p:sldId id="261" r:id="rId6"/>
   </p:sldIdLst>
   <p:sldSz cx="9144000" cy="6858000" type="screen4x3"/>
   <p:notesSz cx="6858000" cy="9144000"/>
@@ -404,7 +407,7 @@
             <a:fld id="{1BA50D42-C9CD-4801-B293-61D1F53EC57E}" type="datetimeFigureOut">
               <a:rPr lang="de-DE" smtClean="0"/>
               <a:pPr/>
-              <a:t>15.06.2012</a:t>
+              <a:t>17.06.2012</a:t>
             </a:fld>
             <a:endParaRPr lang="de-DE"/>
           </a:p>
@@ -641,7 +644,7 @@
             <a:fld id="{1BA50D42-C9CD-4801-B293-61D1F53EC57E}" type="datetimeFigureOut">
               <a:rPr lang="de-DE" smtClean="0"/>
               <a:pPr/>
-              <a:t>15.06.2012</a:t>
+              <a:t>17.06.2012</a:t>
             </a:fld>
             <a:endParaRPr lang="de-DE"/>
           </a:p>
@@ -1137,7 +1140,7 @@
             <a:fld id="{1BA50D42-C9CD-4801-B293-61D1F53EC57E}" type="datetimeFigureOut">
               <a:rPr lang="de-DE" smtClean="0"/>
               <a:pPr/>
-              <a:t>15.06.2012</a:t>
+              <a:t>17.06.2012</a:t>
             </a:fld>
             <a:endParaRPr lang="de-DE"/>
           </a:p>
@@ -1880,10 +1883,413 @@
           <a:lstStyle/>
           <a:p>
             <a:r>
-              <a:rPr lang="de-CH" smtClean="0"/>
-              <a:t>Test</a:t>
-            </a:r>
-            <a:endParaRPr lang="de-CH"/>
+              <a:rPr lang="de-CH" dirty="0" smtClean="0"/>
+              <a:t>UV-VIS </a:t>
+            </a:r>
+            <a:r>
+              <a:rPr lang="de-CH" dirty="0" err="1" smtClean="0"/>
+              <a:t>S</a:t>
+            </a:r>
+            <a:r>
+              <a:rPr lang="de-CH" dirty="0" err="1" smtClean="0"/>
+              <a:t>pectra</a:t>
+            </a:r>
+            <a:r>
+              <a:rPr lang="de-CH" dirty="0" smtClean="0"/>
+              <a:t> </a:t>
+            </a:r>
+            <a:r>
+              <a:rPr lang="de-CH" dirty="0" err="1" smtClean="0"/>
+              <a:t>of</a:t>
+            </a:r>
+            <a:r>
+              <a:rPr lang="de-CH" dirty="0" smtClean="0"/>
+              <a:t> </a:t>
+            </a:r>
+            <a:r>
+              <a:rPr lang="de-CH" dirty="0" err="1" smtClean="0"/>
+              <a:t>M</a:t>
+            </a:r>
+            <a:r>
+              <a:rPr lang="de-CH" dirty="0" err="1" smtClean="0"/>
+              <a:t>utants</a:t>
+            </a:r>
+            <a:endParaRPr lang="de-CH" dirty="0"/>
+          </a:p>
+        </p:txBody>
+      </p:sp>
+      <p:pic>
+        <p:nvPicPr>
+          <p:cNvPr id="1028" name="Picture 4"/>
+          <p:cNvPicPr>
+            <a:picLocks noChangeAspect="1" noChangeArrowheads="1"/>
+          </p:cNvPicPr>
+          <p:nvPr/>
+        </p:nvPicPr>
+        <p:blipFill>
+          <a:blip r:embed="rId2" cstate="print"/>
+          <a:srcRect/>
+          <a:stretch>
+            <a:fillRect/>
+          </a:stretch>
+        </p:blipFill>
+        <p:spPr bwMode="auto">
+          <a:xfrm>
+            <a:off x="1403648" y="1556792"/>
+            <a:ext cx="6266632" cy="3156272"/>
+          </a:xfrm>
+          <a:prstGeom prst="rect">
+            <a:avLst/>
+          </a:prstGeom>
+          <a:noFill/>
+          <a:ln w="9525">
+            <a:noFill/>
+            <a:miter lim="800000"/>
+            <a:headEnd/>
+            <a:tailEnd/>
+          </a:ln>
+        </p:spPr>
+      </p:pic>
+      <p:sp>
+        <p:nvSpPr>
+          <p:cNvPr id="14" name="Textfeld 13"/>
+          <p:cNvSpPr txBox="1"/>
+          <p:nvPr/>
+        </p:nvSpPr>
+        <p:spPr>
+          <a:xfrm>
+            <a:off x="1403648" y="4797152"/>
+            <a:ext cx="6264696" cy="1200329"/>
+          </a:xfrm>
+          <a:prstGeom prst="rect">
+            <a:avLst/>
+          </a:prstGeom>
+          <a:noFill/>
+        </p:spPr>
+        <p:txBody>
+          <a:bodyPr wrap="square" rtlCol="0">
+            <a:spAutoFit/>
+          </a:bodyPr>
+          <a:lstStyle/>
+          <a:p>
+            <a:r>
+              <a:rPr lang="en-GB" b="1" i="1" dirty="0" smtClean="0"/>
+              <a:t>Fig. </a:t>
+            </a:r>
+            <a:r>
+              <a:rPr lang="en-GB" i="1" dirty="0" smtClean="0"/>
+              <a:t> Combined excitation spectra (550nm) of all mutants and the wild type. </a:t>
+            </a:r>
+            <a:r>
+              <a:rPr lang="en-GB" i="1" dirty="0" smtClean="0">
+                <a:solidFill>
+                  <a:srgbClr val="4F81BD"/>
+                </a:solidFill>
+              </a:rPr>
+              <a:t>Variant 2</a:t>
+            </a:r>
+            <a:r>
+              <a:rPr lang="en-GB" i="1" dirty="0" smtClean="0"/>
+              <a:t>, </a:t>
+            </a:r>
+            <a:r>
+              <a:rPr lang="en-GB" i="1" dirty="0" smtClean="0">
+                <a:solidFill>
+                  <a:srgbClr val="C0504D"/>
+                </a:solidFill>
+              </a:rPr>
+              <a:t>variant 3</a:t>
+            </a:r>
+            <a:r>
+              <a:rPr lang="en-GB" i="1" dirty="0" smtClean="0"/>
+              <a:t>, </a:t>
+            </a:r>
+            <a:r>
+              <a:rPr lang="en-GB" i="1" dirty="0" smtClean="0">
+                <a:solidFill>
+                  <a:srgbClr val="9BBB59"/>
+                </a:solidFill>
+              </a:rPr>
+              <a:t>variant 4</a:t>
+            </a:r>
+            <a:r>
+              <a:rPr lang="en-GB" i="1" dirty="0" smtClean="0"/>
+              <a:t>, </a:t>
+            </a:r>
+            <a:r>
+              <a:rPr lang="en-GB" i="1" dirty="0" smtClean="0">
+                <a:solidFill>
+                  <a:srgbClr val="8064A2"/>
+                </a:solidFill>
+              </a:rPr>
+              <a:t>variant 5</a:t>
+            </a:r>
+            <a:r>
+              <a:rPr lang="en-GB" i="1" dirty="0" smtClean="0"/>
+              <a:t>, </a:t>
+            </a:r>
+            <a:r>
+              <a:rPr lang="en-GB" i="1" dirty="0" smtClean="0">
+                <a:solidFill>
+                  <a:srgbClr val="4BACC6"/>
+                </a:solidFill>
+              </a:rPr>
+              <a:t>wild type</a:t>
+            </a:r>
+            <a:r>
+              <a:rPr lang="en-GB" i="1" dirty="0" smtClean="0"/>
+              <a:t>.</a:t>
+            </a:r>
+            <a:endParaRPr lang="de-CH" dirty="0" smtClean="0"/>
+          </a:p>
+          <a:p>
+            <a:endParaRPr lang="de-CH" dirty="0"/>
+          </a:p>
+        </p:txBody>
+      </p:sp>
+    </p:spTree>
+  </p:cSld>
+  <p:clrMapOvr>
+    <a:masterClrMapping/>
+  </p:clrMapOvr>
+  <p:transition spd="slow">
+    <p:fade/>
+  </p:transition>
+  <p:timing>
+    <p:tnLst>
+      <p:par>
+        <p:cTn id="1" dur="indefinite" restart="never" nodeType="tmRoot"/>
+      </p:par>
+    </p:tnLst>
+  </p:timing>
+</p:sld>
+</file>
+
+<file path=ppt/slides/slide3.xml><?xml version="1.0" encoding="utf-8"?>
+<p:sld xmlns:a="http://schemas.openxmlformats.org/drawingml/2006/main" xmlns:r="http://schemas.openxmlformats.org/officeDocument/2006/relationships" xmlns:p="http://schemas.openxmlformats.org/presentationml/2006/main">
+  <p:cSld>
+    <p:spTree>
+      <p:nvGrpSpPr>
+        <p:cNvPr id="1" name=""/>
+        <p:cNvGrpSpPr/>
+        <p:nvPr/>
+      </p:nvGrpSpPr>
+      <p:grpSpPr>
+        <a:xfrm>
+          <a:off x="0" y="0"/>
+          <a:ext cx="0" cy="0"/>
+          <a:chOff x="0" y="0"/>
+          <a:chExt cx="0" cy="0"/>
+        </a:xfrm>
+      </p:grpSpPr>
+      <p:sp>
+        <p:nvSpPr>
+          <p:cNvPr id="2" name="Titel 1"/>
+          <p:cNvSpPr>
+            <a:spLocks noGrp="1"/>
+          </p:cNvSpPr>
+          <p:nvPr>
+            <p:ph type="title"/>
+          </p:nvPr>
+        </p:nvSpPr>
+        <p:spPr/>
+        <p:txBody>
+          <a:bodyPr/>
+          <a:lstStyle/>
+          <a:p>
+            <a:r>
+              <a:rPr lang="de-CH" dirty="0" smtClean="0"/>
+              <a:t>UV-VIS </a:t>
+            </a:r>
+            <a:r>
+              <a:rPr lang="de-CH" dirty="0" err="1" smtClean="0"/>
+              <a:t>Spectra</a:t>
+            </a:r>
+            <a:r>
+              <a:rPr lang="de-CH" dirty="0" smtClean="0"/>
+              <a:t> </a:t>
+            </a:r>
+            <a:r>
+              <a:rPr lang="de-CH" dirty="0" err="1" smtClean="0"/>
+              <a:t>of</a:t>
+            </a:r>
+            <a:r>
+              <a:rPr lang="de-CH" dirty="0" smtClean="0"/>
+              <a:t> Variant 2</a:t>
+            </a:r>
+            <a:endParaRPr lang="de-CH" dirty="0"/>
+          </a:p>
+        </p:txBody>
+      </p:sp>
+      <p:pic>
+        <p:nvPicPr>
+          <p:cNvPr id="6146" name="Picture 2"/>
+          <p:cNvPicPr>
+            <a:picLocks noChangeAspect="1" noChangeArrowheads="1"/>
+          </p:cNvPicPr>
+          <p:nvPr/>
+        </p:nvPicPr>
+        <p:blipFill>
+          <a:blip r:embed="rId2" cstate="print"/>
+          <a:srcRect/>
+          <a:stretch>
+            <a:fillRect/>
+          </a:stretch>
+        </p:blipFill>
+        <p:spPr bwMode="auto">
+          <a:xfrm>
+            <a:off x="1475656" y="1556792"/>
+            <a:ext cx="6264000" cy="3103372"/>
+          </a:xfrm>
+          <a:prstGeom prst="rect">
+            <a:avLst/>
+          </a:prstGeom>
+          <a:noFill/>
+          <a:ln w="9525">
+            <a:noFill/>
+            <a:miter lim="800000"/>
+            <a:headEnd/>
+            <a:tailEnd/>
+          </a:ln>
+        </p:spPr>
+      </p:pic>
+      <p:sp>
+        <p:nvSpPr>
+          <p:cNvPr id="6" name="Textfeld 5"/>
+          <p:cNvSpPr txBox="1"/>
+          <p:nvPr/>
+        </p:nvSpPr>
+        <p:spPr>
+          <a:xfrm>
+            <a:off x="1403648" y="4869160"/>
+            <a:ext cx="6408712" cy="923330"/>
+          </a:xfrm>
+          <a:prstGeom prst="rect">
+            <a:avLst/>
+          </a:prstGeom>
+          <a:noFill/>
+        </p:spPr>
+        <p:txBody>
+          <a:bodyPr wrap="square" rtlCol="0">
+            <a:spAutoFit/>
+          </a:bodyPr>
+          <a:lstStyle/>
+          <a:p>
+            <a:r>
+              <a:rPr lang="en-GB" b="1" i="1" dirty="0" smtClean="0"/>
+              <a:t>Fig. </a:t>
+            </a:r>
+            <a:r>
+              <a:rPr lang="en-GB" i="1" dirty="0" smtClean="0"/>
+              <a:t> Spectral properties of the chosen mutant: Variant 2. </a:t>
+            </a:r>
+            <a:r>
+              <a:rPr lang="fr-CH" i="1" dirty="0" smtClean="0">
+                <a:solidFill>
+                  <a:srgbClr val="4F81BD"/>
+                </a:solidFill>
+              </a:rPr>
+              <a:t>Excitation (550 nm)</a:t>
+            </a:r>
+            <a:r>
+              <a:rPr lang="fr-CH" i="1" dirty="0" smtClean="0"/>
+              <a:t>, </a:t>
+            </a:r>
+            <a:r>
+              <a:rPr lang="fr-CH" i="1" dirty="0" smtClean="0">
+                <a:solidFill>
+                  <a:srgbClr val="C0504D"/>
+                </a:solidFill>
+              </a:rPr>
+              <a:t>Emission (395 nm)</a:t>
+            </a:r>
+            <a:r>
+              <a:rPr lang="fr-CH" i="1" dirty="0" smtClean="0"/>
+              <a:t>, </a:t>
+            </a:r>
+            <a:r>
+              <a:rPr lang="fr-CH" i="1" dirty="0" smtClean="0">
+                <a:solidFill>
+                  <a:srgbClr val="9BBB59"/>
+                </a:solidFill>
+              </a:rPr>
+              <a:t>Emission (470 nm)</a:t>
+            </a:r>
+            <a:endParaRPr lang="de-CH" dirty="0" smtClean="0">
+              <a:solidFill>
+                <a:srgbClr val="9BBB59"/>
+              </a:solidFill>
+            </a:endParaRPr>
+          </a:p>
+          <a:p>
+            <a:endParaRPr lang="de-CH" dirty="0"/>
+          </a:p>
+        </p:txBody>
+      </p:sp>
+    </p:spTree>
+  </p:cSld>
+  <p:clrMapOvr>
+    <a:masterClrMapping/>
+  </p:clrMapOvr>
+  <p:transition spd="slow">
+    <p:fade/>
+  </p:transition>
+</p:sld>
+</file>
+
+<file path=ppt/slides/slide4.xml><?xml version="1.0" encoding="utf-8"?>
+<p:sld xmlns:a="http://schemas.openxmlformats.org/drawingml/2006/main" xmlns:r="http://schemas.openxmlformats.org/officeDocument/2006/relationships" xmlns:p="http://schemas.openxmlformats.org/presentationml/2006/main">
+  <p:cSld>
+    <p:spTree>
+      <p:nvGrpSpPr>
+        <p:cNvPr id="1" name=""/>
+        <p:cNvGrpSpPr/>
+        <p:nvPr/>
+      </p:nvGrpSpPr>
+      <p:grpSpPr>
+        <a:xfrm>
+          <a:off x="0" y="0"/>
+          <a:ext cx="0" cy="0"/>
+          <a:chOff x="0" y="0"/>
+          <a:chExt cx="0" cy="0"/>
+        </a:xfrm>
+      </p:grpSpPr>
+      <p:sp>
+        <p:nvSpPr>
+          <p:cNvPr id="2" name="Titel 1"/>
+          <p:cNvSpPr>
+            <a:spLocks noGrp="1"/>
+          </p:cNvSpPr>
+          <p:nvPr>
+            <p:ph type="title"/>
+          </p:nvPr>
+        </p:nvSpPr>
+        <p:spPr/>
+        <p:txBody>
+          <a:bodyPr/>
+          <a:lstStyle/>
+          <a:p>
+            <a:r>
+              <a:rPr lang="de-CH" dirty="0" err="1" smtClean="0"/>
+              <a:t>Sequencing</a:t>
+            </a:r>
+            <a:r>
+              <a:rPr lang="de-CH" dirty="0" smtClean="0"/>
+              <a:t> </a:t>
+            </a:r>
+            <a:r>
+              <a:rPr lang="de-CH" dirty="0" err="1" smtClean="0"/>
+              <a:t>of</a:t>
+            </a:r>
+            <a:r>
+              <a:rPr lang="de-CH" dirty="0" smtClean="0"/>
+              <a:t>  </a:t>
+            </a:r>
+            <a:r>
+              <a:rPr lang="de-CH" dirty="0" err="1" smtClean="0"/>
+              <a:t>mutants</a:t>
+            </a:r>
+            <a:endParaRPr lang="de-CH" dirty="0"/>
           </a:p>
         </p:txBody>
       </p:sp>
@@ -1897,12 +2303,425 @@
             <p:ph idx="1"/>
           </p:nvPr>
         </p:nvSpPr>
+        <p:spPr>
+          <a:xfrm>
+            <a:off x="381000" y="1751013"/>
+            <a:ext cx="8382000" cy="453851"/>
+          </a:xfrm>
+        </p:spPr>
+        <p:txBody>
+          <a:bodyPr/>
+          <a:lstStyle/>
+          <a:p>
+            <a:r>
+              <a:rPr lang="de-CH" dirty="0" smtClean="0"/>
+              <a:t>Variant 5 was a double </a:t>
+            </a:r>
+            <a:r>
+              <a:rPr lang="de-CH" dirty="0" err="1" smtClean="0"/>
+              <a:t>mutant</a:t>
+            </a:r>
+            <a:r>
+              <a:rPr lang="de-CH" dirty="0" smtClean="0"/>
+              <a:t> </a:t>
+            </a:r>
+            <a:r>
+              <a:rPr lang="de-CH" dirty="0" err="1" smtClean="0"/>
+              <a:t>and</a:t>
+            </a:r>
+            <a:r>
+              <a:rPr lang="de-CH" dirty="0" smtClean="0"/>
+              <a:t> </a:t>
+            </a:r>
+            <a:r>
+              <a:rPr lang="de-CH" dirty="0" err="1" smtClean="0"/>
+              <a:t>therefore</a:t>
+            </a:r>
+            <a:r>
+              <a:rPr lang="de-CH" dirty="0" smtClean="0"/>
+              <a:t> </a:t>
+            </a:r>
+            <a:r>
+              <a:rPr lang="de-CH" dirty="0" err="1" smtClean="0"/>
+              <a:t>discarded</a:t>
+            </a:r>
+            <a:endParaRPr lang="de-CH" dirty="0"/>
+          </a:p>
+        </p:txBody>
+      </p:sp>
+      <p:pic>
+        <p:nvPicPr>
+          <p:cNvPr id="4" name="Picture 2"/>
+          <p:cNvPicPr>
+            <a:picLocks noChangeAspect="1" noChangeArrowheads="1"/>
+          </p:cNvPicPr>
+          <p:nvPr/>
+        </p:nvPicPr>
+        <p:blipFill>
+          <a:blip r:embed="rId2" cstate="print"/>
+          <a:srcRect/>
+          <a:stretch>
+            <a:fillRect/>
+          </a:stretch>
+        </p:blipFill>
+        <p:spPr bwMode="auto">
+          <a:xfrm>
+            <a:off x="1115616" y="2420888"/>
+            <a:ext cx="7151812" cy="1165772"/>
+          </a:xfrm>
+          <a:prstGeom prst="rect">
+            <a:avLst/>
+          </a:prstGeom>
+          <a:noFill/>
+          <a:ln w="9525">
+            <a:noFill/>
+            <a:miter lim="800000"/>
+            <a:headEnd/>
+            <a:tailEnd/>
+          </a:ln>
+        </p:spPr>
+      </p:pic>
+      <p:pic>
+        <p:nvPicPr>
+          <p:cNvPr id="5" name="Picture 3"/>
+          <p:cNvPicPr>
+            <a:picLocks noChangeAspect="1" noChangeArrowheads="1"/>
+          </p:cNvPicPr>
+          <p:nvPr/>
+        </p:nvPicPr>
+        <p:blipFill>
+          <a:blip r:embed="rId3" cstate="print"/>
+          <a:srcRect/>
+          <a:stretch>
+            <a:fillRect/>
+          </a:stretch>
+        </p:blipFill>
+        <p:spPr bwMode="auto">
+          <a:xfrm>
+            <a:off x="2288066" y="3645024"/>
+            <a:ext cx="4804214" cy="1121768"/>
+          </a:xfrm>
+          <a:prstGeom prst="rect">
+            <a:avLst/>
+          </a:prstGeom>
+          <a:noFill/>
+          <a:ln w="9525">
+            <a:noFill/>
+            <a:miter lim="800000"/>
+            <a:headEnd/>
+            <a:tailEnd/>
+          </a:ln>
+        </p:spPr>
+      </p:pic>
+      <p:sp>
+        <p:nvSpPr>
+          <p:cNvPr id="6" name="Textfeld 5"/>
+          <p:cNvSpPr txBox="1"/>
+          <p:nvPr/>
+        </p:nvSpPr>
+        <p:spPr>
+          <a:xfrm>
+            <a:off x="827584" y="4941168"/>
+            <a:ext cx="7545848" cy="646331"/>
+          </a:xfrm>
+          <a:prstGeom prst="rect">
+            <a:avLst/>
+          </a:prstGeom>
+          <a:noFill/>
+        </p:spPr>
+        <p:txBody>
+          <a:bodyPr wrap="none" rtlCol="0">
+            <a:spAutoFit/>
+          </a:bodyPr>
+          <a:lstStyle/>
+          <a:p>
+            <a:r>
+              <a:rPr lang="de-CH" dirty="0" smtClean="0"/>
+              <a:t>Tab.: DNA- </a:t>
+            </a:r>
+            <a:r>
+              <a:rPr lang="de-CH" dirty="0" err="1" smtClean="0"/>
+              <a:t>and</a:t>
+            </a:r>
+            <a:r>
+              <a:rPr lang="de-CH" dirty="0" smtClean="0"/>
+              <a:t> AA-</a:t>
+            </a:r>
+            <a:r>
+              <a:rPr lang="de-CH" dirty="0" err="1" smtClean="0"/>
+              <a:t>sequences</a:t>
+            </a:r>
+            <a:r>
+              <a:rPr lang="de-CH" dirty="0" smtClean="0"/>
+              <a:t> </a:t>
+            </a:r>
+            <a:r>
+              <a:rPr lang="de-CH" dirty="0" err="1" smtClean="0"/>
+              <a:t>of</a:t>
+            </a:r>
+            <a:r>
+              <a:rPr lang="de-CH" dirty="0" smtClean="0"/>
+              <a:t> </a:t>
+            </a:r>
+            <a:r>
+              <a:rPr lang="de-CH" dirty="0" err="1" smtClean="0"/>
+              <a:t>the</a:t>
+            </a:r>
+            <a:r>
+              <a:rPr lang="de-CH" dirty="0" smtClean="0"/>
+              <a:t> </a:t>
+            </a:r>
+            <a:r>
+              <a:rPr lang="de-CH" dirty="0" err="1" smtClean="0"/>
+              <a:t>mutant</a:t>
+            </a:r>
+            <a:r>
+              <a:rPr lang="de-CH" dirty="0" smtClean="0"/>
+              <a:t> </a:t>
+            </a:r>
+            <a:r>
+              <a:rPr lang="de-CH" dirty="0" err="1" smtClean="0"/>
+              <a:t>plasmid</a:t>
+            </a:r>
+            <a:r>
+              <a:rPr lang="de-CH" dirty="0" smtClean="0"/>
+              <a:t> </a:t>
+            </a:r>
+            <a:r>
+              <a:rPr lang="de-CH" dirty="0" err="1" smtClean="0"/>
+              <a:t>and</a:t>
+            </a:r>
+            <a:r>
+              <a:rPr lang="de-CH" dirty="0" smtClean="0"/>
+              <a:t> </a:t>
+            </a:r>
+            <a:r>
+              <a:rPr lang="de-CH" dirty="0" err="1" smtClean="0"/>
+              <a:t>their</a:t>
+            </a:r>
+            <a:r>
+              <a:rPr lang="de-CH" dirty="0" smtClean="0"/>
+              <a:t> </a:t>
+            </a:r>
+            <a:r>
+              <a:rPr lang="de-CH" dirty="0" err="1" smtClean="0"/>
+              <a:t>ancestor</a:t>
+            </a:r>
+            <a:r>
+              <a:rPr lang="de-CH" dirty="0" smtClean="0"/>
+              <a:t>.</a:t>
+            </a:r>
+          </a:p>
+          <a:p>
+            <a:r>
+              <a:rPr lang="de-CH" dirty="0" smtClean="0"/>
+              <a:t> </a:t>
+            </a:r>
+            <a:r>
+              <a:rPr lang="de-CH" dirty="0" err="1" smtClean="0"/>
+              <a:t>Mutated</a:t>
+            </a:r>
+            <a:r>
+              <a:rPr lang="de-CH" dirty="0" smtClean="0"/>
+              <a:t> </a:t>
+            </a:r>
+            <a:r>
+              <a:rPr lang="de-CH" dirty="0" err="1" smtClean="0"/>
+              <a:t>sites</a:t>
+            </a:r>
+            <a:r>
+              <a:rPr lang="de-CH" dirty="0" smtClean="0"/>
+              <a:t> </a:t>
+            </a:r>
+            <a:r>
+              <a:rPr lang="de-CH" dirty="0" err="1" smtClean="0"/>
+              <a:t>are</a:t>
+            </a:r>
+            <a:r>
+              <a:rPr lang="de-CH" dirty="0" smtClean="0"/>
+              <a:t> </a:t>
+            </a:r>
+            <a:r>
+              <a:rPr lang="de-CH" dirty="0" err="1" smtClean="0"/>
+              <a:t>indicated</a:t>
+            </a:r>
+            <a:r>
+              <a:rPr lang="de-CH" dirty="0" smtClean="0"/>
+              <a:t> in </a:t>
+            </a:r>
+            <a:r>
+              <a:rPr lang="de-CH" dirty="0" err="1" smtClean="0"/>
+              <a:t>bold</a:t>
+            </a:r>
+            <a:endParaRPr lang="de-CH" dirty="0"/>
+          </a:p>
+        </p:txBody>
+      </p:sp>
+    </p:spTree>
+  </p:cSld>
+  <p:clrMapOvr>
+    <a:masterClrMapping/>
+  </p:clrMapOvr>
+  <p:transition spd="slow">
+    <p:fade/>
+  </p:transition>
+</p:sld>
+</file>
+
+<file path=ppt/slides/slide5.xml><?xml version="1.0" encoding="utf-8"?>
+<p:sld xmlns:a="http://schemas.openxmlformats.org/drawingml/2006/main" xmlns:r="http://schemas.openxmlformats.org/officeDocument/2006/relationships" xmlns:p="http://schemas.openxmlformats.org/presentationml/2006/main">
+  <p:cSld>
+    <p:spTree>
+      <p:nvGrpSpPr>
+        <p:cNvPr id="1" name=""/>
+        <p:cNvGrpSpPr/>
+        <p:nvPr/>
+      </p:nvGrpSpPr>
+      <p:grpSpPr>
+        <a:xfrm>
+          <a:off x="0" y="0"/>
+          <a:ext cx="0" cy="0"/>
+          <a:chOff x="0" y="0"/>
+          <a:chExt cx="0" cy="0"/>
+        </a:xfrm>
+      </p:grpSpPr>
+      <p:sp>
+        <p:nvSpPr>
+          <p:cNvPr id="2" name="Titel 1"/>
+          <p:cNvSpPr>
+            <a:spLocks noGrp="1"/>
+          </p:cNvSpPr>
+          <p:nvPr>
+            <p:ph type="title"/>
+          </p:nvPr>
+        </p:nvSpPr>
         <p:spPr/>
         <p:txBody>
           <a:bodyPr/>
           <a:lstStyle/>
           <a:p>
-            <a:endParaRPr lang="de-CH"/>
+            <a:r>
+              <a:rPr lang="de-CH" dirty="0" err="1" smtClean="0"/>
+              <a:t>Product</a:t>
+            </a:r>
+            <a:r>
+              <a:rPr lang="de-CH" dirty="0" smtClean="0"/>
+              <a:t> Analysis</a:t>
+            </a:r>
+            <a:endParaRPr lang="de-CH" dirty="0"/>
+          </a:p>
+        </p:txBody>
+      </p:sp>
+      <p:pic>
+        <p:nvPicPr>
+          <p:cNvPr id="8194" name="Picture 2"/>
+          <p:cNvPicPr>
+            <a:picLocks noChangeAspect="1" noChangeArrowheads="1"/>
+          </p:cNvPicPr>
+          <p:nvPr/>
+        </p:nvPicPr>
+        <p:blipFill>
+          <a:blip r:embed="rId2" cstate="print"/>
+          <a:srcRect/>
+          <a:stretch>
+            <a:fillRect/>
+          </a:stretch>
+        </p:blipFill>
+        <p:spPr bwMode="auto">
+          <a:xfrm>
+            <a:off x="1403648" y="1700808"/>
+            <a:ext cx="6264000" cy="3618491"/>
+          </a:xfrm>
+          <a:prstGeom prst="rect">
+            <a:avLst/>
+          </a:prstGeom>
+          <a:noFill/>
+          <a:ln w="9525">
+            <a:noFill/>
+            <a:miter lim="800000"/>
+            <a:headEnd/>
+            <a:tailEnd/>
+          </a:ln>
+        </p:spPr>
+      </p:pic>
+      <p:sp>
+        <p:nvSpPr>
+          <p:cNvPr id="6" name="Textfeld 5"/>
+          <p:cNvSpPr txBox="1"/>
+          <p:nvPr/>
+        </p:nvSpPr>
+        <p:spPr>
+          <a:xfrm>
+            <a:off x="1187624" y="5445224"/>
+            <a:ext cx="6768752" cy="923330"/>
+          </a:xfrm>
+          <a:prstGeom prst="rect">
+            <a:avLst/>
+          </a:prstGeom>
+          <a:noFill/>
+        </p:spPr>
+        <p:txBody>
+          <a:bodyPr wrap="square" rtlCol="0">
+            <a:spAutoFit/>
+          </a:bodyPr>
+          <a:lstStyle/>
+          <a:p>
+            <a:r>
+              <a:rPr lang="en-GB" i="1" dirty="0" smtClean="0"/>
+              <a:t>Fig.: Excitation </a:t>
+            </a:r>
+            <a:r>
+              <a:rPr lang="en-GB" i="1" dirty="0" smtClean="0"/>
+              <a:t>(395 nm) spectra of </a:t>
+            </a:r>
+            <a:r>
+              <a:rPr lang="en-GB" i="1" dirty="0" smtClean="0"/>
+              <a:t>the product </a:t>
+            </a:r>
+            <a:r>
+              <a:rPr lang="en-GB" i="1" dirty="0" smtClean="0"/>
+              <a:t>compared to the desired variant 2 and the wild type. </a:t>
+            </a:r>
+            <a:r>
+              <a:rPr lang="en-GB" i="1" dirty="0" smtClean="0">
+                <a:solidFill>
+                  <a:srgbClr val="4F81BD"/>
+                </a:solidFill>
+              </a:rPr>
+              <a:t>Product</a:t>
+            </a:r>
+            <a:r>
+              <a:rPr lang="en-GB" i="1" dirty="0" smtClean="0"/>
+              <a:t>, </a:t>
+            </a:r>
+            <a:r>
+              <a:rPr lang="en-GB" i="1" dirty="0" smtClean="0">
+                <a:solidFill>
+                  <a:srgbClr val="9BBB59"/>
+                </a:solidFill>
+              </a:rPr>
+              <a:t>variant 2</a:t>
+            </a:r>
+            <a:r>
+              <a:rPr lang="en-GB" i="1" dirty="0" smtClean="0"/>
+              <a:t>, </a:t>
+            </a:r>
+            <a:r>
+              <a:rPr lang="en-GB" i="1" dirty="0" smtClean="0">
+                <a:solidFill>
+                  <a:srgbClr val="C0504D"/>
+                </a:solidFill>
+              </a:rPr>
+              <a:t>wild type</a:t>
+            </a:r>
+            <a:endParaRPr lang="de-CH" dirty="0" smtClean="0">
+              <a:solidFill>
+                <a:srgbClr val="C0504D"/>
+              </a:solidFill>
+            </a:endParaRPr>
+          </a:p>
+          <a:p>
+            <a:endParaRPr lang="de-CH" dirty="0"/>
           </a:p>
         </p:txBody>
       </p:sp>

--- a/Presentation.pptx
+++ b/Presentation.pptx
@@ -1,12 +1,19 @@
 
 <file path=ppt/presentation.xml><?xml version="1.0" encoding="utf-8"?>
-<p:presentation xmlns:a="http://schemas.openxmlformats.org/drawingml/2006/main" xmlns:r="http://schemas.openxmlformats.org/officeDocument/2006/relationships" xmlns:p="http://schemas.openxmlformats.org/presentationml/2006/main" saveSubsetFonts="1">
+<p:presentation xmlns:a="http://schemas.openxmlformats.org/drawingml/2006/main" xmlns:r="http://schemas.openxmlformats.org/officeDocument/2006/relationships" xmlns:p="http://schemas.openxmlformats.org/presentationml/2006/main" showSpecialPlsOnTitleSld="0" saveSubsetFonts="1">
   <p:sldMasterIdLst>
     <p:sldMasterId id="2147483660" r:id="rId1"/>
   </p:sldMasterIdLst>
+  <p:notesMasterIdLst>
+    <p:notesMasterId r:id="rId8"/>
+  </p:notesMasterIdLst>
   <p:sldIdLst>
     <p:sldId id="256" r:id="rId2"/>
     <p:sldId id="257" r:id="rId3"/>
+    <p:sldId id="258" r:id="rId4"/>
+    <p:sldId id="259" r:id="rId5"/>
+    <p:sldId id="260" r:id="rId6"/>
+    <p:sldId id="261" r:id="rId7"/>
   </p:sldIdLst>
   <p:sldSz cx="9144000" cy="6858000" type="screen4x3"/>
   <p:notesSz cx="6858000" cy="9144000"/>
@@ -108,6 +115,353 @@
 </p:presentation>
 </file>
 
+<file path=ppt/notesMasters/notesMaster1.xml><?xml version="1.0" encoding="utf-8"?>
+<p:notesMaster xmlns:a="http://schemas.openxmlformats.org/drawingml/2006/main" xmlns:r="http://schemas.openxmlformats.org/officeDocument/2006/relationships" xmlns:p="http://schemas.openxmlformats.org/presentationml/2006/main">
+  <p:cSld>
+    <p:bg>
+      <p:bgRef idx="1001">
+        <a:schemeClr val="bg1"/>
+      </p:bgRef>
+    </p:bg>
+    <p:spTree>
+      <p:nvGrpSpPr>
+        <p:cNvPr id="1" name=""/>
+        <p:cNvGrpSpPr/>
+        <p:nvPr/>
+      </p:nvGrpSpPr>
+      <p:grpSpPr>
+        <a:xfrm>
+          <a:off x="0" y="0"/>
+          <a:ext cx="0" cy="0"/>
+          <a:chOff x="0" y="0"/>
+          <a:chExt cx="0" cy="0"/>
+        </a:xfrm>
+      </p:grpSpPr>
+      <p:sp>
+        <p:nvSpPr>
+          <p:cNvPr id="2" name="Kopfzeilenplatzhalter 1"/>
+          <p:cNvSpPr>
+            <a:spLocks noGrp="1"/>
+          </p:cNvSpPr>
+          <p:nvPr>
+            <p:ph type="hdr" sz="quarter"/>
+          </p:nvPr>
+        </p:nvSpPr>
+        <p:spPr>
+          <a:xfrm>
+            <a:off x="0" y="0"/>
+            <a:ext cx="2971800" cy="457200"/>
+          </a:xfrm>
+          <a:prstGeom prst="rect">
+            <a:avLst/>
+          </a:prstGeom>
+        </p:spPr>
+        <p:txBody>
+          <a:bodyPr vert="horz" lIns="91440" tIns="45720" rIns="91440" bIns="45720" rtlCol="0"/>
+          <a:lstStyle>
+            <a:lvl1pPr algn="l">
+              <a:defRPr sz="1200"/>
+            </a:lvl1pPr>
+          </a:lstStyle>
+          <a:p>
+            <a:endParaRPr lang="en-US"/>
+          </a:p>
+        </p:txBody>
+      </p:sp>
+      <p:sp>
+        <p:nvSpPr>
+          <p:cNvPr id="3" name="Datumsplatzhalter 2"/>
+          <p:cNvSpPr>
+            <a:spLocks noGrp="1"/>
+          </p:cNvSpPr>
+          <p:nvPr>
+            <p:ph type="dt" idx="1"/>
+          </p:nvPr>
+        </p:nvSpPr>
+        <p:spPr>
+          <a:xfrm>
+            <a:off x="3884613" y="0"/>
+            <a:ext cx="2971800" cy="457200"/>
+          </a:xfrm>
+          <a:prstGeom prst="rect">
+            <a:avLst/>
+          </a:prstGeom>
+        </p:spPr>
+        <p:txBody>
+          <a:bodyPr vert="horz" lIns="91440" tIns="45720" rIns="91440" bIns="45720" rtlCol="0"/>
+          <a:lstStyle>
+            <a:lvl1pPr algn="r">
+              <a:defRPr sz="1200"/>
+            </a:lvl1pPr>
+          </a:lstStyle>
+          <a:p>
+            <a:fld id="{2B0FC3EC-6FB8-4B4A-81D8-157B7D12326A}" type="datetimeFigureOut">
+              <a:rPr lang="en-US" smtClean="0"/>
+              <a:t>6/17/2012</a:t>
+            </a:fld>
+            <a:endParaRPr lang="en-US"/>
+          </a:p>
+        </p:txBody>
+      </p:sp>
+      <p:sp>
+        <p:nvSpPr>
+          <p:cNvPr id="4" name="Folienbildplatzhalter 3"/>
+          <p:cNvSpPr>
+            <a:spLocks noGrp="1" noRot="1" noChangeAspect="1"/>
+          </p:cNvSpPr>
+          <p:nvPr>
+            <p:ph type="sldImg" idx="2"/>
+          </p:nvPr>
+        </p:nvSpPr>
+        <p:spPr>
+          <a:xfrm>
+            <a:off x="1143000" y="685800"/>
+            <a:ext cx="4572000" cy="3429000"/>
+          </a:xfrm>
+          <a:prstGeom prst="rect">
+            <a:avLst/>
+          </a:prstGeom>
+          <a:noFill/>
+          <a:ln w="12700">
+            <a:solidFill>
+              <a:prstClr val="black"/>
+            </a:solidFill>
+          </a:ln>
+        </p:spPr>
+        <p:txBody>
+          <a:bodyPr vert="horz" lIns="91440" tIns="45720" rIns="91440" bIns="45720" rtlCol="0" anchor="ctr"/>
+          <a:lstStyle/>
+          <a:p>
+            <a:endParaRPr lang="en-US"/>
+          </a:p>
+        </p:txBody>
+      </p:sp>
+      <p:sp>
+        <p:nvSpPr>
+          <p:cNvPr id="5" name="Notizenplatzhalter 4"/>
+          <p:cNvSpPr>
+            <a:spLocks noGrp="1"/>
+          </p:cNvSpPr>
+          <p:nvPr>
+            <p:ph type="body" sz="quarter" idx="3"/>
+          </p:nvPr>
+        </p:nvSpPr>
+        <p:spPr>
+          <a:xfrm>
+            <a:off x="685800" y="4343400"/>
+            <a:ext cx="5486400" cy="4114800"/>
+          </a:xfrm>
+          <a:prstGeom prst="rect">
+            <a:avLst/>
+          </a:prstGeom>
+        </p:spPr>
+        <p:txBody>
+          <a:bodyPr vert="horz" lIns="91440" tIns="45720" rIns="91440" bIns="45720" rtlCol="0">
+            <a:normAutofit/>
+          </a:bodyPr>
+          <a:lstStyle/>
+          <a:p>
+            <a:pPr lvl="0"/>
+            <a:r>
+              <a:rPr lang="de-DE" smtClean="0"/>
+              <a:t>Textmasterformate durch Klicken bearbeiten</a:t>
+            </a:r>
+          </a:p>
+          <a:p>
+            <a:pPr lvl="1"/>
+            <a:r>
+              <a:rPr lang="de-DE" smtClean="0"/>
+              <a:t>Zweite Ebene</a:t>
+            </a:r>
+          </a:p>
+          <a:p>
+            <a:pPr lvl="2"/>
+            <a:r>
+              <a:rPr lang="de-DE" smtClean="0"/>
+              <a:t>Dritte Ebene</a:t>
+            </a:r>
+          </a:p>
+          <a:p>
+            <a:pPr lvl="3"/>
+            <a:r>
+              <a:rPr lang="de-DE" smtClean="0"/>
+              <a:t>Vierte Ebene</a:t>
+            </a:r>
+          </a:p>
+          <a:p>
+            <a:pPr lvl="4"/>
+            <a:r>
+              <a:rPr lang="de-DE" smtClean="0"/>
+              <a:t>Fünfte Ebene</a:t>
+            </a:r>
+            <a:endParaRPr lang="en-US"/>
+          </a:p>
+        </p:txBody>
+      </p:sp>
+      <p:sp>
+        <p:nvSpPr>
+          <p:cNvPr id="6" name="Fußzeilenplatzhalter 5"/>
+          <p:cNvSpPr>
+            <a:spLocks noGrp="1"/>
+          </p:cNvSpPr>
+          <p:nvPr>
+            <p:ph type="ftr" sz="quarter" idx="4"/>
+          </p:nvPr>
+        </p:nvSpPr>
+        <p:spPr>
+          <a:xfrm>
+            <a:off x="0" y="8685213"/>
+            <a:ext cx="2971800" cy="457200"/>
+          </a:xfrm>
+          <a:prstGeom prst="rect">
+            <a:avLst/>
+          </a:prstGeom>
+        </p:spPr>
+        <p:txBody>
+          <a:bodyPr vert="horz" lIns="91440" tIns="45720" rIns="91440" bIns="45720" rtlCol="0" anchor="b"/>
+          <a:lstStyle>
+            <a:lvl1pPr algn="l">
+              <a:defRPr sz="1200"/>
+            </a:lvl1pPr>
+          </a:lstStyle>
+          <a:p>
+            <a:endParaRPr lang="en-US"/>
+          </a:p>
+        </p:txBody>
+      </p:sp>
+      <p:sp>
+        <p:nvSpPr>
+          <p:cNvPr id="7" name="Foliennummernplatzhalter 6"/>
+          <p:cNvSpPr>
+            <a:spLocks noGrp="1"/>
+          </p:cNvSpPr>
+          <p:nvPr>
+            <p:ph type="sldNum" sz="quarter" idx="5"/>
+          </p:nvPr>
+        </p:nvSpPr>
+        <p:spPr>
+          <a:xfrm>
+            <a:off x="3884613" y="8685213"/>
+            <a:ext cx="2971800" cy="457200"/>
+          </a:xfrm>
+          <a:prstGeom prst="rect">
+            <a:avLst/>
+          </a:prstGeom>
+        </p:spPr>
+        <p:txBody>
+          <a:bodyPr vert="horz" lIns="91440" tIns="45720" rIns="91440" bIns="45720" rtlCol="0" anchor="b"/>
+          <a:lstStyle>
+            <a:lvl1pPr algn="r">
+              <a:defRPr sz="1200"/>
+            </a:lvl1pPr>
+          </a:lstStyle>
+          <a:p>
+            <a:fld id="{90B1A795-389C-48F7-BABC-9C899974EF7B}" type="slidenum">
+              <a:rPr lang="en-US" smtClean="0"/>
+              <a:t>‹Nr.›</a:t>
+            </a:fld>
+            <a:endParaRPr lang="en-US"/>
+          </a:p>
+        </p:txBody>
+      </p:sp>
+    </p:spTree>
+  </p:cSld>
+  <p:clrMap bg1="lt1" tx1="dk1" bg2="lt2" tx2="dk2" accent1="accent1" accent2="accent2" accent3="accent3" accent4="accent4" accent5="accent5" accent6="accent6" hlink="hlink" folHlink="folHlink"/>
+  <p:notesStyle>
+    <a:lvl1pPr marL="0" algn="l" defTabSz="914400" rtl="0" eaLnBrk="1" latinLnBrk="0" hangingPunct="1">
+      <a:defRPr sz="1200" kern="1200">
+        <a:solidFill>
+          <a:schemeClr val="tx1"/>
+        </a:solidFill>
+        <a:latin typeface="+mn-lt"/>
+        <a:ea typeface="+mn-ea"/>
+        <a:cs typeface="+mn-cs"/>
+      </a:defRPr>
+    </a:lvl1pPr>
+    <a:lvl2pPr marL="457200" algn="l" defTabSz="914400" rtl="0" eaLnBrk="1" latinLnBrk="0" hangingPunct="1">
+      <a:defRPr sz="1200" kern="1200">
+        <a:solidFill>
+          <a:schemeClr val="tx1"/>
+        </a:solidFill>
+        <a:latin typeface="+mn-lt"/>
+        <a:ea typeface="+mn-ea"/>
+        <a:cs typeface="+mn-cs"/>
+      </a:defRPr>
+    </a:lvl2pPr>
+    <a:lvl3pPr marL="914400" algn="l" defTabSz="914400" rtl="0" eaLnBrk="1" latinLnBrk="0" hangingPunct="1">
+      <a:defRPr sz="1200" kern="1200">
+        <a:solidFill>
+          <a:schemeClr val="tx1"/>
+        </a:solidFill>
+        <a:latin typeface="+mn-lt"/>
+        <a:ea typeface="+mn-ea"/>
+        <a:cs typeface="+mn-cs"/>
+      </a:defRPr>
+    </a:lvl3pPr>
+    <a:lvl4pPr marL="1371600" algn="l" defTabSz="914400" rtl="0" eaLnBrk="1" latinLnBrk="0" hangingPunct="1">
+      <a:defRPr sz="1200" kern="1200">
+        <a:solidFill>
+          <a:schemeClr val="tx1"/>
+        </a:solidFill>
+        <a:latin typeface="+mn-lt"/>
+        <a:ea typeface="+mn-ea"/>
+        <a:cs typeface="+mn-cs"/>
+      </a:defRPr>
+    </a:lvl4pPr>
+    <a:lvl5pPr marL="1828800" algn="l" defTabSz="914400" rtl="0" eaLnBrk="1" latinLnBrk="0" hangingPunct="1">
+      <a:defRPr sz="1200" kern="1200">
+        <a:solidFill>
+          <a:schemeClr val="tx1"/>
+        </a:solidFill>
+        <a:latin typeface="+mn-lt"/>
+        <a:ea typeface="+mn-ea"/>
+        <a:cs typeface="+mn-cs"/>
+      </a:defRPr>
+    </a:lvl5pPr>
+    <a:lvl6pPr marL="2286000" algn="l" defTabSz="914400" rtl="0" eaLnBrk="1" latinLnBrk="0" hangingPunct="1">
+      <a:defRPr sz="1200" kern="1200">
+        <a:solidFill>
+          <a:schemeClr val="tx1"/>
+        </a:solidFill>
+        <a:latin typeface="+mn-lt"/>
+        <a:ea typeface="+mn-ea"/>
+        <a:cs typeface="+mn-cs"/>
+      </a:defRPr>
+    </a:lvl6pPr>
+    <a:lvl7pPr marL="2743200" algn="l" defTabSz="914400" rtl="0" eaLnBrk="1" latinLnBrk="0" hangingPunct="1">
+      <a:defRPr sz="1200" kern="1200">
+        <a:solidFill>
+          <a:schemeClr val="tx1"/>
+        </a:solidFill>
+        <a:latin typeface="+mn-lt"/>
+        <a:ea typeface="+mn-ea"/>
+        <a:cs typeface="+mn-cs"/>
+      </a:defRPr>
+    </a:lvl7pPr>
+    <a:lvl8pPr marL="3200400" algn="l" defTabSz="914400" rtl="0" eaLnBrk="1" latinLnBrk="0" hangingPunct="1">
+      <a:defRPr sz="1200" kern="1200">
+        <a:solidFill>
+          <a:schemeClr val="tx1"/>
+        </a:solidFill>
+        <a:latin typeface="+mn-lt"/>
+        <a:ea typeface="+mn-ea"/>
+        <a:cs typeface="+mn-cs"/>
+      </a:defRPr>
+    </a:lvl8pPr>
+    <a:lvl9pPr marL="3657600" algn="l" defTabSz="914400" rtl="0" eaLnBrk="1" latinLnBrk="0" hangingPunct="1">
+      <a:defRPr sz="1200" kern="1200">
+        <a:solidFill>
+          <a:schemeClr val="tx1"/>
+        </a:solidFill>
+        <a:latin typeface="+mn-lt"/>
+        <a:ea typeface="+mn-ea"/>
+        <a:cs typeface="+mn-cs"/>
+      </a:defRPr>
+    </a:lvl9pPr>
+  </p:notesStyle>
+</p:notesMaster>
+</file>
+
 <file path=ppt/slideLayouts/slideLayout1.xml><?xml version="1.0" encoding="utf-8"?>
 <p:sldLayout xmlns:a="http://schemas.openxmlformats.org/drawingml/2006/main" xmlns:r="http://schemas.openxmlformats.org/officeDocument/2006/relationships" xmlns:p="http://schemas.openxmlformats.org/presentationml/2006/main" showMasterSp="0" type="title" preserve="1">
   <p:cSld name="Titelfolie">
@@ -401,11 +755,10 @@
           <a:bodyPr/>
           <a:lstStyle/>
           <a:p>
-            <a:fld id="{1BA50D42-C9CD-4801-B293-61D1F53EC57E}" type="datetimeFigureOut">
+            <a:r>
               <a:rPr lang="de-DE" smtClean="0"/>
-              <a:pPr/>
-              <a:t>15.06.2012</a:t>
-            </a:fld>
+              <a:t>18.06.2012</a:t>
+            </a:r>
             <a:endParaRPr lang="de-DE"/>
           </a:p>
         </p:txBody>
@@ -449,6 +802,10 @@
           <a:bodyPr/>
           <a:lstStyle/>
           <a:p>
+            <a:r>
+              <a:rPr lang="en-US" smtClean="0"/>
+              <a:t>Practicle Course in Molecular Biology and Microbiology</a:t>
+            </a:r>
             <a:endParaRPr lang="de-DE"/>
           </a:p>
         </p:txBody>
@@ -638,11 +995,10 @@
             </a:lvl1pPr>
           </a:lstStyle>
           <a:p>
-            <a:fld id="{1BA50D42-C9CD-4801-B293-61D1F53EC57E}" type="datetimeFigureOut">
+            <a:r>
               <a:rPr lang="de-DE" smtClean="0"/>
-              <a:pPr/>
-              <a:t>15.06.2012</a:t>
-            </a:fld>
+              <a:t>18.06.2012</a:t>
+            </a:r>
             <a:endParaRPr lang="de-DE"/>
           </a:p>
         </p:txBody>
@@ -694,6 +1050,10 @@
             </a:lvl1pPr>
           </a:lstStyle>
           <a:p>
+            <a:r>
+              <a:rPr lang="en-US" smtClean="0"/>
+              <a:t>Practicle Course in Molecular Biology and Microbiology</a:t>
+            </a:r>
             <a:endParaRPr lang="de-DE"/>
           </a:p>
         </p:txBody>
@@ -1134,11 +1494,10 @@
             </a:lvl1pPr>
           </a:lstStyle>
           <a:p>
-            <a:fld id="{1BA50D42-C9CD-4801-B293-61D1F53EC57E}" type="datetimeFigureOut">
+            <a:r>
               <a:rPr lang="de-DE" smtClean="0"/>
-              <a:pPr/>
-              <a:t>15.06.2012</a:t>
-            </a:fld>
+              <a:t>18.06.2012</a:t>
+            </a:r>
             <a:endParaRPr lang="de-DE"/>
           </a:p>
         </p:txBody>
@@ -1254,6 +1613,10 @@
             </a:lvl1pPr>
           </a:lstStyle>
           <a:p>
+            <a:r>
+              <a:rPr lang="en-US" smtClean="0"/>
+              <a:t>Practicle Course in Molecular Biology and Microbiology</a:t>
+            </a:r>
             <a:endParaRPr lang="de-DE"/>
           </a:p>
         </p:txBody>
@@ -1331,6 +1694,7 @@
       </p:par>
     </p:tnLst>
   </p:timing>
+  <p:hf hdr="0"/>
   <p:txStyles>
     <p:titleStyle>
       <a:lvl1pPr algn="l" rtl="0" eaLnBrk="1" fontAlgn="base" hangingPunct="1">
@@ -1880,10 +2244,10 @@
           <a:lstStyle/>
           <a:p>
             <a:r>
-              <a:rPr lang="de-CH" smtClean="0"/>
-              <a:t>Test</a:t>
-            </a:r>
-            <a:endParaRPr lang="de-CH"/>
+              <a:rPr lang="de-CH" dirty="0" err="1" smtClean="0"/>
+              <a:t>Introduction</a:t>
+            </a:r>
+            <a:endParaRPr lang="de-CH" dirty="0"/>
           </a:p>
         </p:txBody>
       </p:sp>
@@ -1897,12 +2261,1169 @@
             <p:ph idx="1"/>
           </p:nvPr>
         </p:nvSpPr>
+        <p:spPr>
+          <a:xfrm>
+            <a:off x="381000" y="1751013"/>
+            <a:ext cx="4911080" cy="4678362"/>
+          </a:xfrm>
+        </p:spPr>
+        <p:txBody>
+          <a:bodyPr/>
+          <a:lstStyle/>
+          <a:p>
+            <a:r>
+              <a:rPr lang="de-CH" dirty="0" smtClean="0"/>
+              <a:t>GFP </a:t>
+            </a:r>
+            <a:r>
+              <a:rPr lang="de-CH" dirty="0" err="1" smtClean="0"/>
+              <a:t>very</a:t>
+            </a:r>
+            <a:r>
+              <a:rPr lang="de-CH" dirty="0" smtClean="0"/>
+              <a:t> </a:t>
+            </a:r>
+            <a:r>
+              <a:rPr lang="de-CH" dirty="0" err="1" smtClean="0"/>
+              <a:t>extensively</a:t>
+            </a:r>
+            <a:r>
+              <a:rPr lang="de-CH" dirty="0" smtClean="0"/>
+              <a:t> </a:t>
+            </a:r>
+            <a:r>
+              <a:rPr lang="de-CH" dirty="0" err="1" smtClean="0"/>
+              <a:t>used</a:t>
+            </a:r>
+            <a:r>
+              <a:rPr lang="de-CH" dirty="0" smtClean="0"/>
+              <a:t> in </a:t>
+            </a:r>
+            <a:r>
+              <a:rPr lang="de-CH" dirty="0" err="1" smtClean="0"/>
+              <a:t>science</a:t>
+            </a:r>
+            <a:endParaRPr lang="de-CH" dirty="0" smtClean="0"/>
+          </a:p>
+          <a:p>
+            <a:r>
+              <a:rPr lang="de-CH" dirty="0" smtClean="0"/>
+              <a:t>Fluorophore </a:t>
+            </a:r>
+            <a:r>
+              <a:rPr lang="de-CH" dirty="0" err="1" smtClean="0"/>
+              <a:t>absorbes</a:t>
+            </a:r>
+            <a:r>
+              <a:rPr lang="de-CH" dirty="0" smtClean="0"/>
+              <a:t> </a:t>
+            </a:r>
+            <a:r>
+              <a:rPr lang="de-CH" dirty="0" err="1" smtClean="0"/>
+              <a:t>light</a:t>
+            </a:r>
+            <a:r>
+              <a:rPr lang="de-CH" dirty="0" smtClean="0"/>
+              <a:t> </a:t>
+            </a:r>
+            <a:r>
+              <a:rPr lang="de-CH" dirty="0" err="1" smtClean="0"/>
+              <a:t>and</a:t>
+            </a:r>
+            <a:r>
+              <a:rPr lang="de-CH" dirty="0" smtClean="0"/>
+              <a:t> </a:t>
+            </a:r>
+            <a:r>
+              <a:rPr lang="de-CH" dirty="0" err="1" smtClean="0"/>
+              <a:t>emits</a:t>
+            </a:r>
+            <a:r>
+              <a:rPr lang="de-CH" dirty="0" smtClean="0"/>
+              <a:t> on a different </a:t>
+            </a:r>
+            <a:r>
+              <a:rPr lang="de-CH" dirty="0" err="1" smtClean="0"/>
+              <a:t>wavelength</a:t>
+            </a:r>
+            <a:endParaRPr lang="de-CH" dirty="0"/>
+          </a:p>
+        </p:txBody>
+      </p:sp>
+      <p:pic>
+        <p:nvPicPr>
+          <p:cNvPr id="1026" name="Picture 2" descr="C:\Users\Dr. Stu\LabWork\GFP-cartoon.png"/>
+          <p:cNvPicPr>
+            <a:picLocks noChangeAspect="1" noChangeArrowheads="1"/>
+          </p:cNvPicPr>
+          <p:nvPr/>
+        </p:nvPicPr>
+        <p:blipFill>
+          <a:blip r:embed="rId2" cstate="print"/>
+          <a:srcRect/>
+          <a:stretch>
+            <a:fillRect/>
+          </a:stretch>
+        </p:blipFill>
+        <p:spPr bwMode="auto">
+          <a:xfrm>
+            <a:off x="5436096" y="1844824"/>
+            <a:ext cx="3305572" cy="3390330"/>
+          </a:xfrm>
+          <a:prstGeom prst="rect">
+            <a:avLst/>
+          </a:prstGeom>
+          <a:noFill/>
+        </p:spPr>
+      </p:pic>
+      <p:pic>
+        <p:nvPicPr>
+          <p:cNvPr id="1027" name="Picture 3" descr="C:\Users\Dr. Stu\LabWork\fluorophore.png"/>
+          <p:cNvPicPr>
+            <a:picLocks noChangeAspect="1" noChangeArrowheads="1"/>
+          </p:cNvPicPr>
+          <p:nvPr/>
+        </p:nvPicPr>
+        <p:blipFill>
+          <a:blip r:embed="rId3" cstate="print"/>
+          <a:srcRect/>
+          <a:stretch>
+            <a:fillRect/>
+          </a:stretch>
+        </p:blipFill>
+        <p:spPr bwMode="auto">
+          <a:xfrm>
+            <a:off x="251520" y="3861048"/>
+            <a:ext cx="5112568" cy="2536248"/>
+          </a:xfrm>
+          <a:prstGeom prst="rect">
+            <a:avLst/>
+          </a:prstGeom>
+          <a:noFill/>
+        </p:spPr>
+      </p:pic>
+      <p:sp>
+        <p:nvSpPr>
+          <p:cNvPr id="6" name="Textfeld 5"/>
+          <p:cNvSpPr txBox="1"/>
+          <p:nvPr/>
+        </p:nvSpPr>
+        <p:spPr>
+          <a:xfrm>
+            <a:off x="5273260" y="5517232"/>
+            <a:ext cx="4177747" cy="584775"/>
+          </a:xfrm>
+          <a:prstGeom prst="rect">
+            <a:avLst/>
+          </a:prstGeom>
+          <a:noFill/>
+        </p:spPr>
+        <p:txBody>
+          <a:bodyPr wrap="none" rtlCol="0">
+            <a:spAutoFit/>
+          </a:bodyPr>
+          <a:lstStyle/>
+          <a:p>
+            <a:r>
+              <a:rPr lang="en-US" sz="1600" b="1" dirty="0" err="1" smtClean="0"/>
+              <a:t>Practicle</a:t>
+            </a:r>
+            <a:r>
+              <a:rPr lang="en-US" sz="1600" b="1" dirty="0" smtClean="0"/>
+              <a:t> Course in </a:t>
+            </a:r>
+          </a:p>
+          <a:p>
+            <a:r>
+              <a:rPr lang="en-US" sz="1600" b="1" dirty="0" smtClean="0"/>
+              <a:t>Molecular Biology &amp; Microbiology</a:t>
+            </a:r>
+            <a:r>
+              <a:rPr lang="en-US" sz="1600" dirty="0" smtClean="0"/>
+              <a:t>, 20012</a:t>
+            </a:r>
+            <a:endParaRPr lang="en-US" sz="1600" dirty="0"/>
+          </a:p>
+        </p:txBody>
+      </p:sp>
+      <p:sp>
+        <p:nvSpPr>
+          <p:cNvPr id="9" name="Datumsplatzhalter 8"/>
+          <p:cNvSpPr>
+            <a:spLocks noGrp="1"/>
+          </p:cNvSpPr>
+          <p:nvPr>
+            <p:ph type="dt" sz="half" idx="10"/>
+          </p:nvPr>
+        </p:nvSpPr>
         <p:spPr/>
         <p:txBody>
           <a:bodyPr/>
           <a:lstStyle/>
           <a:p>
-            <a:endParaRPr lang="de-CH"/>
+            <a:r>
+              <a:rPr lang="de-DE" smtClean="0"/>
+              <a:t>18.06.2012</a:t>
+            </a:r>
+            <a:endParaRPr lang="de-DE"/>
+          </a:p>
+        </p:txBody>
+      </p:sp>
+      <p:sp>
+        <p:nvSpPr>
+          <p:cNvPr id="10" name="Foliennummernplatzhalter 9"/>
+          <p:cNvSpPr>
+            <a:spLocks noGrp="1"/>
+          </p:cNvSpPr>
+          <p:nvPr>
+            <p:ph type="sldNum" sz="quarter" idx="11"/>
+          </p:nvPr>
+        </p:nvSpPr>
+        <p:spPr/>
+        <p:txBody>
+          <a:bodyPr/>
+          <a:lstStyle/>
+          <a:p>
+            <a:fld id="{6C6AE60A-B69C-4790-82F7-3882EDF23186}" type="slidenum">
+              <a:rPr lang="de-DE" smtClean="0"/>
+              <a:pPr/>
+              <a:t>2</a:t>
+            </a:fld>
+            <a:endParaRPr lang="de-DE"/>
+          </a:p>
+        </p:txBody>
+      </p:sp>
+      <p:sp>
+        <p:nvSpPr>
+          <p:cNvPr id="11" name="Fußzeilenplatzhalter 10"/>
+          <p:cNvSpPr>
+            <a:spLocks noGrp="1"/>
+          </p:cNvSpPr>
+          <p:nvPr>
+            <p:ph type="ftr" sz="quarter" idx="12"/>
+          </p:nvPr>
+        </p:nvSpPr>
+        <p:spPr/>
+        <p:txBody>
+          <a:bodyPr/>
+          <a:lstStyle/>
+          <a:p>
+            <a:r>
+              <a:rPr lang="en-US" smtClean="0"/>
+              <a:t>Practicle Course in Molecular Biology and Microbiology</a:t>
+            </a:r>
+            <a:endParaRPr lang="de-DE"/>
+          </a:p>
+        </p:txBody>
+      </p:sp>
+    </p:spTree>
+  </p:cSld>
+  <p:clrMapOvr>
+    <a:masterClrMapping/>
+  </p:clrMapOvr>
+  <p:transition spd="slow">
+    <p:fade/>
+  </p:transition>
+  <p:timing>
+    <p:tnLst>
+      <p:par>
+        <p:cTn id="1" dur="indefinite" restart="never" nodeType="tmRoot"/>
+      </p:par>
+    </p:tnLst>
+  </p:timing>
+</p:sld>
+</file>
+
+<file path=ppt/slides/slide3.xml><?xml version="1.0" encoding="utf-8"?>
+<p:sld xmlns:a="http://schemas.openxmlformats.org/drawingml/2006/main" xmlns:r="http://schemas.openxmlformats.org/officeDocument/2006/relationships" xmlns:p="http://schemas.openxmlformats.org/presentationml/2006/main">
+  <p:cSld>
+    <p:spTree>
+      <p:nvGrpSpPr>
+        <p:cNvPr id="1" name=""/>
+        <p:cNvGrpSpPr/>
+        <p:nvPr/>
+      </p:nvGrpSpPr>
+      <p:grpSpPr>
+        <a:xfrm>
+          <a:off x="0" y="0"/>
+          <a:ext cx="0" cy="0"/>
+          <a:chOff x="0" y="0"/>
+          <a:chExt cx="0" cy="0"/>
+        </a:xfrm>
+      </p:grpSpPr>
+      <p:sp>
+        <p:nvSpPr>
+          <p:cNvPr id="2" name="Titel 1"/>
+          <p:cNvSpPr>
+            <a:spLocks noGrp="1"/>
+          </p:cNvSpPr>
+          <p:nvPr>
+            <p:ph type="title"/>
+          </p:nvPr>
+        </p:nvSpPr>
+        <p:spPr/>
+        <p:txBody>
+          <a:bodyPr/>
+          <a:lstStyle/>
+          <a:p>
+            <a:r>
+              <a:rPr lang="en-US" dirty="0" smtClean="0"/>
+              <a:t>Introduction</a:t>
+            </a:r>
+            <a:endParaRPr lang="en-US" dirty="0"/>
+          </a:p>
+        </p:txBody>
+      </p:sp>
+      <p:sp>
+        <p:nvSpPr>
+          <p:cNvPr id="3" name="Inhaltsplatzhalter 2"/>
+          <p:cNvSpPr>
+            <a:spLocks noGrp="1"/>
+          </p:cNvSpPr>
+          <p:nvPr>
+            <p:ph idx="1"/>
+          </p:nvPr>
+        </p:nvSpPr>
+        <p:spPr>
+          <a:xfrm>
+            <a:off x="381000" y="1751013"/>
+            <a:ext cx="3542928" cy="4678362"/>
+          </a:xfrm>
+        </p:spPr>
+        <p:txBody>
+          <a:bodyPr/>
+          <a:lstStyle/>
+          <a:p>
+            <a:r>
+              <a:rPr lang="en-US" dirty="0" smtClean="0"/>
+              <a:t>State of the art:</a:t>
+            </a:r>
+          </a:p>
+          <a:p>
+            <a:pPr lvl="1"/>
+            <a:r>
+              <a:rPr lang="en-US" dirty="0" smtClean="0"/>
+              <a:t>Different </a:t>
+            </a:r>
+            <a:r>
+              <a:rPr lang="en-US" dirty="0" err="1" smtClean="0"/>
+              <a:t>absorbations</a:t>
+            </a:r>
+            <a:endParaRPr lang="en-US" dirty="0" smtClean="0"/>
+          </a:p>
+          <a:p>
+            <a:pPr lvl="1"/>
+            <a:r>
+              <a:rPr lang="en-US" dirty="0" smtClean="0"/>
+              <a:t>Different emissions</a:t>
+            </a:r>
+          </a:p>
+          <a:p>
+            <a:pPr lvl="1"/>
+            <a:r>
+              <a:rPr lang="en-US" dirty="0" smtClean="0"/>
+              <a:t>Different stabilities</a:t>
+            </a:r>
+          </a:p>
+          <a:p>
+            <a:pPr lvl="1"/>
+            <a:r>
+              <a:rPr lang="en-US" dirty="0" smtClean="0"/>
+              <a:t>…</a:t>
+            </a:r>
+          </a:p>
+          <a:p>
+            <a:endParaRPr lang="en-US" dirty="0" smtClean="0"/>
+          </a:p>
+          <a:p>
+            <a:r>
+              <a:rPr lang="en-US" dirty="0" smtClean="0"/>
+              <a:t>Goal of this experiment was it to produce a library of site – directed random mutations and screen for a red shifted excitation</a:t>
+            </a:r>
+            <a:endParaRPr lang="en-US" dirty="0"/>
+          </a:p>
+        </p:txBody>
+      </p:sp>
+      <p:pic>
+        <p:nvPicPr>
+          <p:cNvPr id="2050" name="Picture 2" descr="C:\Users\Dr. Stu\LabWork\different-color-fps-shanernc.png"/>
+          <p:cNvPicPr>
+            <a:picLocks noChangeAspect="1" noChangeArrowheads="1"/>
+          </p:cNvPicPr>
+          <p:nvPr/>
+        </p:nvPicPr>
+        <p:blipFill>
+          <a:blip r:embed="rId2" cstate="print"/>
+          <a:srcRect/>
+          <a:stretch>
+            <a:fillRect/>
+          </a:stretch>
+        </p:blipFill>
+        <p:spPr bwMode="auto">
+          <a:xfrm>
+            <a:off x="3923928" y="1412776"/>
+            <a:ext cx="4897915" cy="4653136"/>
+          </a:xfrm>
+          <a:prstGeom prst="rect">
+            <a:avLst/>
+          </a:prstGeom>
+          <a:noFill/>
+        </p:spPr>
+      </p:pic>
+      <p:sp>
+        <p:nvSpPr>
+          <p:cNvPr id="5" name="Textfeld 4"/>
+          <p:cNvSpPr txBox="1"/>
+          <p:nvPr/>
+        </p:nvSpPr>
+        <p:spPr>
+          <a:xfrm>
+            <a:off x="4427984" y="6093296"/>
+            <a:ext cx="4281813" cy="338554"/>
+          </a:xfrm>
+          <a:prstGeom prst="rect">
+            <a:avLst/>
+          </a:prstGeom>
+          <a:noFill/>
+        </p:spPr>
+        <p:txBody>
+          <a:bodyPr wrap="none" rtlCol="0">
+            <a:spAutoFit/>
+          </a:bodyPr>
+          <a:lstStyle/>
+          <a:p>
+            <a:r>
+              <a:rPr lang="en-US" sz="1600" dirty="0" err="1" smtClean="0"/>
+              <a:t>Shaner</a:t>
+            </a:r>
+            <a:r>
+              <a:rPr lang="en-US" sz="1600" dirty="0" smtClean="0"/>
+              <a:t>, et al. </a:t>
+            </a:r>
+            <a:r>
+              <a:rPr lang="en-US" sz="1600" b="1" dirty="0" smtClean="0"/>
+              <a:t>Journal </a:t>
+            </a:r>
+            <a:r>
+              <a:rPr lang="en-US" sz="1600" b="1" dirty="0" smtClean="0"/>
+              <a:t>of Cell </a:t>
+            </a:r>
+            <a:r>
+              <a:rPr lang="en-US" sz="1600" b="1" dirty="0" smtClean="0"/>
+              <a:t>Science</a:t>
+            </a:r>
+            <a:r>
+              <a:rPr lang="en-US" sz="1600" dirty="0" smtClean="0"/>
+              <a:t>, 2007</a:t>
+            </a:r>
+            <a:endParaRPr lang="en-US" sz="1600" dirty="0"/>
+          </a:p>
+        </p:txBody>
+      </p:sp>
+      <p:sp>
+        <p:nvSpPr>
+          <p:cNvPr id="6" name="Datumsplatzhalter 5"/>
+          <p:cNvSpPr>
+            <a:spLocks noGrp="1"/>
+          </p:cNvSpPr>
+          <p:nvPr>
+            <p:ph type="dt" sz="half" idx="10"/>
+          </p:nvPr>
+        </p:nvSpPr>
+        <p:spPr/>
+        <p:txBody>
+          <a:bodyPr/>
+          <a:lstStyle/>
+          <a:p>
+            <a:r>
+              <a:rPr lang="de-DE" smtClean="0"/>
+              <a:t>18.06.2012</a:t>
+            </a:r>
+            <a:endParaRPr lang="de-DE"/>
+          </a:p>
+        </p:txBody>
+      </p:sp>
+      <p:sp>
+        <p:nvSpPr>
+          <p:cNvPr id="7" name="Foliennummernplatzhalter 6"/>
+          <p:cNvSpPr>
+            <a:spLocks noGrp="1"/>
+          </p:cNvSpPr>
+          <p:nvPr>
+            <p:ph type="sldNum" sz="quarter" idx="11"/>
+          </p:nvPr>
+        </p:nvSpPr>
+        <p:spPr/>
+        <p:txBody>
+          <a:bodyPr/>
+          <a:lstStyle/>
+          <a:p>
+            <a:fld id="{6C6AE60A-B69C-4790-82F7-3882EDF23186}" type="slidenum">
+              <a:rPr lang="de-DE" smtClean="0"/>
+              <a:pPr/>
+              <a:t>3</a:t>
+            </a:fld>
+            <a:endParaRPr lang="de-DE"/>
+          </a:p>
+        </p:txBody>
+      </p:sp>
+      <p:sp>
+        <p:nvSpPr>
+          <p:cNvPr id="8" name="Fußzeilenplatzhalter 7"/>
+          <p:cNvSpPr>
+            <a:spLocks noGrp="1"/>
+          </p:cNvSpPr>
+          <p:nvPr>
+            <p:ph type="ftr" sz="quarter" idx="12"/>
+          </p:nvPr>
+        </p:nvSpPr>
+        <p:spPr/>
+        <p:txBody>
+          <a:bodyPr/>
+          <a:lstStyle/>
+          <a:p>
+            <a:r>
+              <a:rPr lang="en-US" smtClean="0"/>
+              <a:t>Practicle Course in Molecular Biology and Microbiology</a:t>
+            </a:r>
+            <a:endParaRPr lang="de-DE"/>
+          </a:p>
+        </p:txBody>
+      </p:sp>
+    </p:spTree>
+  </p:cSld>
+  <p:clrMapOvr>
+    <a:masterClrMapping/>
+  </p:clrMapOvr>
+  <p:transition spd="slow">
+    <p:fade/>
+  </p:transition>
+  <p:timing>
+    <p:tnLst>
+      <p:par>
+        <p:cTn id="1" dur="indefinite" restart="never" nodeType="tmRoot"/>
+      </p:par>
+    </p:tnLst>
+  </p:timing>
+</p:sld>
+</file>
+
+<file path=ppt/slides/slide4.xml><?xml version="1.0" encoding="utf-8"?>
+<p:sld xmlns:a="http://schemas.openxmlformats.org/drawingml/2006/main" xmlns:r="http://schemas.openxmlformats.org/officeDocument/2006/relationships" xmlns:p="http://schemas.openxmlformats.org/presentationml/2006/main">
+  <p:cSld>
+    <p:spTree>
+      <p:nvGrpSpPr>
+        <p:cNvPr id="1" name=""/>
+        <p:cNvGrpSpPr/>
+        <p:nvPr/>
+      </p:nvGrpSpPr>
+      <p:grpSpPr>
+        <a:xfrm>
+          <a:off x="0" y="0"/>
+          <a:ext cx="0" cy="0"/>
+          <a:chOff x="0" y="0"/>
+          <a:chExt cx="0" cy="0"/>
+        </a:xfrm>
+      </p:grpSpPr>
+      <p:sp>
+        <p:nvSpPr>
+          <p:cNvPr id="2" name="Titel 1"/>
+          <p:cNvSpPr>
+            <a:spLocks noGrp="1"/>
+          </p:cNvSpPr>
+          <p:nvPr>
+            <p:ph type="title"/>
+          </p:nvPr>
+        </p:nvSpPr>
+        <p:spPr/>
+        <p:txBody>
+          <a:bodyPr/>
+          <a:lstStyle/>
+          <a:p>
+            <a:r>
+              <a:rPr lang="en-US" dirty="0" smtClean="0"/>
+              <a:t>Strategy</a:t>
+            </a:r>
+            <a:endParaRPr lang="en-US" dirty="0"/>
+          </a:p>
+        </p:txBody>
+      </p:sp>
+      <p:sp>
+        <p:nvSpPr>
+          <p:cNvPr id="3" name="Inhaltsplatzhalter 2"/>
+          <p:cNvSpPr>
+            <a:spLocks noGrp="1"/>
+          </p:cNvSpPr>
+          <p:nvPr>
+            <p:ph idx="1"/>
+          </p:nvPr>
+        </p:nvSpPr>
+        <p:spPr>
+          <a:xfrm>
+            <a:off x="381000" y="1751013"/>
+            <a:ext cx="5127104" cy="4678362"/>
+          </a:xfrm>
+        </p:spPr>
+        <p:txBody>
+          <a:bodyPr/>
+          <a:lstStyle/>
+          <a:p>
+            <a:r>
+              <a:rPr lang="en-US" dirty="0" smtClean="0"/>
+              <a:t>1. Create mutants library </a:t>
+            </a:r>
+          </a:p>
+          <a:p>
+            <a:pPr lvl="1"/>
+            <a:r>
+              <a:rPr lang="en-US" dirty="0" smtClean="0"/>
+              <a:t>(F64, S65, S72), </a:t>
+            </a:r>
+            <a:r>
+              <a:rPr lang="en-US" dirty="0" err="1" smtClean="0"/>
+              <a:t>GFPuv</a:t>
+            </a:r>
+            <a:r>
+              <a:rPr lang="en-US" dirty="0" smtClean="0"/>
+              <a:t> on a plasmid with </a:t>
+            </a:r>
+            <a:r>
+              <a:rPr lang="en-US" dirty="0" err="1" smtClean="0"/>
+              <a:t>A</a:t>
+            </a:r>
+            <a:r>
+              <a:rPr lang="en-US" dirty="0" err="1" smtClean="0"/>
+              <a:t>mpicillin</a:t>
+            </a:r>
+            <a:r>
+              <a:rPr lang="en-US" dirty="0" smtClean="0"/>
+              <a:t> resistance, site directed mutagenesis in PCR</a:t>
+            </a:r>
+          </a:p>
+          <a:p>
+            <a:r>
+              <a:rPr lang="en-US" dirty="0" smtClean="0"/>
+              <a:t>2. Transform plasmid in </a:t>
+            </a:r>
+            <a:r>
+              <a:rPr lang="en-US" i="1" dirty="0" err="1" smtClean="0"/>
+              <a:t>E.coli</a:t>
+            </a:r>
+            <a:endParaRPr lang="en-US" i="1" dirty="0" smtClean="0"/>
+          </a:p>
+          <a:p>
+            <a:pPr lvl="1"/>
+            <a:r>
+              <a:rPr lang="en-US" dirty="0" smtClean="0"/>
+              <a:t>Rubidium induced competent strain </a:t>
+            </a:r>
+            <a:r>
+              <a:rPr lang="en-US" i="1" dirty="0" smtClean="0"/>
+              <a:t>Top10</a:t>
+            </a:r>
+          </a:p>
+          <a:p>
+            <a:r>
+              <a:rPr lang="en-US" dirty="0" smtClean="0"/>
+              <a:t>3. Screen for better excitation</a:t>
+            </a:r>
+          </a:p>
+          <a:p>
+            <a:pPr lvl="1"/>
+            <a:r>
+              <a:rPr lang="en-US" dirty="0" smtClean="0"/>
+              <a:t>Red shifted excitation</a:t>
+            </a:r>
+          </a:p>
+          <a:p>
+            <a:r>
+              <a:rPr lang="en-US" dirty="0" smtClean="0"/>
+              <a:t>4. In </a:t>
+            </a:r>
+            <a:r>
+              <a:rPr lang="en-US" dirty="0" err="1" smtClean="0"/>
+              <a:t>silico</a:t>
+            </a:r>
+            <a:r>
+              <a:rPr lang="en-US" dirty="0" smtClean="0"/>
+              <a:t> analysis of the mutant</a:t>
+            </a:r>
+          </a:p>
+          <a:p>
+            <a:r>
+              <a:rPr lang="en-US" dirty="0" smtClean="0"/>
+              <a:t>5. Transform plasmid in production strand of E. coli, run test-fermentation, process of product</a:t>
+            </a:r>
+            <a:endParaRPr lang="en-US" dirty="0"/>
+          </a:p>
+        </p:txBody>
+      </p:sp>
+      <p:sp>
+        <p:nvSpPr>
+          <p:cNvPr id="4" name="Datumsplatzhalter 3"/>
+          <p:cNvSpPr>
+            <a:spLocks noGrp="1"/>
+          </p:cNvSpPr>
+          <p:nvPr>
+            <p:ph type="dt" sz="half" idx="10"/>
+          </p:nvPr>
+        </p:nvSpPr>
+        <p:spPr/>
+        <p:txBody>
+          <a:bodyPr/>
+          <a:lstStyle/>
+          <a:p>
+            <a:r>
+              <a:rPr lang="de-DE" smtClean="0"/>
+              <a:t>18.06.2012</a:t>
+            </a:r>
+            <a:endParaRPr lang="de-DE"/>
+          </a:p>
+        </p:txBody>
+      </p:sp>
+      <p:sp>
+        <p:nvSpPr>
+          <p:cNvPr id="5" name="Foliennummernplatzhalter 4"/>
+          <p:cNvSpPr>
+            <a:spLocks noGrp="1"/>
+          </p:cNvSpPr>
+          <p:nvPr>
+            <p:ph type="sldNum" sz="quarter" idx="11"/>
+          </p:nvPr>
+        </p:nvSpPr>
+        <p:spPr/>
+        <p:txBody>
+          <a:bodyPr/>
+          <a:lstStyle/>
+          <a:p>
+            <a:fld id="{6C6AE60A-B69C-4790-82F7-3882EDF23186}" type="slidenum">
+              <a:rPr lang="de-DE" smtClean="0"/>
+              <a:pPr/>
+              <a:t>4</a:t>
+            </a:fld>
+            <a:endParaRPr lang="de-DE"/>
+          </a:p>
+        </p:txBody>
+      </p:sp>
+      <p:sp>
+        <p:nvSpPr>
+          <p:cNvPr id="6" name="Fußzeilenplatzhalter 5"/>
+          <p:cNvSpPr>
+            <a:spLocks noGrp="1"/>
+          </p:cNvSpPr>
+          <p:nvPr>
+            <p:ph type="ftr" sz="quarter" idx="12"/>
+          </p:nvPr>
+        </p:nvSpPr>
+        <p:spPr/>
+        <p:txBody>
+          <a:bodyPr/>
+          <a:lstStyle/>
+          <a:p>
+            <a:r>
+              <a:rPr lang="en-US" smtClean="0"/>
+              <a:t>Practicle Course in Molecular Biology and Microbiology</a:t>
+            </a:r>
+            <a:endParaRPr lang="de-DE"/>
+          </a:p>
+        </p:txBody>
+      </p:sp>
+      <p:pic>
+        <p:nvPicPr>
+          <p:cNvPr id="3074" name="Picture 2" descr="C:\Users\Dr. Stu\LabWork\sitedirected-mutagenesis.png"/>
+          <p:cNvPicPr>
+            <a:picLocks noChangeAspect="1" noChangeArrowheads="1"/>
+          </p:cNvPicPr>
+          <p:nvPr/>
+        </p:nvPicPr>
+        <p:blipFill>
+          <a:blip r:embed="rId2" cstate="print"/>
+          <a:srcRect/>
+          <a:stretch>
+            <a:fillRect/>
+          </a:stretch>
+        </p:blipFill>
+        <p:spPr bwMode="auto">
+          <a:xfrm>
+            <a:off x="5553074" y="1196752"/>
+            <a:ext cx="3590926" cy="4962525"/>
+          </a:xfrm>
+          <a:prstGeom prst="rect">
+            <a:avLst/>
+          </a:prstGeom>
+          <a:noFill/>
+        </p:spPr>
+      </p:pic>
+    </p:spTree>
+  </p:cSld>
+  <p:clrMapOvr>
+    <a:masterClrMapping/>
+  </p:clrMapOvr>
+  <p:transition spd="slow">
+    <p:fade/>
+  </p:transition>
+  <p:timing>
+    <p:tnLst>
+      <p:par>
+        <p:cTn id="1" dur="indefinite" restart="never" nodeType="tmRoot"/>
+      </p:par>
+    </p:tnLst>
+  </p:timing>
+</p:sld>
+</file>
+
+<file path=ppt/slides/slide5.xml><?xml version="1.0" encoding="utf-8"?>
+<p:sld xmlns:a="http://schemas.openxmlformats.org/drawingml/2006/main" xmlns:r="http://schemas.openxmlformats.org/officeDocument/2006/relationships" xmlns:p="http://schemas.openxmlformats.org/presentationml/2006/main">
+  <p:cSld>
+    <p:spTree>
+      <p:nvGrpSpPr>
+        <p:cNvPr id="1" name=""/>
+        <p:cNvGrpSpPr/>
+        <p:nvPr/>
+      </p:nvGrpSpPr>
+      <p:grpSpPr>
+        <a:xfrm>
+          <a:off x="0" y="0"/>
+          <a:ext cx="0" cy="0"/>
+          <a:chOff x="0" y="0"/>
+          <a:chExt cx="0" cy="0"/>
+        </a:xfrm>
+      </p:grpSpPr>
+      <p:sp>
+        <p:nvSpPr>
+          <p:cNvPr id="2" name="Titel 1"/>
+          <p:cNvSpPr>
+            <a:spLocks noGrp="1"/>
+          </p:cNvSpPr>
+          <p:nvPr>
+            <p:ph type="title"/>
+          </p:nvPr>
+        </p:nvSpPr>
+        <p:spPr/>
+        <p:txBody>
+          <a:bodyPr/>
+          <a:lstStyle/>
+          <a:p>
+            <a:r>
+              <a:rPr lang="en-US" dirty="0" smtClean="0"/>
+              <a:t>Discussion</a:t>
+            </a:r>
+            <a:endParaRPr lang="en-US" dirty="0"/>
+          </a:p>
+        </p:txBody>
+      </p:sp>
+      <p:sp>
+        <p:nvSpPr>
+          <p:cNvPr id="3" name="Inhaltsplatzhalter 2"/>
+          <p:cNvSpPr>
+            <a:spLocks noGrp="1"/>
+          </p:cNvSpPr>
+          <p:nvPr>
+            <p:ph idx="1"/>
+          </p:nvPr>
+        </p:nvSpPr>
+        <p:spPr/>
+        <p:txBody>
+          <a:bodyPr/>
+          <a:lstStyle/>
+          <a:p>
+            <a:r>
+              <a:rPr lang="en-US" dirty="0" smtClean="0"/>
+              <a:t>Good fluorescing mutants were produced</a:t>
+            </a:r>
+          </a:p>
+          <a:p>
+            <a:pPr lvl="1"/>
+            <a:r>
+              <a:rPr lang="en-US" dirty="0" smtClean="0"/>
+              <a:t>Around one fifth of the mutants had red shift</a:t>
+            </a:r>
+          </a:p>
+          <a:p>
+            <a:pPr lvl="1"/>
+            <a:r>
+              <a:rPr lang="en-US" dirty="0" smtClean="0"/>
+              <a:t>Almost all were fluorescing under UV light</a:t>
+            </a:r>
+          </a:p>
+          <a:p>
+            <a:r>
+              <a:rPr lang="en-US" dirty="0" smtClean="0"/>
+              <a:t>Red shift could well have been seen</a:t>
+            </a:r>
+          </a:p>
+          <a:p>
+            <a:r>
+              <a:rPr lang="en-US" dirty="0" smtClean="0"/>
+              <a:t>Growth was in a estimated range</a:t>
+            </a:r>
+          </a:p>
+          <a:p>
+            <a:r>
+              <a:rPr lang="en-US" dirty="0" smtClean="0"/>
+              <a:t>Protein expression with IPTG  was good</a:t>
+            </a:r>
+          </a:p>
+          <a:p>
+            <a:r>
+              <a:rPr lang="en-US" dirty="0" smtClean="0"/>
+              <a:t>The produced GFP was from the wild type. Somehow not the correct one was chosen. Many possible sources for this contamination possible. Growth experiments were done with the wild type.</a:t>
+            </a:r>
+          </a:p>
+        </p:txBody>
+      </p:sp>
+      <p:sp>
+        <p:nvSpPr>
+          <p:cNvPr id="4" name="Datumsplatzhalter 3"/>
+          <p:cNvSpPr>
+            <a:spLocks noGrp="1"/>
+          </p:cNvSpPr>
+          <p:nvPr>
+            <p:ph type="dt" sz="half" idx="10"/>
+          </p:nvPr>
+        </p:nvSpPr>
+        <p:spPr/>
+        <p:txBody>
+          <a:bodyPr/>
+          <a:lstStyle/>
+          <a:p>
+            <a:r>
+              <a:rPr lang="de-DE" smtClean="0"/>
+              <a:t>18.06.2012</a:t>
+            </a:r>
+            <a:endParaRPr lang="de-DE"/>
+          </a:p>
+        </p:txBody>
+      </p:sp>
+      <p:sp>
+        <p:nvSpPr>
+          <p:cNvPr id="5" name="Foliennummernplatzhalter 4"/>
+          <p:cNvSpPr>
+            <a:spLocks noGrp="1"/>
+          </p:cNvSpPr>
+          <p:nvPr>
+            <p:ph type="sldNum" sz="quarter" idx="11"/>
+          </p:nvPr>
+        </p:nvSpPr>
+        <p:spPr/>
+        <p:txBody>
+          <a:bodyPr/>
+          <a:lstStyle/>
+          <a:p>
+            <a:fld id="{6C6AE60A-B69C-4790-82F7-3882EDF23186}" type="slidenum">
+              <a:rPr lang="de-DE" smtClean="0"/>
+              <a:pPr/>
+              <a:t>5</a:t>
+            </a:fld>
+            <a:endParaRPr lang="de-DE"/>
+          </a:p>
+        </p:txBody>
+      </p:sp>
+      <p:sp>
+        <p:nvSpPr>
+          <p:cNvPr id="6" name="Fußzeilenplatzhalter 5"/>
+          <p:cNvSpPr>
+            <a:spLocks noGrp="1"/>
+          </p:cNvSpPr>
+          <p:nvPr>
+            <p:ph type="ftr" sz="quarter" idx="12"/>
+          </p:nvPr>
+        </p:nvSpPr>
+        <p:spPr/>
+        <p:txBody>
+          <a:bodyPr/>
+          <a:lstStyle/>
+          <a:p>
+            <a:r>
+              <a:rPr lang="en-US" smtClean="0"/>
+              <a:t>Practicle Course in Molecular Biology and Microbiology</a:t>
+            </a:r>
+            <a:endParaRPr lang="de-DE"/>
+          </a:p>
+        </p:txBody>
+      </p:sp>
+    </p:spTree>
+  </p:cSld>
+  <p:clrMapOvr>
+    <a:masterClrMapping/>
+  </p:clrMapOvr>
+  <p:transition spd="slow">
+    <p:fade/>
+  </p:transition>
+  <p:timing>
+    <p:tnLst>
+      <p:par>
+        <p:cTn id="1" dur="indefinite" restart="never" nodeType="tmRoot"/>
+      </p:par>
+    </p:tnLst>
+  </p:timing>
+</p:sld>
+</file>
+
+<file path=ppt/slides/slide6.xml><?xml version="1.0" encoding="utf-8"?>
+<p:sld xmlns:a="http://schemas.openxmlformats.org/drawingml/2006/main" xmlns:r="http://schemas.openxmlformats.org/officeDocument/2006/relationships" xmlns:p="http://schemas.openxmlformats.org/presentationml/2006/main">
+  <p:cSld>
+    <p:spTree>
+      <p:nvGrpSpPr>
+        <p:cNvPr id="1" name=""/>
+        <p:cNvGrpSpPr/>
+        <p:nvPr/>
+      </p:nvGrpSpPr>
+      <p:grpSpPr>
+        <a:xfrm>
+          <a:off x="0" y="0"/>
+          <a:ext cx="0" cy="0"/>
+          <a:chOff x="0" y="0"/>
+          <a:chExt cx="0" cy="0"/>
+        </a:xfrm>
+      </p:grpSpPr>
+      <p:sp>
+        <p:nvSpPr>
+          <p:cNvPr id="2" name="Titel 1"/>
+          <p:cNvSpPr>
+            <a:spLocks noGrp="1"/>
+          </p:cNvSpPr>
+          <p:nvPr>
+            <p:ph type="title"/>
+          </p:nvPr>
+        </p:nvSpPr>
+        <p:spPr/>
+        <p:txBody>
+          <a:bodyPr/>
+          <a:lstStyle/>
+          <a:p>
+            <a:r>
+              <a:rPr lang="en-US" dirty="0" smtClean="0"/>
+              <a:t>Summary</a:t>
+            </a:r>
+            <a:endParaRPr lang="en-US" dirty="0"/>
+          </a:p>
+        </p:txBody>
+      </p:sp>
+      <p:sp>
+        <p:nvSpPr>
+          <p:cNvPr id="3" name="Inhaltsplatzhalter 2"/>
+          <p:cNvSpPr>
+            <a:spLocks noGrp="1"/>
+          </p:cNvSpPr>
+          <p:nvPr>
+            <p:ph idx="1"/>
+          </p:nvPr>
+        </p:nvSpPr>
+        <p:spPr/>
+        <p:txBody>
+          <a:bodyPr/>
+          <a:lstStyle/>
+          <a:p>
+            <a:r>
+              <a:rPr lang="en-US" dirty="0" smtClean="0"/>
+              <a:t>Mutation worked quite well</a:t>
+            </a:r>
+          </a:p>
+          <a:p>
+            <a:r>
+              <a:rPr lang="en-US" dirty="0" smtClean="0"/>
+              <a:t>Red shift as expected and in a high quantity</a:t>
+            </a:r>
+          </a:p>
+          <a:p>
+            <a:r>
+              <a:rPr lang="en-US" dirty="0" smtClean="0"/>
+              <a:t>Fermentation worked well with the wild type</a:t>
+            </a:r>
+          </a:p>
+          <a:p>
+            <a:r>
+              <a:rPr lang="en-US" dirty="0" smtClean="0"/>
+              <a:t>In </a:t>
+            </a:r>
+            <a:r>
+              <a:rPr lang="en-US" dirty="0" err="1" smtClean="0"/>
+              <a:t>silico</a:t>
+            </a:r>
+            <a:r>
+              <a:rPr lang="en-US" dirty="0" smtClean="0"/>
+              <a:t> analysis showed many positions with a contact to the </a:t>
+            </a:r>
+            <a:r>
+              <a:rPr lang="en-US" dirty="0" err="1" smtClean="0"/>
+              <a:t>fluorophore</a:t>
+            </a:r>
+            <a:r>
+              <a:rPr lang="en-US" dirty="0" smtClean="0"/>
+              <a:t> which could be tested for the effect on fluorescence</a:t>
+            </a:r>
+            <a:endParaRPr lang="en-US" dirty="0"/>
+          </a:p>
+        </p:txBody>
+      </p:sp>
+      <p:sp>
+        <p:nvSpPr>
+          <p:cNvPr id="4" name="Datumsplatzhalter 3"/>
+          <p:cNvSpPr>
+            <a:spLocks noGrp="1"/>
+          </p:cNvSpPr>
+          <p:nvPr>
+            <p:ph type="dt" sz="half" idx="10"/>
+          </p:nvPr>
+        </p:nvSpPr>
+        <p:spPr/>
+        <p:txBody>
+          <a:bodyPr/>
+          <a:lstStyle/>
+          <a:p>
+            <a:r>
+              <a:rPr lang="de-DE" smtClean="0"/>
+              <a:t>18.06.2012</a:t>
+            </a:r>
+            <a:endParaRPr lang="de-DE"/>
+          </a:p>
+        </p:txBody>
+      </p:sp>
+      <p:sp>
+        <p:nvSpPr>
+          <p:cNvPr id="5" name="Foliennummernplatzhalter 4"/>
+          <p:cNvSpPr>
+            <a:spLocks noGrp="1"/>
+          </p:cNvSpPr>
+          <p:nvPr>
+            <p:ph type="sldNum" sz="quarter" idx="11"/>
+          </p:nvPr>
+        </p:nvSpPr>
+        <p:spPr/>
+        <p:txBody>
+          <a:bodyPr/>
+          <a:lstStyle/>
+          <a:p>
+            <a:fld id="{6C6AE60A-B69C-4790-82F7-3882EDF23186}" type="slidenum">
+              <a:rPr lang="de-DE" smtClean="0"/>
+              <a:pPr/>
+              <a:t>6</a:t>
+            </a:fld>
+            <a:endParaRPr lang="de-DE"/>
+          </a:p>
+        </p:txBody>
+      </p:sp>
+      <p:sp>
+        <p:nvSpPr>
+          <p:cNvPr id="6" name="Fußzeilenplatzhalter 5"/>
+          <p:cNvSpPr>
+            <a:spLocks noGrp="1"/>
+          </p:cNvSpPr>
+          <p:nvPr>
+            <p:ph type="ftr" sz="quarter" idx="12"/>
+          </p:nvPr>
+        </p:nvSpPr>
+        <p:spPr/>
+        <p:txBody>
+          <a:bodyPr/>
+          <a:lstStyle/>
+          <a:p>
+            <a:r>
+              <a:rPr lang="en-US" smtClean="0"/>
+              <a:t>Practicle Course in Molecular Biology and Microbiology</a:t>
+            </a:r>
+            <a:endParaRPr lang="de-DE"/>
           </a:p>
         </p:txBody>
       </p:sp>
@@ -2754,4 +4275,287 @@
     </a:extraClrScheme>
   </a:extraClrSchemeLst>
 </a:theme>
+</file>
+
+<file path=ppt/theme/theme2.xml><?xml version="1.0" encoding="utf-8"?>
+<a:theme xmlns:a="http://schemas.openxmlformats.org/drawingml/2006/main" name="Larissa-Design">
+  <a:themeElements>
+    <a:clrScheme name="Larissa">
+      <a:dk1>
+        <a:sysClr val="windowText" lastClr="000000"/>
+      </a:dk1>
+      <a:lt1>
+        <a:sysClr val="window" lastClr="FFFFFF"/>
+      </a:lt1>
+      <a:dk2>
+        <a:srgbClr val="1F497D"/>
+      </a:dk2>
+      <a:lt2>
+        <a:srgbClr val="EEECE1"/>
+      </a:lt2>
+      <a:accent1>
+        <a:srgbClr val="4F81BD"/>
+      </a:accent1>
+      <a:accent2>
+        <a:srgbClr val="C0504D"/>
+      </a:accent2>
+      <a:accent3>
+        <a:srgbClr val="9BBB59"/>
+      </a:accent3>
+      <a:accent4>
+        <a:srgbClr val="8064A2"/>
+      </a:accent4>
+      <a:accent5>
+        <a:srgbClr val="4BACC6"/>
+      </a:accent5>
+      <a:accent6>
+        <a:srgbClr val="F79646"/>
+      </a:accent6>
+      <a:hlink>
+        <a:srgbClr val="0000FF"/>
+      </a:hlink>
+      <a:folHlink>
+        <a:srgbClr val="800080"/>
+      </a:folHlink>
+    </a:clrScheme>
+    <a:fontScheme name="Larissa">
+      <a:majorFont>
+        <a:latin typeface="Calibri"/>
+        <a:ea typeface=""/>
+        <a:cs typeface=""/>
+        <a:font script="Jpan" typeface="ＭＳ Ｐゴシック"/>
+        <a:font script="Hang" typeface="맑은 고딕"/>
+        <a:font script="Hans" typeface="宋体"/>
+        <a:font script="Hant" typeface="新細明體"/>
+        <a:font script="Arab" typeface="Times New Roman"/>
+        <a:font script="Hebr" typeface="Times New Roman"/>
+        <a:font script="Thai" typeface="Angsana New"/>
+        <a:font script="Ethi" typeface="Nyala"/>
+        <a:font script="Beng" typeface="Vrinda"/>
+        <a:font script="Gujr" typeface="Shruti"/>
+        <a:font script="Khmr" typeface="MoolBoran"/>
+        <a:font script="Knda" typeface="Tunga"/>
+        <a:font script="Guru" typeface="Raavi"/>
+        <a:font script="Cans" typeface="Euphemia"/>
+        <a:font script="Cher" typeface="Plantagenet Cherokee"/>
+        <a:font script="Yiii" typeface="Microsoft Yi Baiti"/>
+        <a:font script="Tibt" typeface="Microsoft Himalaya"/>
+        <a:font script="Thaa" typeface="MV Boli"/>
+        <a:font script="Deva" typeface="Mangal"/>
+        <a:font script="Telu" typeface="Gautami"/>
+        <a:font script="Taml" typeface="Latha"/>
+        <a:font script="Syrc" typeface="Estrangelo Edessa"/>
+        <a:font script="Orya" typeface="Kalinga"/>
+        <a:font script="Mlym" typeface="Kartika"/>
+        <a:font script="Laoo" typeface="DokChampa"/>
+        <a:font script="Sinh" typeface="Iskoola Pota"/>
+        <a:font script="Mong" typeface="Mongolian Baiti"/>
+        <a:font script="Viet" typeface="Times New Roman"/>
+        <a:font script="Uigh" typeface="Microsoft Uighur"/>
+      </a:majorFont>
+      <a:minorFont>
+        <a:latin typeface="Calibri"/>
+        <a:ea typeface=""/>
+        <a:cs typeface=""/>
+        <a:font script="Jpan" typeface="ＭＳ Ｐゴシック"/>
+        <a:font script="Hang" typeface="맑은 고딕"/>
+        <a:font script="Hans" typeface="宋体"/>
+        <a:font script="Hant" typeface="新細明體"/>
+        <a:font script="Arab" typeface="Arial"/>
+        <a:font script="Hebr" typeface="Arial"/>
+        <a:font script="Thai" typeface="Cordia New"/>
+        <a:font script="Ethi" typeface="Nyala"/>
+        <a:font script="Beng" typeface="Vrinda"/>
+        <a:font script="Gujr" typeface="Shruti"/>
+        <a:font script="Khmr" typeface="DaunPenh"/>
+        <a:font script="Knda" typeface="Tunga"/>
+        <a:font script="Guru" typeface="Raavi"/>
+        <a:font script="Cans" typeface="Euphemia"/>
+        <a:font script="Cher" typeface="Plantagenet Cherokee"/>
+        <a:font script="Yiii" typeface="Microsoft Yi Baiti"/>
+        <a:font script="Tibt" typeface="Microsoft Himalaya"/>
+        <a:font script="Thaa" typeface="MV Boli"/>
+        <a:font script="Deva" typeface="Mangal"/>
+        <a:font script="Telu" typeface="Gautami"/>
+        <a:font script="Taml" typeface="Latha"/>
+        <a:font script="Syrc" typeface="Estrangelo Edessa"/>
+        <a:font script="Orya" typeface="Kalinga"/>
+        <a:font script="Mlym" typeface="Kartika"/>
+        <a:font script="Laoo" typeface="DokChampa"/>
+        <a:font script="Sinh" typeface="Iskoola Pota"/>
+        <a:font script="Mong" typeface="Mongolian Baiti"/>
+        <a:font script="Viet" typeface="Arial"/>
+        <a:font script="Uigh" typeface="Microsoft Uighur"/>
+      </a:minorFont>
+    </a:fontScheme>
+    <a:fmtScheme name="Larissa">
+      <a:fillStyleLst>
+        <a:solidFill>
+          <a:schemeClr val="phClr"/>
+        </a:solidFill>
+        <a:gradFill rotWithShape="1">
+          <a:gsLst>
+            <a:gs pos="0">
+              <a:schemeClr val="phClr">
+                <a:tint val="50000"/>
+                <a:satMod val="300000"/>
+              </a:schemeClr>
+            </a:gs>
+            <a:gs pos="35000">
+              <a:schemeClr val="phClr">
+                <a:tint val="37000"/>
+                <a:satMod val="300000"/>
+              </a:schemeClr>
+            </a:gs>
+            <a:gs pos="100000">
+              <a:schemeClr val="phClr">
+                <a:tint val="15000"/>
+                <a:satMod val="350000"/>
+              </a:schemeClr>
+            </a:gs>
+          </a:gsLst>
+          <a:lin ang="16200000" scaled="1"/>
+        </a:gradFill>
+        <a:gradFill rotWithShape="1">
+          <a:gsLst>
+            <a:gs pos="0">
+              <a:schemeClr val="phClr">
+                <a:shade val="51000"/>
+                <a:satMod val="130000"/>
+              </a:schemeClr>
+            </a:gs>
+            <a:gs pos="80000">
+              <a:schemeClr val="phClr">
+                <a:shade val="93000"/>
+                <a:satMod val="130000"/>
+              </a:schemeClr>
+            </a:gs>
+            <a:gs pos="100000">
+              <a:schemeClr val="phClr">
+                <a:shade val="94000"/>
+                <a:satMod val="135000"/>
+              </a:schemeClr>
+            </a:gs>
+          </a:gsLst>
+          <a:lin ang="16200000" scaled="0"/>
+        </a:gradFill>
+      </a:fillStyleLst>
+      <a:lnStyleLst>
+        <a:ln w="9525" cap="flat" cmpd="sng" algn="ctr">
+          <a:solidFill>
+            <a:schemeClr val="phClr">
+              <a:shade val="95000"/>
+              <a:satMod val="105000"/>
+            </a:schemeClr>
+          </a:solidFill>
+          <a:prstDash val="solid"/>
+        </a:ln>
+        <a:ln w="25400" cap="flat" cmpd="sng" algn="ctr">
+          <a:solidFill>
+            <a:schemeClr val="phClr"/>
+          </a:solidFill>
+          <a:prstDash val="solid"/>
+        </a:ln>
+        <a:ln w="38100" cap="flat" cmpd="sng" algn="ctr">
+          <a:solidFill>
+            <a:schemeClr val="phClr"/>
+          </a:solidFill>
+          <a:prstDash val="solid"/>
+        </a:ln>
+      </a:lnStyleLst>
+      <a:effectStyleLst>
+        <a:effectStyle>
+          <a:effectLst>
+            <a:outerShdw blurRad="40000" dist="20000" dir="5400000" rotWithShape="0">
+              <a:srgbClr val="000000">
+                <a:alpha val="38000"/>
+              </a:srgbClr>
+            </a:outerShdw>
+          </a:effectLst>
+        </a:effectStyle>
+        <a:effectStyle>
+          <a:effectLst>
+            <a:outerShdw blurRad="40000" dist="23000" dir="5400000" rotWithShape="0">
+              <a:srgbClr val="000000">
+                <a:alpha val="35000"/>
+              </a:srgbClr>
+            </a:outerShdw>
+          </a:effectLst>
+        </a:effectStyle>
+        <a:effectStyle>
+          <a:effectLst>
+            <a:outerShdw blurRad="40000" dist="23000" dir="5400000" rotWithShape="0">
+              <a:srgbClr val="000000">
+                <a:alpha val="35000"/>
+              </a:srgbClr>
+            </a:outerShdw>
+          </a:effectLst>
+          <a:scene3d>
+            <a:camera prst="orthographicFront">
+              <a:rot lat="0" lon="0" rev="0"/>
+            </a:camera>
+            <a:lightRig rig="threePt" dir="t">
+              <a:rot lat="0" lon="0" rev="1200000"/>
+            </a:lightRig>
+          </a:scene3d>
+          <a:sp3d>
+            <a:bevelT w="63500" h="25400"/>
+          </a:sp3d>
+        </a:effectStyle>
+      </a:effectStyleLst>
+      <a:bgFillStyleLst>
+        <a:solidFill>
+          <a:schemeClr val="phClr"/>
+        </a:solidFill>
+        <a:gradFill rotWithShape="1">
+          <a:gsLst>
+            <a:gs pos="0">
+              <a:schemeClr val="phClr">
+                <a:tint val="40000"/>
+                <a:satMod val="350000"/>
+              </a:schemeClr>
+            </a:gs>
+            <a:gs pos="40000">
+              <a:schemeClr val="phClr">
+                <a:tint val="45000"/>
+                <a:shade val="99000"/>
+                <a:satMod val="350000"/>
+              </a:schemeClr>
+            </a:gs>
+            <a:gs pos="100000">
+              <a:schemeClr val="phClr">
+                <a:shade val="20000"/>
+                <a:satMod val="255000"/>
+              </a:schemeClr>
+            </a:gs>
+          </a:gsLst>
+          <a:path path="circle">
+            <a:fillToRect l="50000" t="-80000" r="50000" b="180000"/>
+          </a:path>
+        </a:gradFill>
+        <a:gradFill rotWithShape="1">
+          <a:gsLst>
+            <a:gs pos="0">
+              <a:schemeClr val="phClr">
+                <a:tint val="80000"/>
+                <a:satMod val="300000"/>
+              </a:schemeClr>
+            </a:gs>
+            <a:gs pos="100000">
+              <a:schemeClr val="phClr">
+                <a:shade val="30000"/>
+                <a:satMod val="200000"/>
+              </a:schemeClr>
+            </a:gs>
+          </a:gsLst>
+          <a:path path="circle">
+            <a:fillToRect l="50000" t="50000" r="50000" b="50000"/>
+          </a:path>
+        </a:gradFill>
+      </a:bgFillStyleLst>
+    </a:fmtScheme>
+  </a:themeElements>
+  <a:objectDefaults/>
+  <a:extraClrSchemeLst/>
+</a:theme>
 </file>
--- a/Presentation.pptx
+++ b/Presentation.pptx
@@ -9,7 +9,11 @@
     <p:sldId id="257" r:id="rId3"/>
     <p:sldId id="258" r:id="rId4"/>
     <p:sldId id="260" r:id="rId5"/>
-    <p:sldId id="261" r:id="rId6"/>
+    <p:sldId id="263" r:id="rId6"/>
+    <p:sldId id="264" r:id="rId7"/>
+    <p:sldId id="261" r:id="rId8"/>
+    <p:sldId id="262" r:id="rId9"/>
+    <p:sldId id="265" r:id="rId10"/>
   </p:sldIdLst>
   <p:sldSz cx="9144000" cy="6858000" type="screen4x3"/>
   <p:notesSz cx="6858000" cy="9144000"/>
@@ -1888,11 +1892,7 @@
             </a:r>
             <a:r>
               <a:rPr lang="de-CH" dirty="0" err="1" smtClean="0"/>
-              <a:t>S</a:t>
-            </a:r>
-            <a:r>
-              <a:rPr lang="de-CH" dirty="0" err="1" smtClean="0"/>
-              <a:t>pectra</a:t>
+              <a:t>Spectra</a:t>
             </a:r>
             <a:r>
               <a:rPr lang="de-CH" dirty="0" smtClean="0"/>
@@ -1908,11 +1908,7 @@
             </a:r>
             <a:r>
               <a:rPr lang="de-CH" dirty="0" err="1" smtClean="0"/>
-              <a:t>M</a:t>
-            </a:r>
-            <a:r>
-              <a:rPr lang="de-CH" dirty="0" err="1" smtClean="0"/>
-              <a:t>utants</a:t>
+              <a:t>Mutants</a:t>
             </a:r>
             <a:endParaRPr lang="de-CH" dirty="0"/>
           </a:p>
@@ -2601,6 +2597,848 @@
           <a:lstStyle/>
           <a:p>
             <a:r>
+              <a:rPr lang="de-CH" dirty="0" smtClean="0"/>
+              <a:t>GFP</a:t>
+            </a:r>
+            <a:endParaRPr lang="de-CH" dirty="0"/>
+          </a:p>
+        </p:txBody>
+      </p:sp>
+      <p:pic>
+        <p:nvPicPr>
+          <p:cNvPr id="4" name="Grafik 3" descr="chromo_water_polcon.png"/>
+          <p:cNvPicPr>
+            <a:picLocks noChangeAspect="1"/>
+          </p:cNvPicPr>
+          <p:nvPr/>
+        </p:nvPicPr>
+        <p:blipFill>
+          <a:blip r:embed="rId2" cstate="print"/>
+          <a:stretch>
+            <a:fillRect/>
+          </a:stretch>
+        </p:blipFill>
+        <p:spPr>
+          <a:xfrm>
+            <a:off x="323528" y="1628800"/>
+            <a:ext cx="1858642" cy="1440160"/>
+          </a:xfrm>
+          <a:prstGeom prst="rect">
+            <a:avLst/>
+          </a:prstGeom>
+        </p:spPr>
+      </p:pic>
+      <p:pic>
+        <p:nvPicPr>
+          <p:cNvPr id="5" name="Grafik 4" descr="chromo_mutated_aa.png"/>
+          <p:cNvPicPr>
+            <a:picLocks noChangeAspect="1"/>
+          </p:cNvPicPr>
+          <p:nvPr/>
+        </p:nvPicPr>
+        <p:blipFill>
+          <a:blip r:embed="rId3" cstate="print"/>
+          <a:stretch>
+            <a:fillRect/>
+          </a:stretch>
+        </p:blipFill>
+        <p:spPr>
+          <a:xfrm>
+            <a:off x="2483768" y="1484784"/>
+            <a:ext cx="1858644" cy="1440160"/>
+          </a:xfrm>
+          <a:prstGeom prst="rect">
+            <a:avLst/>
+          </a:prstGeom>
+        </p:spPr>
+      </p:pic>
+      <p:pic>
+        <p:nvPicPr>
+          <p:cNvPr id="6" name="Grafik 5" descr="chromo_mutated_aa_interaction.png"/>
+          <p:cNvPicPr>
+            <a:picLocks noChangeAspect="1"/>
+          </p:cNvPicPr>
+          <p:nvPr/>
+        </p:nvPicPr>
+        <p:blipFill>
+          <a:blip r:embed="rId4" cstate="print"/>
+          <a:stretch>
+            <a:fillRect/>
+          </a:stretch>
+        </p:blipFill>
+        <p:spPr>
+          <a:xfrm>
+            <a:off x="4499992" y="1844824"/>
+            <a:ext cx="1905400" cy="1476388"/>
+          </a:xfrm>
+          <a:prstGeom prst="rect">
+            <a:avLst/>
+          </a:prstGeom>
+        </p:spPr>
+      </p:pic>
+    </p:spTree>
+  </p:cSld>
+  <p:clrMapOvr>
+    <a:masterClrMapping/>
+  </p:clrMapOvr>
+  <p:transition spd="slow">
+    <p:fade/>
+  </p:transition>
+</p:sld>
+</file>
+
+<file path=ppt/slides/slide6.xml><?xml version="1.0" encoding="utf-8"?>
+<p:sld xmlns:a="http://schemas.openxmlformats.org/drawingml/2006/main" xmlns:r="http://schemas.openxmlformats.org/officeDocument/2006/relationships" xmlns:p="http://schemas.openxmlformats.org/presentationml/2006/main">
+  <p:cSld>
+    <p:spTree>
+      <p:nvGrpSpPr>
+        <p:cNvPr id="1" name=""/>
+        <p:cNvGrpSpPr/>
+        <p:nvPr/>
+      </p:nvGrpSpPr>
+      <p:grpSpPr>
+        <a:xfrm>
+          <a:off x="0" y="0"/>
+          <a:ext cx="0" cy="0"/>
+          <a:chOff x="0" y="0"/>
+          <a:chExt cx="0" cy="0"/>
+        </a:xfrm>
+      </p:grpSpPr>
+      <p:sp>
+        <p:nvSpPr>
+          <p:cNvPr id="2" name="Titel 1"/>
+          <p:cNvSpPr>
+            <a:spLocks noGrp="1"/>
+          </p:cNvSpPr>
+          <p:nvPr>
+            <p:ph type="title"/>
+          </p:nvPr>
+        </p:nvSpPr>
+        <p:spPr/>
+        <p:txBody>
+          <a:bodyPr/>
+          <a:lstStyle/>
+          <a:p>
+            <a:r>
+              <a:rPr lang="de-CH" dirty="0" err="1" smtClean="0"/>
+              <a:t>Bacterial</a:t>
+            </a:r>
+            <a:r>
+              <a:rPr lang="de-CH" dirty="0" smtClean="0"/>
+              <a:t> Growth </a:t>
+            </a:r>
+            <a:r>
+              <a:rPr lang="de-CH" dirty="0" err="1" smtClean="0"/>
+              <a:t>Curve</a:t>
+            </a:r>
+            <a:endParaRPr lang="de-CH" dirty="0"/>
+          </a:p>
+        </p:txBody>
+      </p:sp>
+      <p:sp>
+        <p:nvSpPr>
+          <p:cNvPr id="3" name="Inhaltsplatzhalter 2"/>
+          <p:cNvSpPr>
+            <a:spLocks noGrp="1"/>
+          </p:cNvSpPr>
+          <p:nvPr>
+            <p:ph idx="1"/>
+          </p:nvPr>
+        </p:nvSpPr>
+        <p:spPr>
+          <a:xfrm>
+            <a:off x="381000" y="1751013"/>
+            <a:ext cx="3758952" cy="3766219"/>
+          </a:xfrm>
+        </p:spPr>
+        <p:txBody>
+          <a:bodyPr/>
+          <a:lstStyle/>
+          <a:p>
+            <a:r>
+              <a:rPr lang="de-CH" dirty="0" err="1" smtClean="0"/>
+              <a:t>ln</a:t>
+            </a:r>
+            <a:r>
+              <a:rPr lang="de-CH" dirty="0" smtClean="0"/>
+              <a:t>(X) = </a:t>
+            </a:r>
+            <a:r>
+              <a:rPr lang="de-CH" dirty="0" err="1" smtClean="0"/>
+              <a:t>ln</a:t>
+            </a:r>
+            <a:r>
+              <a:rPr lang="de-CH" dirty="0" smtClean="0"/>
+              <a:t>(X</a:t>
+            </a:r>
+            <a:r>
+              <a:rPr lang="de-CH" baseline="-25000" dirty="0" smtClean="0"/>
+              <a:t>0</a:t>
+            </a:r>
+            <a:r>
+              <a:rPr lang="de-CH" dirty="0" smtClean="0"/>
+              <a:t>) + </a:t>
+            </a:r>
+            <a:r>
+              <a:rPr lang="el-GR" dirty="0" smtClean="0"/>
+              <a:t>μ</a:t>
+            </a:r>
+            <a:r>
+              <a:rPr lang="de-CH" dirty="0" smtClean="0"/>
+              <a:t>t</a:t>
+            </a:r>
+          </a:p>
+          <a:p>
+            <a:r>
+              <a:rPr lang="de-CH" dirty="0" err="1" smtClean="0"/>
+              <a:t>Calculated</a:t>
+            </a:r>
+            <a:r>
+              <a:rPr lang="de-CH" dirty="0" smtClean="0"/>
+              <a:t> </a:t>
+            </a:r>
+            <a:r>
+              <a:rPr lang="el-GR" dirty="0" smtClean="0"/>
+              <a:t>μ</a:t>
+            </a:r>
+            <a:r>
+              <a:rPr lang="de-CH" dirty="0" smtClean="0"/>
+              <a:t> </a:t>
+            </a:r>
+            <a:r>
+              <a:rPr lang="de-CH" dirty="0" smtClean="0"/>
+              <a:t>:</a:t>
+            </a:r>
+          </a:p>
+          <a:p>
+            <a:pPr lvl="2"/>
+            <a:r>
+              <a:rPr lang="de-CH" dirty="0" smtClean="0"/>
+              <a:t>LB (</a:t>
+            </a:r>
+            <a:r>
+              <a:rPr lang="de-CH" dirty="0" err="1" smtClean="0"/>
+              <a:t>initial</a:t>
+            </a:r>
+            <a:r>
+              <a:rPr lang="de-CH" dirty="0" smtClean="0"/>
+              <a:t>):	1.272 h</a:t>
+            </a:r>
+            <a:r>
+              <a:rPr lang="de-CH" baseline="30000" dirty="0" smtClean="0"/>
+              <a:t>-1</a:t>
+            </a:r>
+          </a:p>
+          <a:p>
+            <a:pPr lvl="2"/>
+            <a:r>
+              <a:rPr lang="de-CH" dirty="0" smtClean="0"/>
+              <a:t>LB (</a:t>
+            </a:r>
+            <a:r>
+              <a:rPr lang="de-CH" dirty="0" err="1" smtClean="0"/>
+              <a:t>later</a:t>
+            </a:r>
+            <a:r>
+              <a:rPr lang="de-CH" dirty="0" smtClean="0"/>
+              <a:t>):	0.192 </a:t>
+            </a:r>
+            <a:r>
+              <a:rPr lang="de-CH" dirty="0" smtClean="0"/>
+              <a:t>h</a:t>
+            </a:r>
+            <a:r>
+              <a:rPr lang="de-CH" baseline="30000" dirty="0" smtClean="0"/>
+              <a:t>-1</a:t>
+            </a:r>
+            <a:r>
+              <a:rPr lang="de-CH" dirty="0" smtClean="0"/>
+              <a:t> </a:t>
+            </a:r>
+          </a:p>
+          <a:p>
+            <a:pPr lvl="2"/>
+            <a:r>
+              <a:rPr lang="de-CH" dirty="0" smtClean="0"/>
+              <a:t>M9:		0.498 </a:t>
+            </a:r>
+            <a:r>
+              <a:rPr lang="de-CH" dirty="0" smtClean="0"/>
+              <a:t>h</a:t>
+            </a:r>
+            <a:r>
+              <a:rPr lang="de-CH" baseline="30000" dirty="0" smtClean="0"/>
+              <a:t>-1</a:t>
+            </a:r>
+            <a:endParaRPr lang="de-CH" dirty="0" smtClean="0"/>
+          </a:p>
+          <a:p>
+            <a:endParaRPr lang="de-CH" dirty="0"/>
+          </a:p>
+        </p:txBody>
+      </p:sp>
+      <p:pic>
+        <p:nvPicPr>
+          <p:cNvPr id="1026" name="Picture 2"/>
+          <p:cNvPicPr>
+            <a:picLocks noChangeAspect="1" noChangeArrowheads="1"/>
+          </p:cNvPicPr>
+          <p:nvPr/>
+        </p:nvPicPr>
+        <p:blipFill>
+          <a:blip r:embed="rId2" cstate="print"/>
+          <a:srcRect/>
+          <a:stretch>
+            <a:fillRect/>
+          </a:stretch>
+        </p:blipFill>
+        <p:spPr bwMode="auto">
+          <a:xfrm>
+            <a:off x="4211960" y="1700808"/>
+            <a:ext cx="4552109" cy="2304256"/>
+          </a:xfrm>
+          <a:prstGeom prst="rect">
+            <a:avLst/>
+          </a:prstGeom>
+          <a:noFill/>
+          <a:ln w="9525">
+            <a:noFill/>
+            <a:miter lim="800000"/>
+            <a:headEnd/>
+            <a:tailEnd/>
+          </a:ln>
+        </p:spPr>
+      </p:pic>
+      <p:sp>
+        <p:nvSpPr>
+          <p:cNvPr id="1029" name="Rectangle 5"/>
+          <p:cNvSpPr>
+            <a:spLocks noChangeArrowheads="1"/>
+          </p:cNvSpPr>
+          <p:nvPr/>
+        </p:nvSpPr>
+        <p:spPr bwMode="auto">
+          <a:xfrm>
+            <a:off x="0" y="0"/>
+            <a:ext cx="9144000" cy="457200"/>
+          </a:xfrm>
+          <a:prstGeom prst="rect">
+            <a:avLst/>
+          </a:prstGeom>
+          <a:noFill/>
+          <a:ln w="9525">
+            <a:noFill/>
+            <a:miter lim="800000"/>
+            <a:headEnd/>
+            <a:tailEnd/>
+          </a:ln>
+          <a:effectLst/>
+        </p:spPr>
+        <p:txBody>
+          <a:bodyPr vert="horz" wrap="none" lIns="91440" tIns="45720" rIns="91440" bIns="45720" numCol="1" anchor="ctr" anchorCtr="0" compatLnSpc="1">
+            <a:prstTxWarp prst="textNoShape">
+              <a:avLst/>
+            </a:prstTxWarp>
+            <a:spAutoFit/>
+          </a:bodyPr>
+          <a:lstStyle/>
+          <a:p>
+            <a:endParaRPr lang="de-CH"/>
+          </a:p>
+        </p:txBody>
+      </p:sp>
+      <p:pic>
+        <p:nvPicPr>
+          <p:cNvPr id="1028" name="Picture 4"/>
+          <p:cNvPicPr>
+            <a:picLocks noChangeAspect="1" noChangeArrowheads="1"/>
+          </p:cNvPicPr>
+          <p:nvPr/>
+        </p:nvPicPr>
+        <p:blipFill>
+          <a:blip r:embed="rId3" cstate="print">
+            <a:clrChange>
+              <a:clrFrom>
+                <a:srgbClr val="FFFFFF"/>
+              </a:clrFrom>
+              <a:clrTo>
+                <a:srgbClr val="FFFFFF">
+                  <a:alpha val="0"/>
+                </a:srgbClr>
+              </a:clrTo>
+            </a:clrChange>
+          </a:blip>
+          <a:srcRect/>
+          <a:stretch>
+            <a:fillRect/>
+          </a:stretch>
+        </p:blipFill>
+        <p:spPr bwMode="auto">
+          <a:xfrm>
+            <a:off x="0" y="457200"/>
+            <a:ext cx="1190625" cy="190500"/>
+          </a:xfrm>
+          <a:prstGeom prst="rect">
+            <a:avLst/>
+          </a:prstGeom>
+          <a:noFill/>
+        </p:spPr>
+      </p:pic>
+      <p:sp>
+        <p:nvSpPr>
+          <p:cNvPr id="1030" name="Rectangle 6"/>
+          <p:cNvSpPr>
+            <a:spLocks noChangeArrowheads="1"/>
+          </p:cNvSpPr>
+          <p:nvPr/>
+        </p:nvSpPr>
+        <p:spPr bwMode="auto">
+          <a:xfrm>
+            <a:off x="0" y="647700"/>
+            <a:ext cx="9144000" cy="0"/>
+          </a:xfrm>
+          <a:prstGeom prst="rect">
+            <a:avLst/>
+          </a:prstGeom>
+          <a:noFill/>
+          <a:ln w="9525">
+            <a:noFill/>
+            <a:miter lim="800000"/>
+            <a:headEnd/>
+            <a:tailEnd/>
+          </a:ln>
+          <a:effectLst/>
+        </p:spPr>
+        <p:txBody>
+          <a:bodyPr vert="horz" wrap="none" lIns="91440" tIns="45720" rIns="91440" bIns="45720" numCol="1" anchor="ctr" anchorCtr="0" compatLnSpc="1">
+            <a:prstTxWarp prst="textNoShape">
+              <a:avLst/>
+            </a:prstTxWarp>
+            <a:spAutoFit/>
+          </a:bodyPr>
+          <a:lstStyle/>
+          <a:p>
+            <a:pPr marL="0" marR="0" lvl="0" indent="0" algn="l" defTabSz="914400" rtl="0" eaLnBrk="1" fontAlgn="base" latinLnBrk="0" hangingPunct="1">
+              <a:lnSpc>
+                <a:spcPct val="100000"/>
+              </a:lnSpc>
+              <a:spcBef>
+                <a:spcPct val="0"/>
+              </a:spcBef>
+              <a:spcAft>
+                <a:spcPct val="0"/>
+              </a:spcAft>
+              <a:buClrTx/>
+              <a:buSzTx/>
+              <a:buFontTx/>
+              <a:buNone/>
+              <a:tabLst/>
+            </a:pPr>
+            <a:endParaRPr kumimoji="0" lang="de-DE" sz="1800" b="0" i="0" u="none" strike="noStrike" cap="none" normalizeH="0" baseline="0" smtClean="0">
+              <a:ln>
+                <a:noFill/>
+              </a:ln>
+              <a:solidFill>
+                <a:schemeClr val="tx1"/>
+              </a:solidFill>
+              <a:effectLst/>
+              <a:latin typeface="Arial" pitchFamily="34" charset="0"/>
+              <a:cs typeface="Arial" pitchFamily="34" charset="0"/>
+            </a:endParaRPr>
+          </a:p>
+        </p:txBody>
+      </p:sp>
+      <p:sp>
+        <p:nvSpPr>
+          <p:cNvPr id="1032" name="Rectangle 8"/>
+          <p:cNvSpPr>
+            <a:spLocks noChangeArrowheads="1"/>
+          </p:cNvSpPr>
+          <p:nvPr/>
+        </p:nvSpPr>
+        <p:spPr bwMode="auto">
+          <a:xfrm>
+            <a:off x="0" y="0"/>
+            <a:ext cx="9144000" cy="457200"/>
+          </a:xfrm>
+          <a:prstGeom prst="rect">
+            <a:avLst/>
+          </a:prstGeom>
+          <a:noFill/>
+          <a:ln w="9525">
+            <a:noFill/>
+            <a:miter lim="800000"/>
+            <a:headEnd/>
+            <a:tailEnd/>
+          </a:ln>
+          <a:effectLst/>
+        </p:spPr>
+        <p:txBody>
+          <a:bodyPr vert="horz" wrap="none" lIns="91440" tIns="45720" rIns="91440" bIns="45720" numCol="1" anchor="ctr" anchorCtr="0" compatLnSpc="1">
+            <a:prstTxWarp prst="textNoShape">
+              <a:avLst/>
+            </a:prstTxWarp>
+            <a:spAutoFit/>
+          </a:bodyPr>
+          <a:lstStyle/>
+          <a:p>
+            <a:endParaRPr lang="de-CH"/>
+          </a:p>
+        </p:txBody>
+      </p:sp>
+      <p:pic>
+        <p:nvPicPr>
+          <p:cNvPr id="1031" name="Picture 7"/>
+          <p:cNvPicPr>
+            <a:picLocks noChangeAspect="1" noChangeArrowheads="1"/>
+          </p:cNvPicPr>
+          <p:nvPr/>
+        </p:nvPicPr>
+        <p:blipFill>
+          <a:blip r:embed="rId3" cstate="print">
+            <a:clrChange>
+              <a:clrFrom>
+                <a:srgbClr val="FFFFFF"/>
+              </a:clrFrom>
+              <a:clrTo>
+                <a:srgbClr val="FFFFFF">
+                  <a:alpha val="0"/>
+                </a:srgbClr>
+              </a:clrTo>
+            </a:clrChange>
+          </a:blip>
+          <a:srcRect/>
+          <a:stretch>
+            <a:fillRect/>
+          </a:stretch>
+        </p:blipFill>
+        <p:spPr bwMode="auto">
+          <a:xfrm>
+            <a:off x="0" y="457200"/>
+            <a:ext cx="1190625" cy="190500"/>
+          </a:xfrm>
+          <a:prstGeom prst="rect">
+            <a:avLst/>
+          </a:prstGeom>
+          <a:noFill/>
+        </p:spPr>
+      </p:pic>
+      <p:sp>
+        <p:nvSpPr>
+          <p:cNvPr id="1033" name="Rectangle 9"/>
+          <p:cNvSpPr>
+            <a:spLocks noChangeArrowheads="1"/>
+          </p:cNvSpPr>
+          <p:nvPr/>
+        </p:nvSpPr>
+        <p:spPr bwMode="auto">
+          <a:xfrm>
+            <a:off x="0" y="647700"/>
+            <a:ext cx="9144000" cy="0"/>
+          </a:xfrm>
+          <a:prstGeom prst="rect">
+            <a:avLst/>
+          </a:prstGeom>
+          <a:noFill/>
+          <a:ln w="9525">
+            <a:noFill/>
+            <a:miter lim="800000"/>
+            <a:headEnd/>
+            <a:tailEnd/>
+          </a:ln>
+          <a:effectLst/>
+        </p:spPr>
+        <p:txBody>
+          <a:bodyPr vert="horz" wrap="none" lIns="91440" tIns="45720" rIns="91440" bIns="45720" numCol="1" anchor="ctr" anchorCtr="0" compatLnSpc="1">
+            <a:prstTxWarp prst="textNoShape">
+              <a:avLst/>
+            </a:prstTxWarp>
+            <a:spAutoFit/>
+          </a:bodyPr>
+          <a:lstStyle/>
+          <a:p>
+            <a:pPr marL="0" marR="0" lvl="0" indent="0" algn="l" defTabSz="914400" rtl="0" eaLnBrk="1" fontAlgn="base" latinLnBrk="0" hangingPunct="1">
+              <a:lnSpc>
+                <a:spcPct val="100000"/>
+              </a:lnSpc>
+              <a:spcBef>
+                <a:spcPct val="0"/>
+              </a:spcBef>
+              <a:spcAft>
+                <a:spcPct val="0"/>
+              </a:spcAft>
+              <a:buClrTx/>
+              <a:buSzTx/>
+              <a:buFontTx/>
+              <a:buNone/>
+              <a:tabLst/>
+            </a:pPr>
+            <a:endParaRPr kumimoji="0" lang="de-DE" sz="1800" b="0" i="0" u="none" strike="noStrike" cap="none" normalizeH="0" baseline="0" smtClean="0">
+              <a:ln>
+                <a:noFill/>
+              </a:ln>
+              <a:solidFill>
+                <a:schemeClr val="tx1"/>
+              </a:solidFill>
+              <a:effectLst/>
+              <a:latin typeface="Arial" pitchFamily="34" charset="0"/>
+              <a:cs typeface="Arial" pitchFamily="34" charset="0"/>
+            </a:endParaRPr>
+          </a:p>
+        </p:txBody>
+      </p:sp>
+      <p:sp>
+        <p:nvSpPr>
+          <p:cNvPr id="1035" name="Rectangle 11"/>
+          <p:cNvSpPr>
+            <a:spLocks noChangeArrowheads="1"/>
+          </p:cNvSpPr>
+          <p:nvPr/>
+        </p:nvSpPr>
+        <p:spPr bwMode="auto">
+          <a:xfrm>
+            <a:off x="0" y="0"/>
+            <a:ext cx="9144000" cy="457200"/>
+          </a:xfrm>
+          <a:prstGeom prst="rect">
+            <a:avLst/>
+          </a:prstGeom>
+          <a:noFill/>
+          <a:ln w="9525">
+            <a:noFill/>
+            <a:miter lim="800000"/>
+            <a:headEnd/>
+            <a:tailEnd/>
+          </a:ln>
+          <a:effectLst/>
+        </p:spPr>
+        <p:txBody>
+          <a:bodyPr vert="horz" wrap="none" lIns="91440" tIns="45720" rIns="91440" bIns="45720" numCol="1" anchor="ctr" anchorCtr="0" compatLnSpc="1">
+            <a:prstTxWarp prst="textNoShape">
+              <a:avLst/>
+            </a:prstTxWarp>
+            <a:spAutoFit/>
+          </a:bodyPr>
+          <a:lstStyle/>
+          <a:p>
+            <a:endParaRPr lang="de-CH"/>
+          </a:p>
+        </p:txBody>
+      </p:sp>
+      <p:pic>
+        <p:nvPicPr>
+          <p:cNvPr id="1034" name="Picture 10"/>
+          <p:cNvPicPr>
+            <a:picLocks noChangeAspect="1" noChangeArrowheads="1"/>
+          </p:cNvPicPr>
+          <p:nvPr/>
+        </p:nvPicPr>
+        <p:blipFill>
+          <a:blip r:embed="rId3" cstate="print">
+            <a:clrChange>
+              <a:clrFrom>
+                <a:srgbClr val="FFFFFF"/>
+              </a:clrFrom>
+              <a:clrTo>
+                <a:srgbClr val="FFFFFF">
+                  <a:alpha val="0"/>
+                </a:srgbClr>
+              </a:clrTo>
+            </a:clrChange>
+          </a:blip>
+          <a:srcRect/>
+          <a:stretch>
+            <a:fillRect/>
+          </a:stretch>
+        </p:blipFill>
+        <p:spPr bwMode="auto">
+          <a:xfrm>
+            <a:off x="0" y="457200"/>
+            <a:ext cx="1190625" cy="190500"/>
+          </a:xfrm>
+          <a:prstGeom prst="rect">
+            <a:avLst/>
+          </a:prstGeom>
+          <a:noFill/>
+        </p:spPr>
+      </p:pic>
+      <p:sp>
+        <p:nvSpPr>
+          <p:cNvPr id="1036" name="Rectangle 12"/>
+          <p:cNvSpPr>
+            <a:spLocks noChangeArrowheads="1"/>
+          </p:cNvSpPr>
+          <p:nvPr/>
+        </p:nvSpPr>
+        <p:spPr bwMode="auto">
+          <a:xfrm>
+            <a:off x="0" y="647700"/>
+            <a:ext cx="9144000" cy="0"/>
+          </a:xfrm>
+          <a:prstGeom prst="rect">
+            <a:avLst/>
+          </a:prstGeom>
+          <a:noFill/>
+          <a:ln w="9525">
+            <a:noFill/>
+            <a:miter lim="800000"/>
+            <a:headEnd/>
+            <a:tailEnd/>
+          </a:ln>
+          <a:effectLst/>
+        </p:spPr>
+        <p:txBody>
+          <a:bodyPr vert="horz" wrap="none" lIns="91440" tIns="45720" rIns="91440" bIns="45720" numCol="1" anchor="ctr" anchorCtr="0" compatLnSpc="1">
+            <a:prstTxWarp prst="textNoShape">
+              <a:avLst/>
+            </a:prstTxWarp>
+            <a:spAutoFit/>
+          </a:bodyPr>
+          <a:lstStyle/>
+          <a:p>
+            <a:pPr marL="0" marR="0" lvl="0" indent="0" algn="l" defTabSz="914400" rtl="0" eaLnBrk="1" fontAlgn="base" latinLnBrk="0" hangingPunct="1">
+              <a:lnSpc>
+                <a:spcPct val="100000"/>
+              </a:lnSpc>
+              <a:spcBef>
+                <a:spcPct val="0"/>
+              </a:spcBef>
+              <a:spcAft>
+                <a:spcPct val="0"/>
+              </a:spcAft>
+              <a:buClrTx/>
+              <a:buSzTx/>
+              <a:buFontTx/>
+              <a:buNone/>
+              <a:tabLst/>
+            </a:pPr>
+            <a:endParaRPr kumimoji="0" lang="de-DE" sz="1800" b="0" i="0" u="none" strike="noStrike" cap="none" normalizeH="0" baseline="0" smtClean="0">
+              <a:ln>
+                <a:noFill/>
+              </a:ln>
+              <a:solidFill>
+                <a:schemeClr val="tx1"/>
+              </a:solidFill>
+              <a:effectLst/>
+              <a:latin typeface="Arial" pitchFamily="34" charset="0"/>
+              <a:cs typeface="Arial" pitchFamily="34" charset="0"/>
+            </a:endParaRPr>
+          </a:p>
+        </p:txBody>
+      </p:sp>
+      <p:sp>
+        <p:nvSpPr>
+          <p:cNvPr id="16" name="Textfeld 15"/>
+          <p:cNvSpPr txBox="1"/>
+          <p:nvPr/>
+        </p:nvSpPr>
+        <p:spPr>
+          <a:xfrm>
+            <a:off x="4211960" y="4221088"/>
+            <a:ext cx="4608512" cy="1323439"/>
+          </a:xfrm>
+          <a:prstGeom prst="rect">
+            <a:avLst/>
+          </a:prstGeom>
+          <a:noFill/>
+        </p:spPr>
+        <p:txBody>
+          <a:bodyPr wrap="square" rtlCol="0">
+            <a:spAutoFit/>
+          </a:bodyPr>
+          <a:lstStyle/>
+          <a:p>
+            <a:r>
+              <a:rPr lang="en-GB" sz="1600" i="1" dirty="0" smtClean="0"/>
+              <a:t>Fig.: The </a:t>
+            </a:r>
+            <a:r>
+              <a:rPr lang="en-GB" sz="1600" i="1" dirty="0" smtClean="0"/>
+              <a:t>natural logarithm of the optical densities of the cultures versus the growth time. A linear regression of the exponential growth phases was done to get the growth rates on different </a:t>
+            </a:r>
+            <a:r>
+              <a:rPr lang="en-GB" sz="1600" i="1" dirty="0" smtClean="0"/>
+              <a:t>media. </a:t>
+            </a:r>
+            <a:r>
+              <a:rPr lang="en-GB" sz="1600" i="1" dirty="0" smtClean="0">
+                <a:solidFill>
+                  <a:srgbClr val="4F81BD"/>
+                </a:solidFill>
+              </a:rPr>
+              <a:t>LB</a:t>
+            </a:r>
+            <a:r>
+              <a:rPr lang="en-GB" sz="1600" i="1" dirty="0" smtClean="0"/>
+              <a:t>, </a:t>
+            </a:r>
+            <a:r>
+              <a:rPr lang="en-GB" sz="1600" i="1" dirty="0" smtClean="0">
+                <a:solidFill>
+                  <a:srgbClr val="C0504D"/>
+                </a:solidFill>
+              </a:rPr>
+              <a:t>M9</a:t>
+            </a:r>
+            <a:endParaRPr lang="de-CH" sz="1600" dirty="0">
+              <a:solidFill>
+                <a:srgbClr val="C0504D"/>
+              </a:solidFill>
+            </a:endParaRPr>
+          </a:p>
+        </p:txBody>
+      </p:sp>
+    </p:spTree>
+  </p:cSld>
+  <p:clrMapOvr>
+    <a:masterClrMapping/>
+  </p:clrMapOvr>
+  <p:transition spd="slow">
+    <p:fade/>
+  </p:transition>
+  <p:timing>
+    <p:tnLst>
+      <p:par>
+        <p:cTn id="1" dur="indefinite" restart="never" nodeType="tmRoot"/>
+      </p:par>
+    </p:tnLst>
+  </p:timing>
+</p:sld>
+</file>
+
+<file path=ppt/slides/slide7.xml><?xml version="1.0" encoding="utf-8"?>
+<p:sld xmlns:a="http://schemas.openxmlformats.org/drawingml/2006/main" xmlns:r="http://schemas.openxmlformats.org/officeDocument/2006/relationships" xmlns:p="http://schemas.openxmlformats.org/presentationml/2006/main">
+  <p:cSld>
+    <p:spTree>
+      <p:nvGrpSpPr>
+        <p:cNvPr id="1" name=""/>
+        <p:cNvGrpSpPr/>
+        <p:nvPr/>
+      </p:nvGrpSpPr>
+      <p:grpSpPr>
+        <a:xfrm>
+          <a:off x="0" y="0"/>
+          <a:ext cx="0" cy="0"/>
+          <a:chOff x="0" y="0"/>
+          <a:chExt cx="0" cy="0"/>
+        </a:xfrm>
+      </p:grpSpPr>
+      <p:sp>
+        <p:nvSpPr>
+          <p:cNvPr id="2" name="Titel 1"/>
+          <p:cNvSpPr>
+            <a:spLocks noGrp="1"/>
+          </p:cNvSpPr>
+          <p:nvPr>
+            <p:ph type="title"/>
+          </p:nvPr>
+        </p:nvSpPr>
+        <p:spPr/>
+        <p:txBody>
+          <a:bodyPr/>
+          <a:lstStyle/>
+          <a:p>
+            <a:r>
               <a:rPr lang="de-CH" dirty="0" err="1" smtClean="0"/>
               <a:t>Product</a:t>
             </a:r>
@@ -2668,19 +3506,7 @@
           <a:p>
             <a:r>
               <a:rPr lang="en-GB" i="1" dirty="0" smtClean="0"/>
-              <a:t>Fig.: Excitation </a:t>
-            </a:r>
-            <a:r>
-              <a:rPr lang="en-GB" i="1" dirty="0" smtClean="0"/>
-              <a:t>(395 nm) spectra of </a:t>
-            </a:r>
-            <a:r>
-              <a:rPr lang="en-GB" i="1" dirty="0" smtClean="0"/>
-              <a:t>the product </a:t>
-            </a:r>
-            <a:r>
-              <a:rPr lang="en-GB" i="1" dirty="0" smtClean="0"/>
-              <a:t>compared to the desired variant 2 and the wild type. </a:t>
+              <a:t>Fig.: Excitation (395 nm) spectra of the product compared to the desired variant 2 and the wild type. </a:t>
             </a:r>
             <a:r>
               <a:rPr lang="en-GB" i="1" dirty="0" smtClean="0">
@@ -2721,6 +3547,357 @@
             </a:endParaRPr>
           </a:p>
           <a:p>
+            <a:endParaRPr lang="de-CH" dirty="0"/>
+          </a:p>
+        </p:txBody>
+      </p:sp>
+    </p:spTree>
+  </p:cSld>
+  <p:clrMapOvr>
+    <a:masterClrMapping/>
+  </p:clrMapOvr>
+  <p:transition spd="slow">
+    <p:fade/>
+  </p:transition>
+</p:sld>
+</file>
+
+<file path=ppt/slides/slide8.xml><?xml version="1.0" encoding="utf-8"?>
+<p:sld xmlns:a="http://schemas.openxmlformats.org/drawingml/2006/main" xmlns:r="http://schemas.openxmlformats.org/officeDocument/2006/relationships" xmlns:p="http://schemas.openxmlformats.org/presentationml/2006/main">
+  <p:cSld>
+    <p:spTree>
+      <p:nvGrpSpPr>
+        <p:cNvPr id="1" name=""/>
+        <p:cNvGrpSpPr/>
+        <p:nvPr/>
+      </p:nvGrpSpPr>
+      <p:grpSpPr>
+        <a:xfrm>
+          <a:off x="0" y="0"/>
+          <a:ext cx="0" cy="0"/>
+          <a:chOff x="0" y="0"/>
+          <a:chExt cx="0" cy="0"/>
+        </a:xfrm>
+      </p:grpSpPr>
+      <p:sp>
+        <p:nvSpPr>
+          <p:cNvPr id="2" name="Titel 1"/>
+          <p:cNvSpPr>
+            <a:spLocks noGrp="1"/>
+          </p:cNvSpPr>
+          <p:nvPr>
+            <p:ph type="title"/>
+          </p:nvPr>
+        </p:nvSpPr>
+        <p:spPr/>
+        <p:txBody>
+          <a:bodyPr/>
+          <a:lstStyle/>
+          <a:p>
+            <a:r>
+              <a:rPr lang="de-CH" dirty="0" err="1" smtClean="0"/>
+              <a:t>Troubleshooting</a:t>
+            </a:r>
+            <a:endParaRPr lang="de-CH" dirty="0"/>
+          </a:p>
+        </p:txBody>
+      </p:sp>
+      <p:sp>
+        <p:nvSpPr>
+          <p:cNvPr id="3" name="Inhaltsplatzhalter 2"/>
+          <p:cNvSpPr>
+            <a:spLocks noGrp="1"/>
+          </p:cNvSpPr>
+          <p:nvPr>
+            <p:ph idx="1"/>
+          </p:nvPr>
+        </p:nvSpPr>
+        <p:spPr/>
+        <p:txBody>
+          <a:bodyPr/>
+          <a:lstStyle/>
+          <a:p>
+            <a:endParaRPr lang="de-CH"/>
+          </a:p>
+        </p:txBody>
+      </p:sp>
+    </p:spTree>
+  </p:cSld>
+  <p:clrMapOvr>
+    <a:masterClrMapping/>
+  </p:clrMapOvr>
+  <p:transition spd="slow">
+    <p:fade/>
+  </p:transition>
+  <p:timing>
+    <p:tnLst>
+      <p:par>
+        <p:cTn id="1" dur="indefinite" restart="never" nodeType="tmRoot"/>
+      </p:par>
+    </p:tnLst>
+  </p:timing>
+</p:sld>
+</file>
+
+<file path=ppt/slides/slide9.xml><?xml version="1.0" encoding="utf-8"?>
+<p:sld xmlns:a="http://schemas.openxmlformats.org/drawingml/2006/main" xmlns:r="http://schemas.openxmlformats.org/officeDocument/2006/relationships" xmlns:p="http://schemas.openxmlformats.org/presentationml/2006/main">
+  <p:cSld>
+    <p:spTree>
+      <p:nvGrpSpPr>
+        <p:cNvPr id="1" name=""/>
+        <p:cNvGrpSpPr/>
+        <p:nvPr/>
+      </p:nvGrpSpPr>
+      <p:grpSpPr>
+        <a:xfrm>
+          <a:off x="0" y="0"/>
+          <a:ext cx="0" cy="0"/>
+          <a:chOff x="0" y="0"/>
+          <a:chExt cx="0" cy="0"/>
+        </a:xfrm>
+      </p:grpSpPr>
+      <p:sp>
+        <p:nvSpPr>
+          <p:cNvPr id="2" name="Titel 1"/>
+          <p:cNvSpPr>
+            <a:spLocks noGrp="1"/>
+          </p:cNvSpPr>
+          <p:nvPr>
+            <p:ph type="title"/>
+          </p:nvPr>
+        </p:nvSpPr>
+        <p:spPr/>
+        <p:txBody>
+          <a:bodyPr/>
+          <a:lstStyle/>
+          <a:p>
+            <a:r>
+              <a:rPr lang="de-CH" dirty="0" err="1" smtClean="0"/>
+              <a:t>Purification</a:t>
+            </a:r>
+            <a:endParaRPr lang="de-CH" dirty="0"/>
+          </a:p>
+        </p:txBody>
+      </p:sp>
+      <p:sp>
+        <p:nvSpPr>
+          <p:cNvPr id="3" name="Inhaltsplatzhalter 2"/>
+          <p:cNvSpPr>
+            <a:spLocks noGrp="1"/>
+          </p:cNvSpPr>
+          <p:nvPr>
+            <p:ph idx="1"/>
+          </p:nvPr>
+        </p:nvSpPr>
+        <p:spPr>
+          <a:xfrm>
+            <a:off x="381000" y="1751013"/>
+            <a:ext cx="8382000" cy="885899"/>
+          </a:xfrm>
+        </p:spPr>
+        <p:txBody>
+          <a:bodyPr/>
+          <a:lstStyle/>
+          <a:p>
+            <a:r>
+              <a:rPr lang="de-CH" dirty="0" smtClean="0"/>
+              <a:t>Total </a:t>
+            </a:r>
+            <a:r>
+              <a:rPr lang="de-CH" dirty="0" err="1" smtClean="0"/>
+              <a:t>protein</a:t>
+            </a:r>
+            <a:r>
+              <a:rPr lang="de-CH" dirty="0" smtClean="0"/>
+              <a:t> </a:t>
+            </a:r>
+            <a:r>
+              <a:rPr lang="de-CH" dirty="0" err="1" smtClean="0"/>
+              <a:t>concentration</a:t>
+            </a:r>
+            <a:r>
+              <a:rPr lang="de-CH" dirty="0" smtClean="0"/>
+              <a:t> </a:t>
+            </a:r>
+            <a:r>
+              <a:rPr lang="de-CH" dirty="0" err="1" smtClean="0"/>
+              <a:t>determined</a:t>
+            </a:r>
+            <a:r>
+              <a:rPr lang="de-CH" dirty="0" smtClean="0"/>
+              <a:t> </a:t>
+            </a:r>
+            <a:r>
+              <a:rPr lang="de-CH" dirty="0" err="1" smtClean="0"/>
+              <a:t>using</a:t>
+            </a:r>
+            <a:r>
+              <a:rPr lang="de-CH" dirty="0" smtClean="0"/>
+              <a:t> </a:t>
+            </a:r>
+            <a:r>
+              <a:rPr lang="de-CH" dirty="0" err="1" smtClean="0">
+                <a:solidFill>
+                  <a:srgbClr val="FF0000"/>
+                </a:solidFill>
+              </a:rPr>
+              <a:t>Bradforts</a:t>
+            </a:r>
+            <a:r>
+              <a:rPr lang="de-CH" dirty="0" smtClean="0">
+                <a:solidFill>
+                  <a:srgbClr val="FF0000"/>
+                </a:solidFill>
+              </a:rPr>
+              <a:t> </a:t>
+            </a:r>
+            <a:r>
+              <a:rPr lang="de-CH" dirty="0" err="1" smtClean="0">
+                <a:solidFill>
+                  <a:srgbClr val="FF0000"/>
+                </a:solidFill>
+              </a:rPr>
+              <a:t>method</a:t>
+            </a:r>
+            <a:endParaRPr lang="de-CH" dirty="0" smtClean="0">
+              <a:solidFill>
+                <a:srgbClr val="FF0000"/>
+              </a:solidFill>
+            </a:endParaRPr>
+          </a:p>
+          <a:p>
+            <a:pPr>
+              <a:buNone/>
+            </a:pPr>
+            <a:endParaRPr lang="de-CH" dirty="0"/>
+          </a:p>
+        </p:txBody>
+      </p:sp>
+      <p:sp>
+        <p:nvSpPr>
+          <p:cNvPr id="12290" name="Rectangle 2"/>
+          <p:cNvSpPr>
+            <a:spLocks noChangeArrowheads="1"/>
+          </p:cNvSpPr>
+          <p:nvPr/>
+        </p:nvSpPr>
+        <p:spPr bwMode="auto">
+          <a:xfrm>
+            <a:off x="0" y="0"/>
+            <a:ext cx="9144000" cy="0"/>
+          </a:xfrm>
+          <a:prstGeom prst="rect">
+            <a:avLst/>
+          </a:prstGeom>
+          <a:noFill/>
+          <a:ln w="9525">
+            <a:noFill/>
+            <a:miter lim="800000"/>
+            <a:headEnd/>
+            <a:tailEnd/>
+          </a:ln>
+          <a:effectLst/>
+        </p:spPr>
+        <p:txBody>
+          <a:bodyPr vert="horz" wrap="none" lIns="91440" tIns="45720" rIns="91440" bIns="45720" numCol="1" anchor="ctr" anchorCtr="0" compatLnSpc="1">
+            <a:prstTxWarp prst="textNoShape">
+              <a:avLst/>
+            </a:prstTxWarp>
+            <a:spAutoFit/>
+          </a:bodyPr>
+          <a:lstStyle/>
+          <a:p>
+            <a:endParaRPr lang="de-CH"/>
+          </a:p>
+        </p:txBody>
+      </p:sp>
+      <p:pic>
+        <p:nvPicPr>
+          <p:cNvPr id="12289" name="Picture 1"/>
+          <p:cNvPicPr>
+            <a:picLocks noChangeAspect="1" noChangeArrowheads="1"/>
+          </p:cNvPicPr>
+          <p:nvPr/>
+        </p:nvPicPr>
+        <p:blipFill>
+          <a:blip r:embed="rId2" cstate="print">
+            <a:clrChange>
+              <a:clrFrom>
+                <a:srgbClr val="FFFFFF"/>
+              </a:clrFrom>
+              <a:clrTo>
+                <a:srgbClr val="FFFFFF">
+                  <a:alpha val="0"/>
+                </a:srgbClr>
+              </a:clrTo>
+            </a:clrChange>
+          </a:blip>
+          <a:srcRect/>
+          <a:stretch>
+            <a:fillRect/>
+          </a:stretch>
+        </p:blipFill>
+        <p:spPr bwMode="auto">
+          <a:xfrm>
+            <a:off x="899592" y="2852936"/>
+            <a:ext cx="4379314" cy="665212"/>
+          </a:xfrm>
+          <a:prstGeom prst="rect">
+            <a:avLst/>
+          </a:prstGeom>
+          <a:noFill/>
+        </p:spPr>
+      </p:pic>
+      <p:sp>
+        <p:nvSpPr>
+          <p:cNvPr id="6" name="Textfeld 5"/>
+          <p:cNvSpPr txBox="1"/>
+          <p:nvPr/>
+        </p:nvSpPr>
+        <p:spPr>
+          <a:xfrm>
+            <a:off x="971600" y="4293096"/>
+            <a:ext cx="6624736" cy="369332"/>
+          </a:xfrm>
+          <a:prstGeom prst="rect">
+            <a:avLst/>
+          </a:prstGeom>
+          <a:noFill/>
+        </p:spPr>
+        <p:txBody>
+          <a:bodyPr wrap="square" rtlCol="0">
+            <a:spAutoFit/>
+          </a:bodyPr>
+          <a:lstStyle/>
+          <a:p>
+            <a:r>
+              <a:rPr lang="de-CH" dirty="0" smtClean="0"/>
+              <a:t>2nd </a:t>
+            </a:r>
+            <a:r>
+              <a:rPr lang="de-CH" dirty="0" err="1" smtClean="0"/>
+              <a:t>formula</a:t>
+            </a:r>
+            <a:r>
+              <a:rPr lang="de-CH" dirty="0" smtClean="0"/>
+              <a:t> </a:t>
+            </a:r>
+            <a:r>
+              <a:rPr lang="de-CH" dirty="0" err="1" smtClean="0"/>
+              <a:t>and</a:t>
+            </a:r>
+            <a:r>
+              <a:rPr lang="de-CH" dirty="0" smtClean="0"/>
+              <a:t> </a:t>
+            </a:r>
+            <a:r>
+              <a:rPr lang="de-CH" dirty="0" err="1" smtClean="0"/>
+              <a:t>values</a:t>
+            </a:r>
+            <a:r>
+              <a:rPr lang="de-CH" dirty="0" smtClean="0"/>
+              <a:t>…</a:t>
+            </a:r>
             <a:endParaRPr lang="de-CH" dirty="0"/>
           </a:p>
         </p:txBody>

--- a/Presentation.pptx
+++ b/Presentation.pptx
@@ -13,12 +13,12 @@
     <p:sldId id="258" r:id="rId4"/>
     <p:sldId id="259" r:id="rId5"/>
     <p:sldId id="262" r:id="rId6"/>
-    <p:sldId id="263" r:id="rId7"/>
+    <p:sldId id="270" r:id="rId7"/>
     <p:sldId id="264" r:id="rId8"/>
-    <p:sldId id="265" r:id="rId9"/>
-    <p:sldId id="266" r:id="rId10"/>
-    <p:sldId id="267" r:id="rId11"/>
-    <p:sldId id="268" r:id="rId12"/>
+    <p:sldId id="263" r:id="rId9"/>
+    <p:sldId id="271" r:id="rId10"/>
+    <p:sldId id="266" r:id="rId11"/>
+    <p:sldId id="267" r:id="rId12"/>
     <p:sldId id="269" r:id="rId13"/>
     <p:sldId id="260" r:id="rId14"/>
     <p:sldId id="261" r:id="rId15"/>
@@ -2255,6 +2255,668 @@
           <a:p>
             <a:r>
               <a:rPr lang="de-CH" dirty="0" err="1" smtClean="0"/>
+              <a:t>Bacterial</a:t>
+            </a:r>
+            <a:r>
+              <a:rPr lang="de-CH" dirty="0" smtClean="0"/>
+              <a:t> Growth </a:t>
+            </a:r>
+            <a:r>
+              <a:rPr lang="de-CH" dirty="0" err="1" smtClean="0"/>
+              <a:t>Curve</a:t>
+            </a:r>
+            <a:endParaRPr lang="de-CH" dirty="0"/>
+          </a:p>
+        </p:txBody>
+      </p:sp>
+      <p:sp>
+        <p:nvSpPr>
+          <p:cNvPr id="3" name="Inhaltsplatzhalter 2"/>
+          <p:cNvSpPr>
+            <a:spLocks noGrp="1"/>
+          </p:cNvSpPr>
+          <p:nvPr>
+            <p:ph idx="1"/>
+          </p:nvPr>
+        </p:nvSpPr>
+        <p:spPr>
+          <a:xfrm>
+            <a:off x="381000" y="1751013"/>
+            <a:ext cx="3758952" cy="3766219"/>
+          </a:xfrm>
+        </p:spPr>
+        <p:txBody>
+          <a:bodyPr/>
+          <a:lstStyle/>
+          <a:p>
+            <a:r>
+              <a:rPr lang="de-CH" dirty="0" err="1" smtClean="0"/>
+              <a:t>ln</a:t>
+            </a:r>
+            <a:r>
+              <a:rPr lang="de-CH" dirty="0" smtClean="0"/>
+              <a:t>(X) = </a:t>
+            </a:r>
+            <a:r>
+              <a:rPr lang="de-CH" dirty="0" err="1" smtClean="0"/>
+              <a:t>ln</a:t>
+            </a:r>
+            <a:r>
+              <a:rPr lang="de-CH" dirty="0" smtClean="0"/>
+              <a:t>(X</a:t>
+            </a:r>
+            <a:r>
+              <a:rPr lang="de-CH" baseline="-25000" dirty="0" smtClean="0"/>
+              <a:t>0</a:t>
+            </a:r>
+            <a:r>
+              <a:rPr lang="de-CH" dirty="0" smtClean="0"/>
+              <a:t>) + </a:t>
+            </a:r>
+            <a:r>
+              <a:rPr lang="el-GR" dirty="0" smtClean="0"/>
+              <a:t>μ</a:t>
+            </a:r>
+            <a:r>
+              <a:rPr lang="de-CH" dirty="0" smtClean="0"/>
+              <a:t>t</a:t>
+            </a:r>
+          </a:p>
+          <a:p>
+            <a:r>
+              <a:rPr lang="de-CH" dirty="0" err="1" smtClean="0"/>
+              <a:t>Calculated</a:t>
+            </a:r>
+            <a:r>
+              <a:rPr lang="de-CH" dirty="0" smtClean="0"/>
+              <a:t> </a:t>
+            </a:r>
+            <a:r>
+              <a:rPr lang="el-GR" dirty="0" smtClean="0"/>
+              <a:t>μ</a:t>
+            </a:r>
+            <a:r>
+              <a:rPr lang="de-CH" dirty="0" smtClean="0"/>
+              <a:t> :</a:t>
+            </a:r>
+          </a:p>
+          <a:p>
+            <a:pPr lvl="2"/>
+            <a:r>
+              <a:rPr lang="de-CH" dirty="0" smtClean="0"/>
+              <a:t>LB (</a:t>
+            </a:r>
+            <a:r>
+              <a:rPr lang="de-CH" dirty="0" err="1" smtClean="0"/>
+              <a:t>initial</a:t>
+            </a:r>
+            <a:r>
+              <a:rPr lang="de-CH" dirty="0" smtClean="0"/>
+              <a:t>):	1.272 h</a:t>
+            </a:r>
+            <a:r>
+              <a:rPr lang="de-CH" baseline="30000" dirty="0" smtClean="0"/>
+              <a:t>-1</a:t>
+            </a:r>
+          </a:p>
+          <a:p>
+            <a:pPr lvl="2"/>
+            <a:r>
+              <a:rPr lang="de-CH" dirty="0" smtClean="0"/>
+              <a:t>LB (</a:t>
+            </a:r>
+            <a:r>
+              <a:rPr lang="de-CH" dirty="0" err="1" smtClean="0"/>
+              <a:t>later</a:t>
+            </a:r>
+            <a:r>
+              <a:rPr lang="de-CH" dirty="0" smtClean="0"/>
+              <a:t>):	0.192 h</a:t>
+            </a:r>
+            <a:r>
+              <a:rPr lang="de-CH" baseline="30000" dirty="0" smtClean="0"/>
+              <a:t>-1</a:t>
+            </a:r>
+            <a:r>
+              <a:rPr lang="de-CH" dirty="0" smtClean="0"/>
+              <a:t> </a:t>
+            </a:r>
+          </a:p>
+          <a:p>
+            <a:pPr lvl="2"/>
+            <a:r>
+              <a:rPr lang="de-CH" dirty="0" smtClean="0"/>
+              <a:t>M9:		0.498 h</a:t>
+            </a:r>
+            <a:r>
+              <a:rPr lang="de-CH" baseline="30000" dirty="0" smtClean="0"/>
+              <a:t>-1</a:t>
+            </a:r>
+            <a:endParaRPr lang="de-CH" dirty="0" smtClean="0"/>
+          </a:p>
+          <a:p>
+            <a:endParaRPr lang="de-CH" dirty="0"/>
+          </a:p>
+        </p:txBody>
+      </p:sp>
+      <p:pic>
+        <p:nvPicPr>
+          <p:cNvPr id="1026" name="Picture 2"/>
+          <p:cNvPicPr>
+            <a:picLocks noChangeAspect="1" noChangeArrowheads="1"/>
+          </p:cNvPicPr>
+          <p:nvPr/>
+        </p:nvPicPr>
+        <p:blipFill>
+          <a:blip r:embed="rId2" cstate="print"/>
+          <a:srcRect/>
+          <a:stretch>
+            <a:fillRect/>
+          </a:stretch>
+        </p:blipFill>
+        <p:spPr bwMode="auto">
+          <a:xfrm>
+            <a:off x="4211960" y="1700808"/>
+            <a:ext cx="4552109" cy="2304256"/>
+          </a:xfrm>
+          <a:prstGeom prst="rect">
+            <a:avLst/>
+          </a:prstGeom>
+          <a:noFill/>
+          <a:ln w="9525">
+            <a:noFill/>
+            <a:miter lim="800000"/>
+            <a:headEnd/>
+            <a:tailEnd/>
+          </a:ln>
+        </p:spPr>
+      </p:pic>
+      <p:sp>
+        <p:nvSpPr>
+          <p:cNvPr id="1029" name="Rectangle 5"/>
+          <p:cNvSpPr>
+            <a:spLocks noChangeArrowheads="1"/>
+          </p:cNvSpPr>
+          <p:nvPr/>
+        </p:nvSpPr>
+        <p:spPr bwMode="auto">
+          <a:xfrm>
+            <a:off x="0" y="0"/>
+            <a:ext cx="9144000" cy="457200"/>
+          </a:xfrm>
+          <a:prstGeom prst="rect">
+            <a:avLst/>
+          </a:prstGeom>
+          <a:noFill/>
+          <a:ln w="9525">
+            <a:noFill/>
+            <a:miter lim="800000"/>
+            <a:headEnd/>
+            <a:tailEnd/>
+          </a:ln>
+          <a:effectLst/>
+        </p:spPr>
+        <p:txBody>
+          <a:bodyPr vert="horz" wrap="none" lIns="91440" tIns="45720" rIns="91440" bIns="45720" numCol="1" anchor="ctr" anchorCtr="0" compatLnSpc="1">
+            <a:prstTxWarp prst="textNoShape">
+              <a:avLst/>
+            </a:prstTxWarp>
+            <a:spAutoFit/>
+          </a:bodyPr>
+          <a:lstStyle/>
+          <a:p>
+            <a:endParaRPr lang="de-CH"/>
+          </a:p>
+        </p:txBody>
+      </p:sp>
+      <p:sp>
+        <p:nvSpPr>
+          <p:cNvPr id="1030" name="Rectangle 6"/>
+          <p:cNvSpPr>
+            <a:spLocks noChangeArrowheads="1"/>
+          </p:cNvSpPr>
+          <p:nvPr/>
+        </p:nvSpPr>
+        <p:spPr bwMode="auto">
+          <a:xfrm>
+            <a:off x="0" y="647700"/>
+            <a:ext cx="9144000" cy="0"/>
+          </a:xfrm>
+          <a:prstGeom prst="rect">
+            <a:avLst/>
+          </a:prstGeom>
+          <a:noFill/>
+          <a:ln w="9525">
+            <a:noFill/>
+            <a:miter lim="800000"/>
+            <a:headEnd/>
+            <a:tailEnd/>
+          </a:ln>
+          <a:effectLst/>
+        </p:spPr>
+        <p:txBody>
+          <a:bodyPr vert="horz" wrap="none" lIns="91440" tIns="45720" rIns="91440" bIns="45720" numCol="1" anchor="ctr" anchorCtr="0" compatLnSpc="1">
+            <a:prstTxWarp prst="textNoShape">
+              <a:avLst/>
+            </a:prstTxWarp>
+            <a:spAutoFit/>
+          </a:bodyPr>
+          <a:lstStyle/>
+          <a:p>
+            <a:pPr marL="0" marR="0" lvl="0" indent="0" algn="l" defTabSz="914400" rtl="0" eaLnBrk="1" fontAlgn="base" latinLnBrk="0" hangingPunct="1">
+              <a:lnSpc>
+                <a:spcPct val="100000"/>
+              </a:lnSpc>
+              <a:spcBef>
+                <a:spcPct val="0"/>
+              </a:spcBef>
+              <a:spcAft>
+                <a:spcPct val="0"/>
+              </a:spcAft>
+              <a:buClrTx/>
+              <a:buSzTx/>
+              <a:buFontTx/>
+              <a:buNone/>
+              <a:tabLst/>
+            </a:pPr>
+            <a:endParaRPr kumimoji="0" lang="de-DE" sz="1800" b="0" i="0" u="none" strike="noStrike" cap="none" normalizeH="0" baseline="0" smtClean="0">
+              <a:ln>
+                <a:noFill/>
+              </a:ln>
+              <a:solidFill>
+                <a:schemeClr val="tx1"/>
+              </a:solidFill>
+              <a:effectLst/>
+              <a:latin typeface="Arial" pitchFamily="34" charset="0"/>
+              <a:cs typeface="Arial" pitchFamily="34" charset="0"/>
+            </a:endParaRPr>
+          </a:p>
+        </p:txBody>
+      </p:sp>
+      <p:sp>
+        <p:nvSpPr>
+          <p:cNvPr id="1032" name="Rectangle 8"/>
+          <p:cNvSpPr>
+            <a:spLocks noChangeArrowheads="1"/>
+          </p:cNvSpPr>
+          <p:nvPr/>
+        </p:nvSpPr>
+        <p:spPr bwMode="auto">
+          <a:xfrm>
+            <a:off x="0" y="0"/>
+            <a:ext cx="9144000" cy="457200"/>
+          </a:xfrm>
+          <a:prstGeom prst="rect">
+            <a:avLst/>
+          </a:prstGeom>
+          <a:noFill/>
+          <a:ln w="9525">
+            <a:noFill/>
+            <a:miter lim="800000"/>
+            <a:headEnd/>
+            <a:tailEnd/>
+          </a:ln>
+          <a:effectLst/>
+        </p:spPr>
+        <p:txBody>
+          <a:bodyPr vert="horz" wrap="none" lIns="91440" tIns="45720" rIns="91440" bIns="45720" numCol="1" anchor="ctr" anchorCtr="0" compatLnSpc="1">
+            <a:prstTxWarp prst="textNoShape">
+              <a:avLst/>
+            </a:prstTxWarp>
+            <a:spAutoFit/>
+          </a:bodyPr>
+          <a:lstStyle/>
+          <a:p>
+            <a:endParaRPr lang="de-CH"/>
+          </a:p>
+        </p:txBody>
+      </p:sp>
+      <p:sp>
+        <p:nvSpPr>
+          <p:cNvPr id="1033" name="Rectangle 9"/>
+          <p:cNvSpPr>
+            <a:spLocks noChangeArrowheads="1"/>
+          </p:cNvSpPr>
+          <p:nvPr/>
+        </p:nvSpPr>
+        <p:spPr bwMode="auto">
+          <a:xfrm>
+            <a:off x="0" y="647700"/>
+            <a:ext cx="9144000" cy="0"/>
+          </a:xfrm>
+          <a:prstGeom prst="rect">
+            <a:avLst/>
+          </a:prstGeom>
+          <a:noFill/>
+          <a:ln w="9525">
+            <a:noFill/>
+            <a:miter lim="800000"/>
+            <a:headEnd/>
+            <a:tailEnd/>
+          </a:ln>
+          <a:effectLst/>
+        </p:spPr>
+        <p:txBody>
+          <a:bodyPr vert="horz" wrap="none" lIns="91440" tIns="45720" rIns="91440" bIns="45720" numCol="1" anchor="ctr" anchorCtr="0" compatLnSpc="1">
+            <a:prstTxWarp prst="textNoShape">
+              <a:avLst/>
+            </a:prstTxWarp>
+            <a:spAutoFit/>
+          </a:bodyPr>
+          <a:lstStyle/>
+          <a:p>
+            <a:pPr marL="0" marR="0" lvl="0" indent="0" algn="l" defTabSz="914400" rtl="0" eaLnBrk="1" fontAlgn="base" latinLnBrk="0" hangingPunct="1">
+              <a:lnSpc>
+                <a:spcPct val="100000"/>
+              </a:lnSpc>
+              <a:spcBef>
+                <a:spcPct val="0"/>
+              </a:spcBef>
+              <a:spcAft>
+                <a:spcPct val="0"/>
+              </a:spcAft>
+              <a:buClrTx/>
+              <a:buSzTx/>
+              <a:buFontTx/>
+              <a:buNone/>
+              <a:tabLst/>
+            </a:pPr>
+            <a:endParaRPr kumimoji="0" lang="de-DE" sz="1800" b="0" i="0" u="none" strike="noStrike" cap="none" normalizeH="0" baseline="0" smtClean="0">
+              <a:ln>
+                <a:noFill/>
+              </a:ln>
+              <a:solidFill>
+                <a:schemeClr val="tx1"/>
+              </a:solidFill>
+              <a:effectLst/>
+              <a:latin typeface="Arial" pitchFamily="34" charset="0"/>
+              <a:cs typeface="Arial" pitchFamily="34" charset="0"/>
+            </a:endParaRPr>
+          </a:p>
+        </p:txBody>
+      </p:sp>
+      <p:sp>
+        <p:nvSpPr>
+          <p:cNvPr id="1035" name="Rectangle 11"/>
+          <p:cNvSpPr>
+            <a:spLocks noChangeArrowheads="1"/>
+          </p:cNvSpPr>
+          <p:nvPr/>
+        </p:nvSpPr>
+        <p:spPr bwMode="auto">
+          <a:xfrm>
+            <a:off x="0" y="0"/>
+            <a:ext cx="9144000" cy="457200"/>
+          </a:xfrm>
+          <a:prstGeom prst="rect">
+            <a:avLst/>
+          </a:prstGeom>
+          <a:noFill/>
+          <a:ln w="9525">
+            <a:noFill/>
+            <a:miter lim="800000"/>
+            <a:headEnd/>
+            <a:tailEnd/>
+          </a:ln>
+          <a:effectLst/>
+        </p:spPr>
+        <p:txBody>
+          <a:bodyPr vert="horz" wrap="none" lIns="91440" tIns="45720" rIns="91440" bIns="45720" numCol="1" anchor="ctr" anchorCtr="0" compatLnSpc="1">
+            <a:prstTxWarp prst="textNoShape">
+              <a:avLst/>
+            </a:prstTxWarp>
+            <a:spAutoFit/>
+          </a:bodyPr>
+          <a:lstStyle/>
+          <a:p>
+            <a:endParaRPr lang="de-CH"/>
+          </a:p>
+        </p:txBody>
+      </p:sp>
+      <p:sp>
+        <p:nvSpPr>
+          <p:cNvPr id="1036" name="Rectangle 12"/>
+          <p:cNvSpPr>
+            <a:spLocks noChangeArrowheads="1"/>
+          </p:cNvSpPr>
+          <p:nvPr/>
+        </p:nvSpPr>
+        <p:spPr bwMode="auto">
+          <a:xfrm>
+            <a:off x="0" y="647700"/>
+            <a:ext cx="9144000" cy="0"/>
+          </a:xfrm>
+          <a:prstGeom prst="rect">
+            <a:avLst/>
+          </a:prstGeom>
+          <a:noFill/>
+          <a:ln w="9525">
+            <a:noFill/>
+            <a:miter lim="800000"/>
+            <a:headEnd/>
+            <a:tailEnd/>
+          </a:ln>
+          <a:effectLst/>
+        </p:spPr>
+        <p:txBody>
+          <a:bodyPr vert="horz" wrap="none" lIns="91440" tIns="45720" rIns="91440" bIns="45720" numCol="1" anchor="ctr" anchorCtr="0" compatLnSpc="1">
+            <a:prstTxWarp prst="textNoShape">
+              <a:avLst/>
+            </a:prstTxWarp>
+            <a:spAutoFit/>
+          </a:bodyPr>
+          <a:lstStyle/>
+          <a:p>
+            <a:pPr marL="0" marR="0" lvl="0" indent="0" algn="l" defTabSz="914400" rtl="0" eaLnBrk="1" fontAlgn="base" latinLnBrk="0" hangingPunct="1">
+              <a:lnSpc>
+                <a:spcPct val="100000"/>
+              </a:lnSpc>
+              <a:spcBef>
+                <a:spcPct val="0"/>
+              </a:spcBef>
+              <a:spcAft>
+                <a:spcPct val="0"/>
+              </a:spcAft>
+              <a:buClrTx/>
+              <a:buSzTx/>
+              <a:buFontTx/>
+              <a:buNone/>
+              <a:tabLst/>
+            </a:pPr>
+            <a:endParaRPr kumimoji="0" lang="de-DE" sz="1800" b="0" i="0" u="none" strike="noStrike" cap="none" normalizeH="0" baseline="0" smtClean="0">
+              <a:ln>
+                <a:noFill/>
+              </a:ln>
+              <a:solidFill>
+                <a:schemeClr val="tx1"/>
+              </a:solidFill>
+              <a:effectLst/>
+              <a:latin typeface="Arial" pitchFamily="34" charset="0"/>
+              <a:cs typeface="Arial" pitchFamily="34" charset="0"/>
+            </a:endParaRPr>
+          </a:p>
+        </p:txBody>
+      </p:sp>
+      <p:sp>
+        <p:nvSpPr>
+          <p:cNvPr id="16" name="Textfeld 15"/>
+          <p:cNvSpPr txBox="1"/>
+          <p:nvPr/>
+        </p:nvSpPr>
+        <p:spPr>
+          <a:xfrm>
+            <a:off x="4211960" y="4221088"/>
+            <a:ext cx="4608512" cy="1323439"/>
+          </a:xfrm>
+          <a:prstGeom prst="rect">
+            <a:avLst/>
+          </a:prstGeom>
+          <a:noFill/>
+        </p:spPr>
+        <p:txBody>
+          <a:bodyPr wrap="square" rtlCol="0">
+            <a:spAutoFit/>
+          </a:bodyPr>
+          <a:lstStyle/>
+          <a:p>
+            <a:r>
+              <a:rPr lang="en-GB" sz="1600" i="1" dirty="0" smtClean="0"/>
+              <a:t>The </a:t>
+            </a:r>
+            <a:r>
+              <a:rPr lang="en-GB" sz="1600" i="1" dirty="0" smtClean="0"/>
+              <a:t>natural logarithm of the optical densities of the cultures versus the growth time. A linear regression of the exponential growth phases was done to get the growth rates on different media. </a:t>
+            </a:r>
+            <a:r>
+              <a:rPr lang="en-GB" sz="1600" i="1" dirty="0" smtClean="0">
+                <a:solidFill>
+                  <a:srgbClr val="4F81BD"/>
+                </a:solidFill>
+              </a:rPr>
+              <a:t>LB</a:t>
+            </a:r>
+            <a:r>
+              <a:rPr lang="en-GB" sz="1600" i="1" dirty="0" smtClean="0"/>
+              <a:t>, </a:t>
+            </a:r>
+            <a:r>
+              <a:rPr lang="en-GB" sz="1600" i="1" dirty="0" smtClean="0">
+                <a:solidFill>
+                  <a:srgbClr val="C0504D"/>
+                </a:solidFill>
+              </a:rPr>
+              <a:t>M9</a:t>
+            </a:r>
+            <a:endParaRPr lang="de-CH" sz="1600" dirty="0">
+              <a:solidFill>
+                <a:srgbClr val="C0504D"/>
+              </a:solidFill>
+            </a:endParaRPr>
+          </a:p>
+        </p:txBody>
+      </p:sp>
+      <p:sp>
+        <p:nvSpPr>
+          <p:cNvPr id="12" name="Datumsplatzhalter 11"/>
+          <p:cNvSpPr>
+            <a:spLocks noGrp="1"/>
+          </p:cNvSpPr>
+          <p:nvPr>
+            <p:ph type="dt" sz="half" idx="10"/>
+          </p:nvPr>
+        </p:nvSpPr>
+        <p:spPr/>
+        <p:txBody>
+          <a:bodyPr/>
+          <a:lstStyle/>
+          <a:p>
+            <a:r>
+              <a:rPr lang="de-DE" smtClean="0"/>
+              <a:t>18.06.2012</a:t>
+            </a:r>
+            <a:endParaRPr lang="de-DE"/>
+          </a:p>
+        </p:txBody>
+      </p:sp>
+      <p:sp>
+        <p:nvSpPr>
+          <p:cNvPr id="13" name="Foliennummernplatzhalter 12"/>
+          <p:cNvSpPr>
+            <a:spLocks noGrp="1"/>
+          </p:cNvSpPr>
+          <p:nvPr>
+            <p:ph type="sldNum" sz="quarter" idx="11"/>
+          </p:nvPr>
+        </p:nvSpPr>
+        <p:spPr/>
+        <p:txBody>
+          <a:bodyPr/>
+          <a:lstStyle/>
+          <a:p>
+            <a:fld id="{6C6AE60A-B69C-4790-82F7-3882EDF23186}" type="slidenum">
+              <a:rPr lang="de-DE" smtClean="0"/>
+              <a:pPr/>
+              <a:t>10</a:t>
+            </a:fld>
+            <a:endParaRPr lang="de-DE"/>
+          </a:p>
+        </p:txBody>
+      </p:sp>
+      <p:sp>
+        <p:nvSpPr>
+          <p:cNvPr id="14" name="Fußzeilenplatzhalter 13"/>
+          <p:cNvSpPr>
+            <a:spLocks noGrp="1"/>
+          </p:cNvSpPr>
+          <p:nvPr>
+            <p:ph type="ftr" sz="quarter" idx="12"/>
+          </p:nvPr>
+        </p:nvSpPr>
+        <p:spPr/>
+        <p:txBody>
+          <a:bodyPr/>
+          <a:lstStyle/>
+          <a:p>
+            <a:r>
+              <a:rPr lang="en-US" smtClean="0"/>
+              <a:t>Practicle Course in Molecular Biology and Microbiology</a:t>
+            </a:r>
+            <a:endParaRPr lang="de-DE"/>
+          </a:p>
+        </p:txBody>
+      </p:sp>
+    </p:spTree>
+  </p:cSld>
+  <p:clrMapOvr>
+    <a:masterClrMapping/>
+  </p:clrMapOvr>
+  <p:transition spd="slow">
+    <p:fade/>
+  </p:transition>
+  <p:timing>
+    <p:tnLst>
+      <p:par>
+        <p:cTn id="1" dur="indefinite" restart="never" nodeType="tmRoot"/>
+      </p:par>
+    </p:tnLst>
+  </p:timing>
+</p:sld>
+</file>
+
+<file path=ppt/slides/slide11.xml><?xml version="1.0" encoding="utf-8"?>
+<p:sld xmlns:a="http://schemas.openxmlformats.org/drawingml/2006/main" xmlns:r="http://schemas.openxmlformats.org/officeDocument/2006/relationships" xmlns:p="http://schemas.openxmlformats.org/presentationml/2006/main">
+  <p:cSld>
+    <p:spTree>
+      <p:nvGrpSpPr>
+        <p:cNvPr id="1" name=""/>
+        <p:cNvGrpSpPr/>
+        <p:nvPr/>
+      </p:nvGrpSpPr>
+      <p:grpSpPr>
+        <a:xfrm>
+          <a:off x="0" y="0"/>
+          <a:ext cx="0" cy="0"/>
+          <a:chOff x="0" y="0"/>
+          <a:chExt cx="0" cy="0"/>
+        </a:xfrm>
+      </p:grpSpPr>
+      <p:sp>
+        <p:nvSpPr>
+          <p:cNvPr id="2" name="Titel 1"/>
+          <p:cNvSpPr>
+            <a:spLocks noGrp="1"/>
+          </p:cNvSpPr>
+          <p:nvPr>
+            <p:ph type="title"/>
+          </p:nvPr>
+        </p:nvSpPr>
+        <p:spPr/>
+        <p:txBody>
+          <a:bodyPr/>
+          <a:lstStyle/>
+          <a:p>
+            <a:r>
+              <a:rPr lang="de-CH" dirty="0" err="1" smtClean="0"/>
               <a:t>Product</a:t>
             </a:r>
             <a:r>
@@ -2321,7 +2983,11 @@
           <a:p>
             <a:r>
               <a:rPr lang="en-GB" i="1" dirty="0" smtClean="0"/>
-              <a:t>Fig.: Excitation (395 nm) spectra of the product compared to the desired variant 2 and the wild type. </a:t>
+              <a:t>Excitation </a:t>
+            </a:r>
+            <a:r>
+              <a:rPr lang="en-GB" i="1" dirty="0" smtClean="0"/>
+              <a:t>(395 nm) spectra of the product compared to the desired variant 2 and the wild type. </a:t>
             </a:r>
             <a:r>
               <a:rPr lang="en-GB" i="1" dirty="0" smtClean="0">
@@ -2363,6 +3029,76 @@
           </a:p>
           <a:p>
             <a:endParaRPr lang="de-CH" dirty="0"/>
+          </a:p>
+        </p:txBody>
+      </p:sp>
+      <p:sp>
+        <p:nvSpPr>
+          <p:cNvPr id="5" name="Datumsplatzhalter 4"/>
+          <p:cNvSpPr>
+            <a:spLocks noGrp="1"/>
+          </p:cNvSpPr>
+          <p:nvPr>
+            <p:ph type="dt" sz="half" idx="10"/>
+          </p:nvPr>
+        </p:nvSpPr>
+        <p:spPr/>
+        <p:txBody>
+          <a:bodyPr/>
+          <a:lstStyle/>
+          <a:p>
+            <a:r>
+              <a:rPr lang="de-DE" smtClean="0"/>
+              <a:t>18.06.2012</a:t>
+            </a:r>
+            <a:endParaRPr lang="de-DE"/>
+          </a:p>
+        </p:txBody>
+      </p:sp>
+      <p:sp>
+        <p:nvSpPr>
+          <p:cNvPr id="7" name="Foliennummernplatzhalter 6"/>
+          <p:cNvSpPr>
+            <a:spLocks noGrp="1"/>
+          </p:cNvSpPr>
+          <p:nvPr>
+            <p:ph type="sldNum" sz="quarter" idx="11"/>
+          </p:nvPr>
+        </p:nvSpPr>
+        <p:spPr/>
+        <p:txBody>
+          <a:bodyPr/>
+          <a:lstStyle/>
+          <a:p>
+            <a:fld id="{6C6AE60A-B69C-4790-82F7-3882EDF23186}" type="slidenum">
+              <a:rPr lang="de-DE" smtClean="0"/>
+              <a:pPr/>
+              <a:t>11</a:t>
+            </a:fld>
+            <a:endParaRPr lang="de-DE"/>
+          </a:p>
+        </p:txBody>
+      </p:sp>
+      <p:sp>
+        <p:nvSpPr>
+          <p:cNvPr id="8" name="Fußzeilenplatzhalter 7"/>
+          <p:cNvSpPr>
+            <a:spLocks noGrp="1"/>
+          </p:cNvSpPr>
+          <p:nvPr>
+            <p:ph type="ftr" sz="quarter" idx="12"/>
+          </p:nvPr>
+        </p:nvSpPr>
+        <p:spPr/>
+        <p:txBody>
+          <a:bodyPr/>
+          <a:lstStyle/>
+          <a:p>
+            <a:r>
+              <a:rPr lang="en-US" smtClean="0"/>
+              <a:t>Practicle Course in Molecular Biology and Microbiology</a:t>
+            </a:r>
+            <a:endParaRPr lang="de-DE"/>
           </a:p>
         </p:txBody>
       </p:sp>
@@ -2374,83 +3110,6 @@
   <p:transition spd="slow">
     <p:fade/>
   </p:transition>
-</p:sld>
-</file>
-
-<file path=ppt/slides/slide11.xml><?xml version="1.0" encoding="utf-8"?>
-<p:sld xmlns:a="http://schemas.openxmlformats.org/drawingml/2006/main" xmlns:r="http://schemas.openxmlformats.org/officeDocument/2006/relationships" xmlns:p="http://schemas.openxmlformats.org/presentationml/2006/main">
-  <p:cSld>
-    <p:spTree>
-      <p:nvGrpSpPr>
-        <p:cNvPr id="1" name=""/>
-        <p:cNvGrpSpPr/>
-        <p:nvPr/>
-      </p:nvGrpSpPr>
-      <p:grpSpPr>
-        <a:xfrm>
-          <a:off x="0" y="0"/>
-          <a:ext cx="0" cy="0"/>
-          <a:chOff x="0" y="0"/>
-          <a:chExt cx="0" cy="0"/>
-        </a:xfrm>
-      </p:grpSpPr>
-      <p:sp>
-        <p:nvSpPr>
-          <p:cNvPr id="2" name="Titel 1"/>
-          <p:cNvSpPr>
-            <a:spLocks noGrp="1"/>
-          </p:cNvSpPr>
-          <p:nvPr>
-            <p:ph type="title"/>
-          </p:nvPr>
-        </p:nvSpPr>
-        <p:spPr/>
-        <p:txBody>
-          <a:bodyPr/>
-          <a:lstStyle/>
-          <a:p>
-            <a:r>
-              <a:rPr lang="de-CH" dirty="0" err="1" smtClean="0"/>
-              <a:t>Troubleshooting</a:t>
-            </a:r>
-            <a:endParaRPr lang="de-CH" dirty="0"/>
-          </a:p>
-        </p:txBody>
-      </p:sp>
-      <p:sp>
-        <p:nvSpPr>
-          <p:cNvPr id="3" name="Inhaltsplatzhalter 2"/>
-          <p:cNvSpPr>
-            <a:spLocks noGrp="1"/>
-          </p:cNvSpPr>
-          <p:nvPr>
-            <p:ph idx="1"/>
-          </p:nvPr>
-        </p:nvSpPr>
-        <p:spPr/>
-        <p:txBody>
-          <a:bodyPr/>
-          <a:lstStyle/>
-          <a:p>
-            <a:endParaRPr lang="de-CH"/>
-          </a:p>
-        </p:txBody>
-      </p:sp>
-    </p:spTree>
-  </p:cSld>
-  <p:clrMapOvr>
-    <a:masterClrMapping/>
-  </p:clrMapOvr>
-  <p:transition spd="slow">
-    <p:fade/>
-  </p:transition>
-  <p:timing>
-    <p:tnLst>
-      <p:par>
-        <p:cTn id="1" dur="indefinite" restart="never" nodeType="tmRoot"/>
-      </p:par>
-    </p:tnLst>
-  </p:timing>
 </p:sld>
 </file>
 
@@ -2551,34 +3210,14 @@
               <a:t> </a:t>
             </a:r>
             <a:r>
-              <a:rPr lang="de-CH" dirty="0" err="1" smtClean="0">
-                <a:solidFill>
-                  <a:srgbClr val="FF0000"/>
-                </a:solidFill>
-              </a:rPr>
-              <a:t>Bradforts</a:t>
-            </a:r>
-            <a:r>
-              <a:rPr lang="de-CH" dirty="0" smtClean="0">
-                <a:solidFill>
-                  <a:srgbClr val="FF0000"/>
-                </a:solidFill>
-              </a:rPr>
-              <a:t> </a:t>
-            </a:r>
-            <a:r>
-              <a:rPr lang="de-CH" dirty="0" err="1" smtClean="0">
-                <a:solidFill>
-                  <a:srgbClr val="FF0000"/>
-                </a:solidFill>
-              </a:rPr>
-              <a:t>method</a:t>
-            </a:r>
-            <a:endParaRPr lang="de-CH" dirty="0" smtClean="0">
-              <a:solidFill>
-                <a:srgbClr val="FF0000"/>
-              </a:solidFill>
-            </a:endParaRPr>
+              <a:rPr lang="de-CH" dirty="0" smtClean="0"/>
+              <a:t>a Bradford </a:t>
+            </a:r>
+            <a:r>
+              <a:rPr lang="de-CH" dirty="0" err="1" smtClean="0"/>
+              <a:t>assay</a:t>
+            </a:r>
+            <a:endParaRPr lang="de-CH" dirty="0" smtClean="0"/>
           </a:p>
           <a:p>
             <a:pPr>
@@ -2654,7 +3293,7 @@
         </p:blipFill>
         <p:spPr bwMode="auto">
           <a:xfrm>
-            <a:off x="899592" y="2852936"/>
+            <a:off x="2483768" y="2852936"/>
             <a:ext cx="4379314" cy="665212"/>
           </a:xfrm>
           <a:prstGeom prst="rect">
@@ -2665,55 +3304,578 @@
       </p:pic>
       <p:sp>
         <p:nvSpPr>
-          <p:cNvPr id="6" name="Textfeld 5"/>
-          <p:cNvSpPr txBox="1"/>
+          <p:cNvPr id="4098" name="Rectangle 2"/>
+          <p:cNvSpPr>
+            <a:spLocks noChangeArrowheads="1"/>
+          </p:cNvSpPr>
           <p:nvPr/>
         </p:nvSpPr>
-        <p:spPr>
+        <p:spPr bwMode="auto">
           <a:xfrm>
-            <a:off x="971600" y="4293096"/>
-            <a:ext cx="6624736" cy="369332"/>
+            <a:off x="0" y="0"/>
+            <a:ext cx="9144000" cy="0"/>
+          </a:xfrm>
+          <a:prstGeom prst="rect">
+            <a:avLst/>
+          </a:prstGeom>
+          <a:noFill/>
+          <a:ln w="9525">
+            <a:noFill/>
+            <a:miter lim="800000"/>
+            <a:headEnd/>
+            <a:tailEnd/>
+          </a:ln>
+          <a:effectLst/>
+        </p:spPr>
+        <p:txBody>
+          <a:bodyPr vert="horz" wrap="none" lIns="91440" tIns="45720" rIns="91440" bIns="45720" numCol="1" anchor="ctr" anchorCtr="0" compatLnSpc="1">
+            <a:prstTxWarp prst="textNoShape">
+              <a:avLst/>
+            </a:prstTxWarp>
+            <a:spAutoFit/>
+          </a:bodyPr>
+          <a:lstStyle/>
+          <a:p>
+            <a:endParaRPr lang="de-CH"/>
+          </a:p>
+        </p:txBody>
+      </p:sp>
+      <p:pic>
+        <p:nvPicPr>
+          <p:cNvPr id="4097" name="Picture 1"/>
+          <p:cNvPicPr>
+            <a:picLocks noChangeAspect="1" noChangeArrowheads="1"/>
+          </p:cNvPicPr>
+          <p:nvPr/>
+        </p:nvPicPr>
+        <p:blipFill>
+          <a:blip r:embed="rId3" cstate="print">
+            <a:clrChange>
+              <a:clrFrom>
+                <a:srgbClr val="FFFFFF"/>
+              </a:clrFrom>
+              <a:clrTo>
+                <a:srgbClr val="FFFFFF">
+                  <a:alpha val="0"/>
+                </a:srgbClr>
+              </a:clrTo>
+            </a:clrChange>
+          </a:blip>
+          <a:srcRect/>
+          <a:stretch>
+            <a:fillRect/>
+          </a:stretch>
+        </p:blipFill>
+        <p:spPr bwMode="auto">
+          <a:xfrm>
+            <a:off x="3203848" y="3717032"/>
+            <a:ext cx="3278769" cy="666000"/>
           </a:xfrm>
           <a:prstGeom prst="rect">
             <a:avLst/>
           </a:prstGeom>
           <a:noFill/>
         </p:spPr>
-        <p:txBody>
-          <a:bodyPr wrap="square" rtlCol="0">
-            <a:spAutoFit/>
-          </a:bodyPr>
-          <a:lstStyle/>
-          <a:p>
-            <a:r>
-              <a:rPr lang="de-CH" dirty="0" smtClean="0"/>
-              <a:t>2nd </a:t>
-            </a:r>
-            <a:r>
-              <a:rPr lang="de-CH" dirty="0" err="1" smtClean="0"/>
-              <a:t>formula</a:t>
-            </a:r>
-            <a:r>
-              <a:rPr lang="de-CH" dirty="0" smtClean="0"/>
-              <a:t> </a:t>
-            </a:r>
-            <a:r>
-              <a:rPr lang="de-CH" dirty="0" err="1" smtClean="0"/>
-              <a:t>and</a:t>
-            </a:r>
-            <a:r>
-              <a:rPr lang="de-CH" dirty="0" smtClean="0"/>
-              <a:t> </a:t>
-            </a:r>
-            <a:r>
-              <a:rPr lang="de-CH" dirty="0" err="1" smtClean="0"/>
-              <a:t>values</a:t>
-            </a:r>
-            <a:r>
-              <a:rPr lang="de-CH" dirty="0" smtClean="0"/>
-              <a:t>…</a:t>
-            </a:r>
-            <a:endParaRPr lang="de-CH" dirty="0"/>
+      </p:pic>
+      <p:graphicFrame>
+        <p:nvGraphicFramePr>
+          <p:cNvPr id="10" name="Tabelle 9"/>
+          <p:cNvGraphicFramePr>
+            <a:graphicFrameLocks noGrp="1"/>
+          </p:cNvGraphicFramePr>
+          <p:nvPr/>
+        </p:nvGraphicFramePr>
+        <p:xfrm>
+          <a:off x="2627784" y="4509120"/>
+          <a:ext cx="4302363" cy="1640572"/>
+        </p:xfrm>
+        <a:graphic>
+          <a:graphicData uri="http://schemas.openxmlformats.org/drawingml/2006/table">
+            <a:tbl>
+              <a:tblPr/>
+              <a:tblGrid>
+                <a:gridCol w="2302515"/>
+                <a:gridCol w="1999848"/>
+              </a:tblGrid>
+              <a:tr h="480053">
+                <a:tc>
+                  <a:txBody>
+                    <a:bodyPr/>
+                    <a:lstStyle/>
+                    <a:p>
+                      <a:pPr>
+                        <a:lnSpc>
+                          <a:spcPct val="115000"/>
+                        </a:lnSpc>
+                        <a:spcAft>
+                          <a:spcPts val="0"/>
+                        </a:spcAft>
+                      </a:pPr>
+                      <a:r>
+                        <a:rPr lang="en-GB" sz="2000" dirty="0">
+                          <a:latin typeface="Calibri"/>
+                          <a:ea typeface="Calibri"/>
+                          <a:cs typeface="Times New Roman"/>
+                        </a:rPr>
+                        <a:t>Purification factor</a:t>
+                      </a:r>
+                      <a:endParaRPr lang="de-CH" sz="2800" dirty="0">
+                        <a:latin typeface="Calibri"/>
+                        <a:ea typeface="Calibri"/>
+                        <a:cs typeface="Times New Roman"/>
+                      </a:endParaRPr>
+                    </a:p>
+                  </a:txBody>
+                  <a:tcPr marL="68580" marR="68580" marT="0" marB="0">
+                    <a:lnL w="12700" cap="flat" cmpd="sng" algn="ctr">
+                      <a:solidFill>
+                        <a:srgbClr val="000000"/>
+                      </a:solidFill>
+                      <a:prstDash val="solid"/>
+                      <a:round/>
+                      <a:headEnd type="none" w="med" len="med"/>
+                      <a:tailEnd type="none" w="med" len="med"/>
+                    </a:lnL>
+                    <a:lnR w="12700" cap="flat" cmpd="sng" algn="ctr">
+                      <a:solidFill>
+                        <a:srgbClr val="000000"/>
+                      </a:solidFill>
+                      <a:prstDash val="solid"/>
+                      <a:round/>
+                      <a:headEnd type="none" w="med" len="med"/>
+                      <a:tailEnd type="none" w="med" len="med"/>
+                    </a:lnR>
+                    <a:lnT w="12700" cap="flat" cmpd="sng" algn="ctr">
+                      <a:solidFill>
+                        <a:srgbClr val="000000"/>
+                      </a:solidFill>
+                      <a:prstDash val="solid"/>
+                      <a:round/>
+                      <a:headEnd type="none" w="med" len="med"/>
+                      <a:tailEnd type="none" w="med" len="med"/>
+                    </a:lnT>
+                    <a:lnB w="12700" cap="flat" cmpd="sng" algn="ctr">
+                      <a:solidFill>
+                        <a:srgbClr val="000000"/>
+                      </a:solidFill>
+                      <a:prstDash val="solid"/>
+                      <a:round/>
+                      <a:headEnd type="none" w="med" len="med"/>
+                      <a:tailEnd type="none" w="med" len="med"/>
+                    </a:lnB>
+                  </a:tcPr>
+                </a:tc>
+                <a:tc>
+                  <a:txBody>
+                    <a:bodyPr/>
+                    <a:lstStyle/>
+                    <a:p>
+                      <a:pPr>
+                        <a:lnSpc>
+                          <a:spcPct val="115000"/>
+                        </a:lnSpc>
+                        <a:spcAft>
+                          <a:spcPts val="0"/>
+                        </a:spcAft>
+                      </a:pPr>
+                      <a:r>
+                        <a:rPr lang="en-GB" sz="2000">
+                          <a:latin typeface="Calibri"/>
+                          <a:ea typeface="Calibri"/>
+                          <a:cs typeface="Times New Roman"/>
+                        </a:rPr>
+                        <a:t>3.3 ± 1</a:t>
+                      </a:r>
+                      <a:endParaRPr lang="de-CH" sz="2800">
+                        <a:latin typeface="Calibri"/>
+                        <a:ea typeface="Calibri"/>
+                        <a:cs typeface="Times New Roman"/>
+                      </a:endParaRPr>
+                    </a:p>
+                  </a:txBody>
+                  <a:tcPr marL="68580" marR="68580" marT="0" marB="0">
+                    <a:lnL w="12700" cap="flat" cmpd="sng" algn="ctr">
+                      <a:solidFill>
+                        <a:srgbClr val="000000"/>
+                      </a:solidFill>
+                      <a:prstDash val="solid"/>
+                      <a:round/>
+                      <a:headEnd type="none" w="med" len="med"/>
+                      <a:tailEnd type="none" w="med" len="med"/>
+                    </a:lnL>
+                    <a:lnR w="12700" cap="flat" cmpd="sng" algn="ctr">
+                      <a:solidFill>
+                        <a:srgbClr val="000000"/>
+                      </a:solidFill>
+                      <a:prstDash val="solid"/>
+                      <a:round/>
+                      <a:headEnd type="none" w="med" len="med"/>
+                      <a:tailEnd type="none" w="med" len="med"/>
+                    </a:lnR>
+                    <a:lnT w="12700" cap="flat" cmpd="sng" algn="ctr">
+                      <a:solidFill>
+                        <a:srgbClr val="000000"/>
+                      </a:solidFill>
+                      <a:prstDash val="solid"/>
+                      <a:round/>
+                      <a:headEnd type="none" w="med" len="med"/>
+                      <a:tailEnd type="none" w="med" len="med"/>
+                    </a:lnT>
+                    <a:lnB w="12700" cap="flat" cmpd="sng" algn="ctr">
+                      <a:solidFill>
+                        <a:srgbClr val="000000"/>
+                      </a:solidFill>
+                      <a:prstDash val="solid"/>
+                      <a:round/>
+                      <a:headEnd type="none" w="med" len="med"/>
+                      <a:tailEnd type="none" w="med" len="med"/>
+                    </a:lnB>
+                  </a:tcPr>
+                </a:tc>
+              </a:tr>
+              <a:tr h="480053">
+                <a:tc>
+                  <a:txBody>
+                    <a:bodyPr/>
+                    <a:lstStyle/>
+                    <a:p>
+                      <a:pPr>
+                        <a:lnSpc>
+                          <a:spcPct val="115000"/>
+                        </a:lnSpc>
+                        <a:spcAft>
+                          <a:spcPts val="0"/>
+                        </a:spcAft>
+                      </a:pPr>
+                      <a:r>
+                        <a:rPr lang="en-GB" sz="2000">
+                          <a:latin typeface="Calibri"/>
+                          <a:ea typeface="Calibri"/>
+                          <a:cs typeface="Times New Roman"/>
+                        </a:rPr>
+                        <a:t>GFP fraction</a:t>
+                      </a:r>
+                      <a:endParaRPr lang="de-CH" sz="2800">
+                        <a:latin typeface="Calibri"/>
+                        <a:ea typeface="Calibri"/>
+                        <a:cs typeface="Times New Roman"/>
+                      </a:endParaRPr>
+                    </a:p>
+                  </a:txBody>
+                  <a:tcPr marL="68580" marR="68580" marT="0" marB="0">
+                    <a:lnL w="12700" cap="flat" cmpd="sng" algn="ctr">
+                      <a:solidFill>
+                        <a:srgbClr val="000000"/>
+                      </a:solidFill>
+                      <a:prstDash val="solid"/>
+                      <a:round/>
+                      <a:headEnd type="none" w="med" len="med"/>
+                      <a:tailEnd type="none" w="med" len="med"/>
+                    </a:lnL>
+                    <a:lnR w="12700" cap="flat" cmpd="sng" algn="ctr">
+                      <a:solidFill>
+                        <a:srgbClr val="000000"/>
+                      </a:solidFill>
+                      <a:prstDash val="solid"/>
+                      <a:round/>
+                      <a:headEnd type="none" w="med" len="med"/>
+                      <a:tailEnd type="none" w="med" len="med"/>
+                    </a:lnR>
+                    <a:lnT w="12700" cap="flat" cmpd="sng" algn="ctr">
+                      <a:solidFill>
+                        <a:srgbClr val="000000"/>
+                      </a:solidFill>
+                      <a:prstDash val="solid"/>
+                      <a:round/>
+                      <a:headEnd type="none" w="med" len="med"/>
+                      <a:tailEnd type="none" w="med" len="med"/>
+                    </a:lnT>
+                    <a:lnB w="12700" cap="flat" cmpd="sng" algn="ctr">
+                      <a:solidFill>
+                        <a:srgbClr val="000000"/>
+                      </a:solidFill>
+                      <a:prstDash val="solid"/>
+                      <a:round/>
+                      <a:headEnd type="none" w="med" len="med"/>
+                      <a:tailEnd type="none" w="med" len="med"/>
+                    </a:lnB>
+                  </a:tcPr>
+                </a:tc>
+                <a:tc>
+                  <a:txBody>
+                    <a:bodyPr/>
+                    <a:lstStyle/>
+                    <a:p>
+                      <a:pPr>
+                        <a:lnSpc>
+                          <a:spcPct val="115000"/>
+                        </a:lnSpc>
+                        <a:spcAft>
+                          <a:spcPts val="0"/>
+                        </a:spcAft>
+                      </a:pPr>
+                      <a:r>
+                        <a:rPr lang="en-GB" sz="2000">
+                          <a:latin typeface="Calibri"/>
+                          <a:ea typeface="Calibri"/>
+                          <a:cs typeface="Times New Roman"/>
+                        </a:rPr>
+                        <a:t>19.5% ± 4%</a:t>
+                      </a:r>
+                      <a:endParaRPr lang="de-CH" sz="2800">
+                        <a:latin typeface="Calibri"/>
+                        <a:ea typeface="Calibri"/>
+                        <a:cs typeface="Times New Roman"/>
+                      </a:endParaRPr>
+                    </a:p>
+                  </a:txBody>
+                  <a:tcPr marL="68580" marR="68580" marT="0" marB="0">
+                    <a:lnL w="12700" cap="flat" cmpd="sng" algn="ctr">
+                      <a:solidFill>
+                        <a:srgbClr val="000000"/>
+                      </a:solidFill>
+                      <a:prstDash val="solid"/>
+                      <a:round/>
+                      <a:headEnd type="none" w="med" len="med"/>
+                      <a:tailEnd type="none" w="med" len="med"/>
+                    </a:lnL>
+                    <a:lnR w="12700" cap="flat" cmpd="sng" algn="ctr">
+                      <a:solidFill>
+                        <a:srgbClr val="000000"/>
+                      </a:solidFill>
+                      <a:prstDash val="solid"/>
+                      <a:round/>
+                      <a:headEnd type="none" w="med" len="med"/>
+                      <a:tailEnd type="none" w="med" len="med"/>
+                    </a:lnR>
+                    <a:lnT w="12700" cap="flat" cmpd="sng" algn="ctr">
+                      <a:solidFill>
+                        <a:srgbClr val="000000"/>
+                      </a:solidFill>
+                      <a:prstDash val="solid"/>
+                      <a:round/>
+                      <a:headEnd type="none" w="med" len="med"/>
+                      <a:tailEnd type="none" w="med" len="med"/>
+                    </a:lnT>
+                    <a:lnB w="12700" cap="flat" cmpd="sng" algn="ctr">
+                      <a:solidFill>
+                        <a:srgbClr val="000000"/>
+                      </a:solidFill>
+                      <a:prstDash val="solid"/>
+                      <a:round/>
+                      <a:headEnd type="none" w="med" len="med"/>
+                      <a:tailEnd type="none" w="med" len="med"/>
+                    </a:lnB>
+                  </a:tcPr>
+                </a:tc>
+              </a:tr>
+              <a:tr h="480053">
+                <a:tc>
+                  <a:txBody>
+                    <a:bodyPr/>
+                    <a:lstStyle/>
+                    <a:p>
+                      <a:pPr>
+                        <a:lnSpc>
+                          <a:spcPct val="115000"/>
+                        </a:lnSpc>
+                        <a:spcAft>
+                          <a:spcPts val="0"/>
+                        </a:spcAft>
+                      </a:pPr>
+                      <a:r>
+                        <a:rPr lang="en-GB" sz="2000">
+                          <a:latin typeface="Calibri"/>
+                          <a:ea typeface="Calibri"/>
+                          <a:cs typeface="Times New Roman"/>
+                        </a:rPr>
+                        <a:t>GFP concentration / [mg/mL]</a:t>
+                      </a:r>
+                      <a:endParaRPr lang="de-CH" sz="2800">
+                        <a:latin typeface="Calibri"/>
+                        <a:ea typeface="Calibri"/>
+                        <a:cs typeface="Times New Roman"/>
+                      </a:endParaRPr>
+                    </a:p>
+                  </a:txBody>
+                  <a:tcPr marL="68580" marR="68580" marT="0" marB="0">
+                    <a:lnL w="12700" cap="flat" cmpd="sng" algn="ctr">
+                      <a:solidFill>
+                        <a:srgbClr val="000000"/>
+                      </a:solidFill>
+                      <a:prstDash val="solid"/>
+                      <a:round/>
+                      <a:headEnd type="none" w="med" len="med"/>
+                      <a:tailEnd type="none" w="med" len="med"/>
+                    </a:lnL>
+                    <a:lnR w="12700" cap="flat" cmpd="sng" algn="ctr">
+                      <a:solidFill>
+                        <a:srgbClr val="000000"/>
+                      </a:solidFill>
+                      <a:prstDash val="solid"/>
+                      <a:round/>
+                      <a:headEnd type="none" w="med" len="med"/>
+                      <a:tailEnd type="none" w="med" len="med"/>
+                    </a:lnR>
+                    <a:lnT w="12700" cap="flat" cmpd="sng" algn="ctr">
+                      <a:solidFill>
+                        <a:srgbClr val="000000"/>
+                      </a:solidFill>
+                      <a:prstDash val="solid"/>
+                      <a:round/>
+                      <a:headEnd type="none" w="med" len="med"/>
+                      <a:tailEnd type="none" w="med" len="med"/>
+                    </a:lnT>
+                    <a:lnB w="12700" cap="flat" cmpd="sng" algn="ctr">
+                      <a:solidFill>
+                        <a:srgbClr val="000000"/>
+                      </a:solidFill>
+                      <a:prstDash val="solid"/>
+                      <a:round/>
+                      <a:headEnd type="none" w="med" len="med"/>
+                      <a:tailEnd type="none" w="med" len="med"/>
+                    </a:lnB>
+                  </a:tcPr>
+                </a:tc>
+                <a:tc>
+                  <a:txBody>
+                    <a:bodyPr/>
+                    <a:lstStyle/>
+                    <a:p>
+                      <a:pPr>
+                        <a:lnSpc>
+                          <a:spcPct val="115000"/>
+                        </a:lnSpc>
+                        <a:spcAft>
+                          <a:spcPts val="0"/>
+                        </a:spcAft>
+                      </a:pPr>
+                      <a:r>
+                        <a:rPr lang="en-GB" sz="2000" dirty="0">
+                          <a:latin typeface="Calibri"/>
+                          <a:ea typeface="Calibri"/>
+                          <a:cs typeface="Times New Roman"/>
+                        </a:rPr>
+                        <a:t>6.78 ± 4.2</a:t>
+                      </a:r>
+                      <a:endParaRPr lang="de-CH" sz="2800" dirty="0">
+                        <a:latin typeface="Calibri"/>
+                        <a:ea typeface="Calibri"/>
+                        <a:cs typeface="Times New Roman"/>
+                      </a:endParaRPr>
+                    </a:p>
+                  </a:txBody>
+                  <a:tcPr marL="68580" marR="68580" marT="0" marB="0">
+                    <a:lnL w="12700" cap="flat" cmpd="sng" algn="ctr">
+                      <a:solidFill>
+                        <a:srgbClr val="000000"/>
+                      </a:solidFill>
+                      <a:prstDash val="solid"/>
+                      <a:round/>
+                      <a:headEnd type="none" w="med" len="med"/>
+                      <a:tailEnd type="none" w="med" len="med"/>
+                    </a:lnL>
+                    <a:lnR w="12700" cap="flat" cmpd="sng" algn="ctr">
+                      <a:solidFill>
+                        <a:srgbClr val="000000"/>
+                      </a:solidFill>
+                      <a:prstDash val="solid"/>
+                      <a:round/>
+                      <a:headEnd type="none" w="med" len="med"/>
+                      <a:tailEnd type="none" w="med" len="med"/>
+                    </a:lnR>
+                    <a:lnT w="12700" cap="flat" cmpd="sng" algn="ctr">
+                      <a:solidFill>
+                        <a:srgbClr val="000000"/>
+                      </a:solidFill>
+                      <a:prstDash val="solid"/>
+                      <a:round/>
+                      <a:headEnd type="none" w="med" len="med"/>
+                      <a:tailEnd type="none" w="med" len="med"/>
+                    </a:lnT>
+                    <a:lnB w="12700" cap="flat" cmpd="sng" algn="ctr">
+                      <a:solidFill>
+                        <a:srgbClr val="000000"/>
+                      </a:solidFill>
+                      <a:prstDash val="solid"/>
+                      <a:round/>
+                      <a:headEnd type="none" w="med" len="med"/>
+                      <a:tailEnd type="none" w="med" len="med"/>
+                    </a:lnB>
+                  </a:tcPr>
+                </a:tc>
+              </a:tr>
+            </a:tbl>
+          </a:graphicData>
+        </a:graphic>
+      </p:graphicFrame>
+      <p:sp>
+        <p:nvSpPr>
+          <p:cNvPr id="11" name="Datumsplatzhalter 10"/>
+          <p:cNvSpPr>
+            <a:spLocks noGrp="1"/>
+          </p:cNvSpPr>
+          <p:nvPr>
+            <p:ph type="dt" sz="half" idx="10"/>
+          </p:nvPr>
+        </p:nvSpPr>
+        <p:spPr/>
+        <p:txBody>
+          <a:bodyPr/>
+          <a:lstStyle/>
+          <a:p>
+            <a:r>
+              <a:rPr lang="de-DE" smtClean="0"/>
+              <a:t>18.06.2012</a:t>
+            </a:r>
+            <a:endParaRPr lang="de-DE"/>
+          </a:p>
+        </p:txBody>
+      </p:sp>
+      <p:sp>
+        <p:nvSpPr>
+          <p:cNvPr id="12" name="Foliennummernplatzhalter 11"/>
+          <p:cNvSpPr>
+            <a:spLocks noGrp="1"/>
+          </p:cNvSpPr>
+          <p:nvPr>
+            <p:ph type="sldNum" sz="quarter" idx="11"/>
+          </p:nvPr>
+        </p:nvSpPr>
+        <p:spPr/>
+        <p:txBody>
+          <a:bodyPr/>
+          <a:lstStyle/>
+          <a:p>
+            <a:fld id="{6C6AE60A-B69C-4790-82F7-3882EDF23186}" type="slidenum">
+              <a:rPr lang="de-DE" smtClean="0"/>
+              <a:pPr/>
+              <a:t>12</a:t>
+            </a:fld>
+            <a:endParaRPr lang="de-DE"/>
+          </a:p>
+        </p:txBody>
+      </p:sp>
+      <p:sp>
+        <p:nvSpPr>
+          <p:cNvPr id="13" name="Fußzeilenplatzhalter 12"/>
+          <p:cNvSpPr>
+            <a:spLocks noGrp="1"/>
+          </p:cNvSpPr>
+          <p:nvPr>
+            <p:ph type="ftr" sz="quarter" idx="12"/>
+          </p:nvPr>
+        </p:nvSpPr>
+        <p:spPr/>
+        <p:txBody>
+          <a:bodyPr/>
+          <a:lstStyle/>
+          <a:p>
+            <a:r>
+              <a:rPr lang="en-US" smtClean="0"/>
+              <a:t>Practicle Course in Molecular Biology and Microbiology</a:t>
+            </a:r>
+            <a:endParaRPr lang="de-DE"/>
           </a:p>
         </p:txBody>
       </p:sp>
@@ -2891,10 +4053,14 @@
           <a:lstStyle/>
           <a:p>
             <a:r>
-              <a:rPr lang="en-US" smtClean="0"/>
-              <a:t>Practicle Course in Molecular Biology and Microbiology</a:t>
-            </a:r>
-            <a:endParaRPr lang="de-DE"/>
+              <a:rPr lang="en-US" dirty="0" err="1" smtClean="0"/>
+              <a:t>Practicle</a:t>
+            </a:r>
+            <a:r>
+              <a:rPr lang="en-US" dirty="0" smtClean="0"/>
+              <a:t> Course in Molecular Biology and Microbiology</a:t>
+            </a:r>
+            <a:endParaRPr lang="de-DE" dirty="0"/>
           </a:p>
         </p:txBody>
       </p:sp>
@@ -3976,12 +5142,8 @@
           <a:lstStyle/>
           <a:p>
             <a:r>
-              <a:rPr lang="de-CH" dirty="0" smtClean="0"/>
-              <a:t>UV-VIS </a:t>
-            </a:r>
-            <a:r>
               <a:rPr lang="de-CH" dirty="0" err="1" smtClean="0"/>
-              <a:t>Spectra</a:t>
+              <a:t>Characterization</a:t>
             </a:r>
             <a:r>
               <a:rPr lang="de-CH" dirty="0" smtClean="0"/>
@@ -3997,15 +5159,186 @@
             </a:r>
             <a:r>
               <a:rPr lang="de-CH" dirty="0" err="1" smtClean="0"/>
-              <a:t>Mutants</a:t>
+              <a:t>mutants</a:t>
+            </a:r>
+            <a:r>
+              <a:rPr lang="de-CH" dirty="0" smtClean="0"/>
+              <a:t>: UV-VIS</a:t>
             </a:r>
             <a:endParaRPr lang="de-CH" dirty="0"/>
+          </a:p>
+        </p:txBody>
+      </p:sp>
+      <p:sp>
+        <p:nvSpPr>
+          <p:cNvPr id="14" name="Textfeld 13"/>
+          <p:cNvSpPr txBox="1"/>
+          <p:nvPr/>
+        </p:nvSpPr>
+        <p:spPr>
+          <a:xfrm>
+            <a:off x="1403648" y="4797152"/>
+            <a:ext cx="6264696" cy="923330"/>
+          </a:xfrm>
+          <a:prstGeom prst="rect">
+            <a:avLst/>
+          </a:prstGeom>
+          <a:noFill/>
+        </p:spPr>
+        <p:txBody>
+          <a:bodyPr wrap="square" rtlCol="0">
+            <a:spAutoFit/>
+          </a:bodyPr>
+          <a:lstStyle/>
+          <a:p>
+            <a:r>
+              <a:rPr lang="en-GB" i="1" dirty="0" smtClean="0"/>
+              <a:t>Combined </a:t>
+            </a:r>
+            <a:r>
+              <a:rPr lang="en-GB" i="1" dirty="0" smtClean="0"/>
+              <a:t>excitation spectra (550nm) of all mutants and the wild type. </a:t>
+            </a:r>
+            <a:r>
+              <a:rPr lang="en-GB" i="1" dirty="0" smtClean="0">
+                <a:solidFill>
+                  <a:srgbClr val="4F81BD"/>
+                </a:solidFill>
+              </a:rPr>
+              <a:t>Variant 2</a:t>
+            </a:r>
+            <a:r>
+              <a:rPr lang="en-GB" i="1" dirty="0" smtClean="0"/>
+              <a:t>, </a:t>
+            </a:r>
+            <a:r>
+              <a:rPr lang="en-GB" i="1" dirty="0" smtClean="0">
+                <a:solidFill>
+                  <a:srgbClr val="C0504D"/>
+                </a:solidFill>
+              </a:rPr>
+              <a:t>variant 3</a:t>
+            </a:r>
+            <a:r>
+              <a:rPr lang="en-GB" i="1" dirty="0" smtClean="0"/>
+              <a:t>, </a:t>
+            </a:r>
+            <a:r>
+              <a:rPr lang="en-GB" i="1" dirty="0" smtClean="0">
+                <a:solidFill>
+                  <a:srgbClr val="9BBB59"/>
+                </a:solidFill>
+              </a:rPr>
+              <a:t>variant 4</a:t>
+            </a:r>
+            <a:r>
+              <a:rPr lang="en-GB" i="1" dirty="0" smtClean="0"/>
+              <a:t>, </a:t>
+            </a:r>
+            <a:r>
+              <a:rPr lang="en-GB" i="1" dirty="0" smtClean="0">
+                <a:solidFill>
+                  <a:srgbClr val="8064A2"/>
+                </a:solidFill>
+              </a:rPr>
+              <a:t>variant 5</a:t>
+            </a:r>
+            <a:r>
+              <a:rPr lang="en-GB" i="1" dirty="0" smtClean="0"/>
+              <a:t>, </a:t>
+            </a:r>
+            <a:r>
+              <a:rPr lang="en-GB" i="1" dirty="0" smtClean="0">
+                <a:solidFill>
+                  <a:srgbClr val="4BACC6"/>
+                </a:solidFill>
+              </a:rPr>
+              <a:t>wild type</a:t>
+            </a:r>
+            <a:r>
+              <a:rPr lang="en-GB" i="1" dirty="0" smtClean="0"/>
+              <a:t>.</a:t>
+            </a:r>
+            <a:endParaRPr lang="de-CH" dirty="0" smtClean="0"/>
+          </a:p>
+          <a:p>
+            <a:endParaRPr lang="de-CH" dirty="0"/>
+          </a:p>
+        </p:txBody>
+      </p:sp>
+      <p:sp>
+        <p:nvSpPr>
+          <p:cNvPr id="5" name="Datumsplatzhalter 4"/>
+          <p:cNvSpPr>
+            <a:spLocks noGrp="1"/>
+          </p:cNvSpPr>
+          <p:nvPr>
+            <p:ph type="dt" sz="half" idx="10"/>
+          </p:nvPr>
+        </p:nvSpPr>
+        <p:spPr/>
+        <p:txBody>
+          <a:bodyPr/>
+          <a:lstStyle/>
+          <a:p>
+            <a:r>
+              <a:rPr lang="de-DE" smtClean="0"/>
+              <a:t>18.06.2012</a:t>
+            </a:r>
+            <a:endParaRPr lang="de-DE"/>
+          </a:p>
+        </p:txBody>
+      </p:sp>
+      <p:sp>
+        <p:nvSpPr>
+          <p:cNvPr id="6" name="Foliennummernplatzhalter 5"/>
+          <p:cNvSpPr>
+            <a:spLocks noGrp="1"/>
+          </p:cNvSpPr>
+          <p:nvPr>
+            <p:ph type="sldNum" sz="quarter" idx="11"/>
+          </p:nvPr>
+        </p:nvSpPr>
+        <p:spPr/>
+        <p:txBody>
+          <a:bodyPr/>
+          <a:lstStyle/>
+          <a:p>
+            <a:fld id="{6C6AE60A-B69C-4790-82F7-3882EDF23186}" type="slidenum">
+              <a:rPr lang="de-DE" smtClean="0"/>
+              <a:pPr/>
+              <a:t>5</a:t>
+            </a:fld>
+            <a:endParaRPr lang="de-DE"/>
+          </a:p>
+        </p:txBody>
+      </p:sp>
+      <p:sp>
+        <p:nvSpPr>
+          <p:cNvPr id="7" name="Fußzeilenplatzhalter 6"/>
+          <p:cNvSpPr>
+            <a:spLocks noGrp="1"/>
+          </p:cNvSpPr>
+          <p:nvPr>
+            <p:ph type="ftr" sz="quarter" idx="12"/>
+          </p:nvPr>
+        </p:nvSpPr>
+        <p:spPr/>
+        <p:txBody>
+          <a:bodyPr/>
+          <a:lstStyle/>
+          <a:p>
+            <a:r>
+              <a:rPr lang="en-US" smtClean="0"/>
+              <a:t>Practicle Course in Molecular Biology and Microbiology</a:t>
+            </a:r>
+            <a:endParaRPr lang="de-DE"/>
           </a:p>
         </p:txBody>
       </p:sp>
       <p:pic>
         <p:nvPicPr>
-          <p:cNvPr id="1028" name="Picture 4"/>
+          <p:cNvPr id="11265" name="Picture 1"/>
           <p:cNvPicPr>
             <a:picLocks noChangeAspect="1" noChangeArrowheads="1"/>
           </p:cNvPicPr>
@@ -4020,8 +5353,8 @@
         </p:blipFill>
         <p:spPr bwMode="auto">
           <a:xfrm>
-            <a:off x="1403648" y="1556792"/>
-            <a:ext cx="6266632" cy="3156272"/>
+            <a:off x="1259632" y="1628800"/>
+            <a:ext cx="6264000" cy="3133141"/>
           </a:xfrm>
           <a:prstGeom prst="rect">
             <a:avLst/>
@@ -4035,103 +5368,6 @@
           </a:ln>
         </p:spPr>
       </p:pic>
-      <p:sp>
-        <p:nvSpPr>
-          <p:cNvPr id="14" name="Textfeld 13"/>
-          <p:cNvSpPr txBox="1"/>
-          <p:nvPr/>
-        </p:nvSpPr>
-        <p:spPr>
-          <a:xfrm>
-            <a:off x="1403648" y="4797152"/>
-            <a:ext cx="6264696" cy="1200329"/>
-          </a:xfrm>
-          <a:prstGeom prst="rect">
-            <a:avLst/>
-          </a:prstGeom>
-          <a:noFill/>
-        </p:spPr>
-        <p:txBody>
-          <a:bodyPr wrap="square" rtlCol="0">
-            <a:spAutoFit/>
-          </a:bodyPr>
-          <a:lstStyle/>
-          <a:p>
-            <a:r>
-              <a:rPr lang="en-GB" b="1" i="1" dirty="0" smtClean="0"/>
-              <a:t>Fig. </a:t>
-            </a:r>
-            <a:r>
-              <a:rPr lang="en-GB" i="1" dirty="0" smtClean="0"/>
-              <a:t> Combined excitation spectra (550nm) of all mutants and the wild type. </a:t>
-            </a:r>
-            <a:r>
-              <a:rPr lang="en-GB" i="1" dirty="0" smtClean="0">
-                <a:solidFill>
-                  <a:srgbClr val="4F81BD"/>
-                </a:solidFill>
-              </a:rPr>
-              <a:t>Variant 2</a:t>
-            </a:r>
-            <a:r>
-              <a:rPr lang="en-GB" i="1" dirty="0" smtClean="0"/>
-              <a:t>, </a:t>
-            </a:r>
-            <a:r>
-              <a:rPr lang="en-GB" i="1" dirty="0" smtClean="0">
-                <a:solidFill>
-                  <a:srgbClr val="C0504D"/>
-                </a:solidFill>
-              </a:rPr>
-              <a:t>variant 3</a:t>
-            </a:r>
-            <a:r>
-              <a:rPr lang="en-GB" i="1" dirty="0" smtClean="0"/>
-              <a:t>, </a:t>
-            </a:r>
-            <a:r>
-              <a:rPr lang="en-GB" i="1" dirty="0" smtClean="0">
-                <a:solidFill>
-                  <a:srgbClr val="9BBB59"/>
-                </a:solidFill>
-              </a:rPr>
-              <a:t>variant 4</a:t>
-            </a:r>
-            <a:r>
-              <a:rPr lang="en-GB" i="1" dirty="0" smtClean="0"/>
-              <a:t>, </a:t>
-            </a:r>
-            <a:r>
-              <a:rPr lang="en-GB" i="1" dirty="0" smtClean="0">
-                <a:solidFill>
-                  <a:srgbClr val="8064A2"/>
-                </a:solidFill>
-              </a:rPr>
-              <a:t>variant 5</a:t>
-            </a:r>
-            <a:r>
-              <a:rPr lang="en-GB" i="1" dirty="0" smtClean="0"/>
-              <a:t>, </a:t>
-            </a:r>
-            <a:r>
-              <a:rPr lang="en-GB" i="1" dirty="0" smtClean="0">
-                <a:solidFill>
-                  <a:srgbClr val="4BACC6"/>
-                </a:solidFill>
-              </a:rPr>
-              <a:t>wild type</a:t>
-            </a:r>
-            <a:r>
-              <a:rPr lang="en-GB" i="1" dirty="0" smtClean="0"/>
-              <a:t>.</a:t>
-            </a:r>
-            <a:endParaRPr lang="de-CH" dirty="0" smtClean="0"/>
-          </a:p>
-          <a:p>
-            <a:endParaRPr lang="de-CH" dirty="0"/>
-          </a:p>
-        </p:txBody>
-      </p:sp>
     </p:spTree>
   </p:cSld>
   <p:clrMapOvr>
@@ -4183,12 +5419,8 @@
           <a:lstStyle/>
           <a:p>
             <a:r>
-              <a:rPr lang="de-CH" dirty="0" smtClean="0"/>
-              <a:t>UV-VIS </a:t>
-            </a:r>
-            <a:r>
               <a:rPr lang="de-CH" dirty="0" err="1" smtClean="0"/>
-              <a:t>Spectra</a:t>
+              <a:t>Characterization</a:t>
             </a:r>
             <a:r>
               <a:rPr lang="de-CH" dirty="0" smtClean="0"/>
@@ -4200,54 +5432,130 @@
             </a:r>
             <a:r>
               <a:rPr lang="de-CH" dirty="0" smtClean="0"/>
-              <a:t> Variant 2</a:t>
+              <a:t> </a:t>
+            </a:r>
+            <a:r>
+              <a:rPr lang="de-CH" dirty="0" err="1" smtClean="0"/>
+              <a:t>mutants</a:t>
+            </a:r>
+            <a:r>
+              <a:rPr lang="de-CH" dirty="0" smtClean="0"/>
+              <a:t>: </a:t>
+            </a:r>
+            <a:r>
+              <a:rPr lang="de-CH" dirty="0" smtClean="0"/>
+              <a:t>SDS PAGE</a:t>
             </a:r>
             <a:endParaRPr lang="de-CH" dirty="0"/>
+          </a:p>
+        </p:txBody>
+      </p:sp>
+      <p:sp>
+        <p:nvSpPr>
+          <p:cNvPr id="4" name="Datumsplatzhalter 3"/>
+          <p:cNvSpPr>
+            <a:spLocks noGrp="1"/>
+          </p:cNvSpPr>
+          <p:nvPr>
+            <p:ph type="dt" sz="half" idx="10"/>
+          </p:nvPr>
+        </p:nvSpPr>
+        <p:spPr/>
+        <p:txBody>
+          <a:bodyPr/>
+          <a:lstStyle/>
+          <a:p>
+            <a:r>
+              <a:rPr lang="de-DE" smtClean="0"/>
+              <a:t>18.06.2012</a:t>
+            </a:r>
+            <a:endParaRPr lang="de-DE"/>
+          </a:p>
+        </p:txBody>
+      </p:sp>
+      <p:sp>
+        <p:nvSpPr>
+          <p:cNvPr id="5" name="Foliennummernplatzhalter 4"/>
+          <p:cNvSpPr>
+            <a:spLocks noGrp="1"/>
+          </p:cNvSpPr>
+          <p:nvPr>
+            <p:ph type="sldNum" sz="quarter" idx="11"/>
+          </p:nvPr>
+        </p:nvSpPr>
+        <p:spPr/>
+        <p:txBody>
+          <a:bodyPr/>
+          <a:lstStyle/>
+          <a:p>
+            <a:fld id="{6C6AE60A-B69C-4790-82F7-3882EDF23186}" type="slidenum">
+              <a:rPr lang="de-DE" smtClean="0"/>
+              <a:pPr/>
+              <a:t>6</a:t>
+            </a:fld>
+            <a:endParaRPr lang="de-DE"/>
+          </a:p>
+        </p:txBody>
+      </p:sp>
+      <p:sp>
+        <p:nvSpPr>
+          <p:cNvPr id="6" name="Fußzeilenplatzhalter 5"/>
+          <p:cNvSpPr>
+            <a:spLocks noGrp="1"/>
+          </p:cNvSpPr>
+          <p:nvPr>
+            <p:ph type="ftr" sz="quarter" idx="12"/>
+          </p:nvPr>
+        </p:nvSpPr>
+        <p:spPr/>
+        <p:txBody>
+          <a:bodyPr/>
+          <a:lstStyle/>
+          <a:p>
+            <a:r>
+              <a:rPr lang="en-US" smtClean="0"/>
+              <a:t>Practicle Course in Molecular Biology and Microbiology</a:t>
+            </a:r>
+            <a:endParaRPr lang="de-DE"/>
           </a:p>
         </p:txBody>
       </p:sp>
       <p:pic>
         <p:nvPicPr>
-          <p:cNvPr id="6146" name="Picture 2"/>
+          <p:cNvPr id="7" name="Grafik 5" descr="PAGE.jpg"/>
           <p:cNvPicPr>
-            <a:picLocks noChangeAspect="1" noChangeArrowheads="1"/>
+            <a:picLocks noGrp="1"/>
           </p:cNvPicPr>
-          <p:nvPr/>
+          <p:nvPr>
+            <p:ph idx="1"/>
+          </p:nvPr>
         </p:nvPicPr>
         <p:blipFill>
           <a:blip r:embed="rId2" cstate="print"/>
-          <a:srcRect/>
           <a:stretch>
             <a:fillRect/>
           </a:stretch>
         </p:blipFill>
-        <p:spPr bwMode="auto">
+        <p:spPr>
           <a:xfrm>
-            <a:off x="1475656" y="1556792"/>
-            <a:ext cx="6264000" cy="3103372"/>
+            <a:off x="1259632" y="1700808"/>
+            <a:ext cx="6120000" cy="3157200"/>
           </a:xfrm>
           <a:prstGeom prst="rect">
             <a:avLst/>
           </a:prstGeom>
-          <a:noFill/>
-          <a:ln w="9525">
-            <a:noFill/>
-            <a:miter lim="800000"/>
-            <a:headEnd/>
-            <a:tailEnd/>
-          </a:ln>
         </p:spPr>
       </p:pic>
       <p:sp>
         <p:nvSpPr>
-          <p:cNvPr id="6" name="Textfeld 5"/>
+          <p:cNvPr id="8" name="Textfeld 7"/>
           <p:cNvSpPr txBox="1"/>
           <p:nvPr/>
         </p:nvSpPr>
         <p:spPr>
           <a:xfrm>
-            <a:off x="1403648" y="4869160"/>
-            <a:ext cx="6408712" cy="923330"/>
+            <a:off x="1403648" y="5013176"/>
+            <a:ext cx="6048672" cy="646331"/>
           </a:xfrm>
           <a:prstGeom prst="rect">
             <a:avLst/>
@@ -4261,52 +5569,21 @@
           <a:lstStyle/>
           <a:p>
             <a:r>
-              <a:rPr lang="en-GB" b="1" i="1" dirty="0" smtClean="0"/>
-              <a:t>Fig. </a:t>
-            </a:r>
-            <a:r>
               <a:rPr lang="en-GB" i="1" dirty="0" smtClean="0"/>
-              <a:t> Spectral properties of the chosen mutant: Variant 2. </a:t>
-            </a:r>
-            <a:r>
-              <a:rPr lang="fr-CH" i="1" dirty="0" smtClean="0">
-                <a:solidFill>
-                  <a:srgbClr val="4F81BD"/>
-                </a:solidFill>
-              </a:rPr>
-              <a:t>Excitation (550 nm)</a:t>
-            </a:r>
-            <a:r>
-              <a:rPr lang="fr-CH" i="1" dirty="0" smtClean="0"/>
-              <a:t>, </a:t>
-            </a:r>
-            <a:r>
-              <a:rPr lang="fr-CH" i="1" dirty="0" smtClean="0">
-                <a:solidFill>
-                  <a:srgbClr val="C0504D"/>
-                </a:solidFill>
-              </a:rPr>
-              <a:t>Emission (395 nm)</a:t>
-            </a:r>
-            <a:r>
-              <a:rPr lang="fr-CH" i="1" dirty="0" smtClean="0"/>
-              <a:t>, </a:t>
-            </a:r>
-            <a:r>
-              <a:rPr lang="fr-CH" i="1" dirty="0" smtClean="0">
-                <a:solidFill>
-                  <a:srgbClr val="9BBB59"/>
-                </a:solidFill>
-              </a:rPr>
-              <a:t>Emission (470 nm)</a:t>
-            </a:r>
-            <a:endParaRPr lang="de-CH" dirty="0" smtClean="0">
-              <a:solidFill>
-                <a:srgbClr val="9BBB59"/>
-              </a:solidFill>
-            </a:endParaRPr>
-          </a:p>
-          <a:p>
+              <a:t>SDS-PAGE </a:t>
+            </a:r>
+            <a:r>
+              <a:rPr lang="en-GB" i="1" dirty="0" smtClean="0"/>
+              <a:t>gel of the proteins present in the chosen mutants and the </a:t>
+            </a:r>
+            <a:r>
+              <a:rPr lang="en-GB" i="1" dirty="0" err="1" smtClean="0"/>
+              <a:t>wildtype</a:t>
+            </a:r>
+            <a:r>
+              <a:rPr lang="en-GB" i="1" dirty="0" smtClean="0"/>
+              <a:t>. </a:t>
+            </a:r>
             <a:endParaRPr lang="de-CH" dirty="0"/>
           </a:p>
         </p:txBody>
@@ -4351,28 +5628,38 @@
         </p:nvSpPr>
         <p:spPr/>
         <p:txBody>
-          <a:bodyPr/>
-          <a:lstStyle/>
-          <a:p>
+          <a:bodyPr>
+            <a:normAutofit/>
+          </a:bodyPr>
+          <a:lstStyle/>
+          <a:p>
+            <a:r>
+              <a:rPr lang="de-CH" dirty="0" err="1" smtClean="0"/>
+              <a:t>Characterization</a:t>
+            </a:r>
+            <a:r>
+              <a:rPr lang="de-CH" dirty="0" smtClean="0"/>
+              <a:t> </a:t>
+            </a:r>
+            <a:r>
+              <a:rPr lang="de-CH" dirty="0" err="1" smtClean="0"/>
+              <a:t>of</a:t>
+            </a:r>
+            <a:r>
+              <a:rPr lang="de-CH" dirty="0" smtClean="0"/>
+              <a:t> </a:t>
+            </a:r>
+            <a:r>
+              <a:rPr lang="de-CH" dirty="0" err="1" smtClean="0"/>
+              <a:t>mutants</a:t>
+            </a:r>
+            <a:r>
+              <a:rPr lang="de-CH" dirty="0" smtClean="0"/>
+              <a:t>: </a:t>
+            </a:r>
             <a:r>
               <a:rPr lang="de-CH" dirty="0" err="1" smtClean="0"/>
               <a:t>Sequencing</a:t>
-            </a:r>
-            <a:r>
-              <a:rPr lang="de-CH" dirty="0" smtClean="0"/>
-              <a:t> </a:t>
-            </a:r>
-            <a:r>
-              <a:rPr lang="de-CH" dirty="0" err="1" smtClean="0"/>
-              <a:t>of</a:t>
-            </a:r>
-            <a:r>
-              <a:rPr lang="de-CH" dirty="0" smtClean="0"/>
-              <a:t>  </a:t>
-            </a:r>
-            <a:r>
-              <a:rPr lang="de-CH" dirty="0" err="1" smtClean="0"/>
-              <a:t>mutants</a:t>
             </a:r>
             <a:endParaRPr lang="de-CH" dirty="0"/>
           </a:p>
@@ -4642,6 +5929,76 @@
           </a:p>
         </p:txBody>
       </p:sp>
+      <p:sp>
+        <p:nvSpPr>
+          <p:cNvPr id="7" name="Datumsplatzhalter 6"/>
+          <p:cNvSpPr>
+            <a:spLocks noGrp="1"/>
+          </p:cNvSpPr>
+          <p:nvPr>
+            <p:ph type="dt" sz="half" idx="10"/>
+          </p:nvPr>
+        </p:nvSpPr>
+        <p:spPr/>
+        <p:txBody>
+          <a:bodyPr/>
+          <a:lstStyle/>
+          <a:p>
+            <a:r>
+              <a:rPr lang="de-DE" smtClean="0"/>
+              <a:t>18.06.2012</a:t>
+            </a:r>
+            <a:endParaRPr lang="de-DE"/>
+          </a:p>
+        </p:txBody>
+      </p:sp>
+      <p:sp>
+        <p:nvSpPr>
+          <p:cNvPr id="8" name="Foliennummernplatzhalter 7"/>
+          <p:cNvSpPr>
+            <a:spLocks noGrp="1"/>
+          </p:cNvSpPr>
+          <p:nvPr>
+            <p:ph type="sldNum" sz="quarter" idx="11"/>
+          </p:nvPr>
+        </p:nvSpPr>
+        <p:spPr/>
+        <p:txBody>
+          <a:bodyPr/>
+          <a:lstStyle/>
+          <a:p>
+            <a:fld id="{6C6AE60A-B69C-4790-82F7-3882EDF23186}" type="slidenum">
+              <a:rPr lang="de-DE" smtClean="0"/>
+              <a:pPr/>
+              <a:t>7</a:t>
+            </a:fld>
+            <a:endParaRPr lang="de-DE"/>
+          </a:p>
+        </p:txBody>
+      </p:sp>
+      <p:sp>
+        <p:nvSpPr>
+          <p:cNvPr id="9" name="Fußzeilenplatzhalter 8"/>
+          <p:cNvSpPr>
+            <a:spLocks noGrp="1"/>
+          </p:cNvSpPr>
+          <p:nvPr>
+            <p:ph type="ftr" sz="quarter" idx="12"/>
+          </p:nvPr>
+        </p:nvSpPr>
+        <p:spPr/>
+        <p:txBody>
+          <a:bodyPr/>
+          <a:lstStyle/>
+          <a:p>
+            <a:r>
+              <a:rPr lang="en-US" smtClean="0"/>
+              <a:t>Practicle Course in Molecular Biology and Microbiology</a:t>
+            </a:r>
+            <a:endParaRPr lang="de-DE"/>
+          </a:p>
+        </p:txBody>
+      </p:sp>
     </p:spTree>
   </p:cSld>
   <p:clrMapOvr>
@@ -4687,7 +6044,23 @@
           <a:p>
             <a:r>
               <a:rPr lang="de-CH" dirty="0" smtClean="0"/>
-              <a:t>GFP</a:t>
+              <a:t>UV-VIS </a:t>
+            </a:r>
+            <a:r>
+              <a:rPr lang="de-CH" dirty="0" err="1" smtClean="0"/>
+              <a:t>Spectra</a:t>
+            </a:r>
+            <a:r>
+              <a:rPr lang="de-CH" dirty="0" smtClean="0"/>
+              <a:t> </a:t>
+            </a:r>
+            <a:r>
+              <a:rPr lang="de-CH" dirty="0" err="1" smtClean="0"/>
+              <a:t>of</a:t>
+            </a:r>
+            <a:r>
+              <a:rPr lang="de-CH" dirty="0" smtClean="0"/>
+              <a:t> Variant 2</a:t>
             </a:r>
             <a:endParaRPr lang="de-CH" dirty="0"/>
           </a:p>
@@ -4695,76 +6068,179 @@
       </p:sp>
       <p:pic>
         <p:nvPicPr>
-          <p:cNvPr id="4" name="Grafik 3" descr="chromo_water_polcon.png"/>
+          <p:cNvPr id="6146" name="Picture 2"/>
           <p:cNvPicPr>
-            <a:picLocks noChangeAspect="1"/>
+            <a:picLocks noChangeAspect="1" noChangeArrowheads="1"/>
           </p:cNvPicPr>
           <p:nvPr/>
         </p:nvPicPr>
         <p:blipFill>
           <a:blip r:embed="rId2" cstate="print"/>
+          <a:srcRect/>
           <a:stretch>
             <a:fillRect/>
           </a:stretch>
         </p:blipFill>
-        <p:spPr>
+        <p:spPr bwMode="auto">
           <a:xfrm>
-            <a:off x="323528" y="1628800"/>
-            <a:ext cx="1858642" cy="1440160"/>
+            <a:off x="1475656" y="1556792"/>
+            <a:ext cx="6264000" cy="3103372"/>
           </a:xfrm>
           <a:prstGeom prst="rect">
             <a:avLst/>
           </a:prstGeom>
+          <a:noFill/>
+          <a:ln w="9525">
+            <a:noFill/>
+            <a:miter lim="800000"/>
+            <a:headEnd/>
+            <a:tailEnd/>
+          </a:ln>
         </p:spPr>
       </p:pic>
-      <p:pic>
-        <p:nvPicPr>
-          <p:cNvPr id="5" name="Grafik 4" descr="chromo_mutated_aa.png"/>
-          <p:cNvPicPr>
-            <a:picLocks noChangeAspect="1"/>
-          </p:cNvPicPr>
+      <p:sp>
+        <p:nvSpPr>
+          <p:cNvPr id="6" name="Textfeld 5"/>
+          <p:cNvSpPr txBox="1"/>
           <p:nvPr/>
-        </p:nvPicPr>
-        <p:blipFill>
-          <a:blip r:embed="rId3" cstate="print"/>
-          <a:stretch>
-            <a:fillRect/>
-          </a:stretch>
-        </p:blipFill>
+        </p:nvSpPr>
         <p:spPr>
           <a:xfrm>
-            <a:off x="2483768" y="1484784"/>
-            <a:ext cx="1858644" cy="1440160"/>
+            <a:off x="1403648" y="4869160"/>
+            <a:ext cx="6408712" cy="923330"/>
           </a:xfrm>
           <a:prstGeom prst="rect">
             <a:avLst/>
           </a:prstGeom>
+          <a:noFill/>
         </p:spPr>
-      </p:pic>
-      <p:pic>
-        <p:nvPicPr>
-          <p:cNvPr id="6" name="Grafik 5" descr="chromo_mutated_aa_interaction.png"/>
-          <p:cNvPicPr>
-            <a:picLocks noChangeAspect="1"/>
-          </p:cNvPicPr>
-          <p:nvPr/>
-        </p:nvPicPr>
-        <p:blipFill>
-          <a:blip r:embed="rId4" cstate="print"/>
-          <a:stretch>
-            <a:fillRect/>
-          </a:stretch>
-        </p:blipFill>
-        <p:spPr>
-          <a:xfrm>
-            <a:off x="4499992" y="1844824"/>
-            <a:ext cx="1905400" cy="1476388"/>
-          </a:xfrm>
-          <a:prstGeom prst="rect">
-            <a:avLst/>
-          </a:prstGeom>
-        </p:spPr>
-      </p:pic>
+        <p:txBody>
+          <a:bodyPr wrap="square" rtlCol="0">
+            <a:spAutoFit/>
+          </a:bodyPr>
+          <a:lstStyle/>
+          <a:p>
+            <a:r>
+              <a:rPr lang="en-GB" b="1" i="1" dirty="0" smtClean="0"/>
+              <a:t>Fig. </a:t>
+            </a:r>
+            <a:r>
+              <a:rPr lang="en-GB" i="1" dirty="0" smtClean="0"/>
+              <a:t> Spectral properties of the chosen mutant: Variant 2. </a:t>
+            </a:r>
+            <a:r>
+              <a:rPr lang="fr-CH" i="1" dirty="0" smtClean="0">
+                <a:solidFill>
+                  <a:srgbClr val="4F81BD"/>
+                </a:solidFill>
+              </a:rPr>
+              <a:t>Excitation (550 nm)</a:t>
+            </a:r>
+            <a:r>
+              <a:rPr lang="fr-CH" i="1" dirty="0" smtClean="0"/>
+              <a:t>, </a:t>
+            </a:r>
+            <a:r>
+              <a:rPr lang="fr-CH" i="1" dirty="0" smtClean="0">
+                <a:solidFill>
+                  <a:srgbClr val="C0504D"/>
+                </a:solidFill>
+              </a:rPr>
+              <a:t>Emission (395 nm)</a:t>
+            </a:r>
+            <a:r>
+              <a:rPr lang="fr-CH" i="1" dirty="0" smtClean="0"/>
+              <a:t>, </a:t>
+            </a:r>
+            <a:r>
+              <a:rPr lang="fr-CH" i="1" dirty="0" smtClean="0">
+                <a:solidFill>
+                  <a:srgbClr val="9BBB59"/>
+                </a:solidFill>
+              </a:rPr>
+              <a:t>Emission (470 nm)</a:t>
+            </a:r>
+            <a:endParaRPr lang="de-CH" dirty="0" smtClean="0">
+              <a:solidFill>
+                <a:srgbClr val="9BBB59"/>
+              </a:solidFill>
+            </a:endParaRPr>
+          </a:p>
+          <a:p>
+            <a:endParaRPr lang="de-CH" dirty="0"/>
+          </a:p>
+        </p:txBody>
+      </p:sp>
+      <p:sp>
+        <p:nvSpPr>
+          <p:cNvPr id="5" name="Datumsplatzhalter 4"/>
+          <p:cNvSpPr>
+            <a:spLocks noGrp="1"/>
+          </p:cNvSpPr>
+          <p:nvPr>
+            <p:ph type="dt" sz="half" idx="10"/>
+          </p:nvPr>
+        </p:nvSpPr>
+        <p:spPr/>
+        <p:txBody>
+          <a:bodyPr/>
+          <a:lstStyle/>
+          <a:p>
+            <a:r>
+              <a:rPr lang="de-DE" smtClean="0"/>
+              <a:t>18.06.2012</a:t>
+            </a:r>
+            <a:endParaRPr lang="de-DE"/>
+          </a:p>
+        </p:txBody>
+      </p:sp>
+      <p:sp>
+        <p:nvSpPr>
+          <p:cNvPr id="7" name="Foliennummernplatzhalter 6"/>
+          <p:cNvSpPr>
+            <a:spLocks noGrp="1"/>
+          </p:cNvSpPr>
+          <p:nvPr>
+            <p:ph type="sldNum" sz="quarter" idx="11"/>
+          </p:nvPr>
+        </p:nvSpPr>
+        <p:spPr/>
+        <p:txBody>
+          <a:bodyPr/>
+          <a:lstStyle/>
+          <a:p>
+            <a:fld id="{6C6AE60A-B69C-4790-82F7-3882EDF23186}" type="slidenum">
+              <a:rPr lang="de-DE" smtClean="0"/>
+              <a:pPr/>
+              <a:t>8</a:t>
+            </a:fld>
+            <a:endParaRPr lang="de-DE"/>
+          </a:p>
+        </p:txBody>
+      </p:sp>
+      <p:sp>
+        <p:nvSpPr>
+          <p:cNvPr id="8" name="Fußzeilenplatzhalter 7"/>
+          <p:cNvSpPr>
+            <a:spLocks noGrp="1"/>
+          </p:cNvSpPr>
+          <p:nvPr>
+            <p:ph type="ftr" sz="quarter" idx="12"/>
+          </p:nvPr>
+        </p:nvSpPr>
+        <p:spPr/>
+        <p:txBody>
+          <a:bodyPr/>
+          <a:lstStyle/>
+          <a:p>
+            <a:r>
+              <a:rPr lang="en-US" smtClean="0"/>
+              <a:t>Practicle Course in Molecular Biology and Microbiology</a:t>
+            </a:r>
+            <a:endParaRPr lang="de-DE"/>
+          </a:p>
+        </p:txBody>
+      </p:sp>
     </p:spTree>
   </p:cSld>
   <p:clrMapOvr>
@@ -4810,15 +6286,35 @@
           <a:p>
             <a:r>
               <a:rPr lang="de-CH" dirty="0" err="1" smtClean="0"/>
-              <a:t>Bacterial</a:t>
-            </a:r>
-            <a:r>
-              <a:rPr lang="de-CH" dirty="0" smtClean="0"/>
-              <a:t> Growth </a:t>
+              <a:t>Invetigating</a:t>
+            </a:r>
+            <a:r>
+              <a:rPr lang="de-CH" dirty="0" smtClean="0"/>
+              <a:t> </a:t>
             </a:r>
             <a:r>
               <a:rPr lang="de-CH" dirty="0" err="1" smtClean="0"/>
-              <a:t>Curve</a:t>
+              <a:t>the</a:t>
+            </a:r>
+            <a:r>
+              <a:rPr lang="de-CH" dirty="0" smtClean="0"/>
+              <a:t> </a:t>
+            </a:r>
+            <a:r>
+              <a:rPr lang="de-CH" dirty="0" err="1" smtClean="0"/>
+              <a:t>structure</a:t>
+            </a:r>
+            <a:r>
+              <a:rPr lang="de-CH" dirty="0" smtClean="0"/>
+              <a:t> </a:t>
+            </a:r>
+            <a:r>
+              <a:rPr lang="de-CH" dirty="0" err="1" smtClean="0"/>
+              <a:t>of</a:t>
+            </a:r>
+            <a:r>
+              <a:rPr lang="de-CH" dirty="0" smtClean="0"/>
+              <a:t> GFP</a:t>
             </a:r>
             <a:endParaRPr lang="de-CH" dirty="0"/>
           </a:p>
@@ -4826,482 +6322,132 @@
       </p:sp>
       <p:sp>
         <p:nvSpPr>
-          <p:cNvPr id="3" name="Inhaltsplatzhalter 2"/>
+          <p:cNvPr id="4" name="Datumsplatzhalter 3"/>
           <p:cNvSpPr>
             <a:spLocks noGrp="1"/>
           </p:cNvSpPr>
           <p:nvPr>
-            <p:ph idx="1"/>
-          </p:nvPr>
-        </p:nvSpPr>
-        <p:spPr>
-          <a:xfrm>
-            <a:off x="381000" y="1751013"/>
-            <a:ext cx="3758952" cy="3766219"/>
-          </a:xfrm>
-        </p:spPr>
-        <p:txBody>
-          <a:bodyPr/>
-          <a:lstStyle/>
-          <a:p>
-            <a:r>
-              <a:rPr lang="de-CH" dirty="0" err="1" smtClean="0"/>
-              <a:t>ln</a:t>
-            </a:r>
-            <a:r>
-              <a:rPr lang="de-CH" dirty="0" smtClean="0"/>
-              <a:t>(X) = </a:t>
-            </a:r>
-            <a:r>
-              <a:rPr lang="de-CH" dirty="0" err="1" smtClean="0"/>
-              <a:t>ln</a:t>
-            </a:r>
-            <a:r>
-              <a:rPr lang="de-CH" dirty="0" smtClean="0"/>
-              <a:t>(X</a:t>
-            </a:r>
-            <a:r>
-              <a:rPr lang="de-CH" baseline="-25000" dirty="0" smtClean="0"/>
-              <a:t>0</a:t>
-            </a:r>
-            <a:r>
-              <a:rPr lang="de-CH" dirty="0" smtClean="0"/>
-              <a:t>) + </a:t>
-            </a:r>
-            <a:r>
-              <a:rPr lang="el-GR" dirty="0" smtClean="0"/>
-              <a:t>μ</a:t>
-            </a:r>
-            <a:r>
-              <a:rPr lang="de-CH" dirty="0" smtClean="0"/>
-              <a:t>t</a:t>
-            </a:r>
-          </a:p>
-          <a:p>
-            <a:r>
-              <a:rPr lang="de-CH" dirty="0" err="1" smtClean="0"/>
-              <a:t>Calculated</a:t>
-            </a:r>
-            <a:r>
-              <a:rPr lang="de-CH" dirty="0" smtClean="0"/>
-              <a:t> </a:t>
-            </a:r>
-            <a:r>
-              <a:rPr lang="el-GR" dirty="0" smtClean="0"/>
-              <a:t>μ</a:t>
-            </a:r>
-            <a:r>
-              <a:rPr lang="de-CH" dirty="0" smtClean="0"/>
-              <a:t> :</a:t>
-            </a:r>
-          </a:p>
-          <a:p>
-            <a:pPr lvl="2"/>
-            <a:r>
-              <a:rPr lang="de-CH" dirty="0" smtClean="0"/>
-              <a:t>LB (</a:t>
-            </a:r>
-            <a:r>
-              <a:rPr lang="de-CH" dirty="0" err="1" smtClean="0"/>
-              <a:t>initial</a:t>
-            </a:r>
-            <a:r>
-              <a:rPr lang="de-CH" dirty="0" smtClean="0"/>
-              <a:t>):	1.272 h</a:t>
-            </a:r>
-            <a:r>
-              <a:rPr lang="de-CH" baseline="30000" dirty="0" smtClean="0"/>
-              <a:t>-1</a:t>
-            </a:r>
-          </a:p>
-          <a:p>
-            <a:pPr lvl="2"/>
-            <a:r>
-              <a:rPr lang="de-CH" dirty="0" smtClean="0"/>
-              <a:t>LB (</a:t>
-            </a:r>
-            <a:r>
-              <a:rPr lang="de-CH" dirty="0" err="1" smtClean="0"/>
-              <a:t>later</a:t>
-            </a:r>
-            <a:r>
-              <a:rPr lang="de-CH" dirty="0" smtClean="0"/>
-              <a:t>):	0.192 h</a:t>
-            </a:r>
-            <a:r>
-              <a:rPr lang="de-CH" baseline="30000" dirty="0" smtClean="0"/>
-              <a:t>-1</a:t>
-            </a:r>
-            <a:r>
-              <a:rPr lang="de-CH" dirty="0" smtClean="0"/>
-              <a:t> </a:t>
-            </a:r>
-          </a:p>
-          <a:p>
-            <a:pPr lvl="2"/>
-            <a:r>
-              <a:rPr lang="de-CH" dirty="0" smtClean="0"/>
-              <a:t>M9:		0.498 h</a:t>
-            </a:r>
-            <a:r>
-              <a:rPr lang="de-CH" baseline="30000" dirty="0" smtClean="0"/>
-              <a:t>-1</a:t>
-            </a:r>
-            <a:endParaRPr lang="de-CH" dirty="0" smtClean="0"/>
-          </a:p>
-          <a:p>
-            <a:endParaRPr lang="de-CH" dirty="0"/>
+            <p:ph type="dt" sz="half" idx="10"/>
+          </p:nvPr>
+        </p:nvSpPr>
+        <p:spPr/>
+        <p:txBody>
+          <a:bodyPr/>
+          <a:lstStyle/>
+          <a:p>
+            <a:r>
+              <a:rPr lang="de-DE" smtClean="0"/>
+              <a:t>18.06.2012</a:t>
+            </a:r>
+            <a:endParaRPr lang="de-DE"/>
+          </a:p>
+        </p:txBody>
+      </p:sp>
+      <p:sp>
+        <p:nvSpPr>
+          <p:cNvPr id="5" name="Foliennummernplatzhalter 4"/>
+          <p:cNvSpPr>
+            <a:spLocks noGrp="1"/>
+          </p:cNvSpPr>
+          <p:nvPr>
+            <p:ph type="sldNum" sz="quarter" idx="11"/>
+          </p:nvPr>
+        </p:nvSpPr>
+        <p:spPr/>
+        <p:txBody>
+          <a:bodyPr/>
+          <a:lstStyle/>
+          <a:p>
+            <a:fld id="{6C6AE60A-B69C-4790-82F7-3882EDF23186}" type="slidenum">
+              <a:rPr lang="de-DE" smtClean="0"/>
+              <a:pPr/>
+              <a:t>9</a:t>
+            </a:fld>
+            <a:endParaRPr lang="de-DE"/>
+          </a:p>
+        </p:txBody>
+      </p:sp>
+      <p:sp>
+        <p:nvSpPr>
+          <p:cNvPr id="6" name="Fußzeilenplatzhalter 5"/>
+          <p:cNvSpPr>
+            <a:spLocks noGrp="1"/>
+          </p:cNvSpPr>
+          <p:nvPr>
+            <p:ph type="ftr" sz="quarter" idx="12"/>
+          </p:nvPr>
+        </p:nvSpPr>
+        <p:spPr/>
+        <p:txBody>
+          <a:bodyPr/>
+          <a:lstStyle/>
+          <a:p>
+            <a:r>
+              <a:rPr lang="en-US" smtClean="0"/>
+              <a:t>Practicle Course in Molecular Biology and Microbiology</a:t>
+            </a:r>
+            <a:endParaRPr lang="de-DE"/>
           </a:p>
         </p:txBody>
       </p:sp>
       <p:pic>
         <p:nvPicPr>
-          <p:cNvPr id="1026" name="Picture 2"/>
+          <p:cNvPr id="7" name="Grafik 6" descr="chromo_mutated_aa.png"/>
           <p:cNvPicPr>
-            <a:picLocks noChangeAspect="1" noChangeArrowheads="1"/>
+            <a:picLocks noChangeAspect="1"/>
           </p:cNvPicPr>
           <p:nvPr/>
         </p:nvPicPr>
         <p:blipFill>
           <a:blip r:embed="rId2" cstate="print"/>
-          <a:srcRect/>
           <a:stretch>
             <a:fillRect/>
           </a:stretch>
         </p:blipFill>
-        <p:spPr bwMode="auto">
+        <p:spPr>
           <a:xfrm>
-            <a:off x="4211960" y="1700808"/>
-            <a:ext cx="4552109" cy="2304256"/>
+            <a:off x="539552" y="1628800"/>
+            <a:ext cx="3856258" cy="2988000"/>
           </a:xfrm>
           <a:prstGeom prst="rect">
             <a:avLst/>
           </a:prstGeom>
-          <a:noFill/>
-          <a:ln w="9525">
-            <a:noFill/>
-            <a:miter lim="800000"/>
-            <a:headEnd/>
-            <a:tailEnd/>
-          </a:ln>
         </p:spPr>
       </p:pic>
-      <p:sp>
-        <p:nvSpPr>
-          <p:cNvPr id="1029" name="Rectangle 5"/>
-          <p:cNvSpPr>
-            <a:spLocks noChangeArrowheads="1"/>
-          </p:cNvSpPr>
+      <p:pic>
+        <p:nvPicPr>
+          <p:cNvPr id="8" name="Grafik 7" descr="chromo_water_polcon.png"/>
+          <p:cNvPicPr>
+            <a:picLocks noChangeAspect="1"/>
+          </p:cNvPicPr>
           <p:nvPr/>
-        </p:nvSpPr>
-        <p:spPr bwMode="auto">
+        </p:nvPicPr>
+        <p:blipFill>
+          <a:blip r:embed="rId3" cstate="print"/>
+          <a:stretch>
+            <a:fillRect/>
+          </a:stretch>
+        </p:blipFill>
+        <p:spPr>
           <a:xfrm>
-            <a:off x="0" y="0"/>
-            <a:ext cx="9144000" cy="457200"/>
+            <a:off x="4572000" y="1628800"/>
+            <a:ext cx="3856254" cy="2988000"/>
           </a:xfrm>
           <a:prstGeom prst="rect">
             <a:avLst/>
           </a:prstGeom>
-          <a:noFill/>
-          <a:ln w="9525">
-            <a:noFill/>
-            <a:miter lim="800000"/>
-            <a:headEnd/>
-            <a:tailEnd/>
-          </a:ln>
-          <a:effectLst/>
         </p:spPr>
-        <p:txBody>
-          <a:bodyPr vert="horz" wrap="none" lIns="91440" tIns="45720" rIns="91440" bIns="45720" numCol="1" anchor="ctr" anchorCtr="0" compatLnSpc="1">
-            <a:prstTxWarp prst="textNoShape">
-              <a:avLst/>
-            </a:prstTxWarp>
-            <a:spAutoFit/>
-          </a:bodyPr>
-          <a:lstStyle/>
-          <a:p>
-            <a:endParaRPr lang="de-CH"/>
-          </a:p>
-        </p:txBody>
-      </p:sp>
-      <p:sp>
-        <p:nvSpPr>
-          <p:cNvPr id="1030" name="Rectangle 6"/>
-          <p:cNvSpPr>
-            <a:spLocks noChangeArrowheads="1"/>
-          </p:cNvSpPr>
-          <p:nvPr/>
-        </p:nvSpPr>
-        <p:spPr bwMode="auto">
-          <a:xfrm>
-            <a:off x="0" y="647700"/>
-            <a:ext cx="9144000" cy="0"/>
-          </a:xfrm>
-          <a:prstGeom prst="rect">
-            <a:avLst/>
-          </a:prstGeom>
-          <a:noFill/>
-          <a:ln w="9525">
-            <a:noFill/>
-            <a:miter lim="800000"/>
-            <a:headEnd/>
-            <a:tailEnd/>
-          </a:ln>
-          <a:effectLst/>
-        </p:spPr>
-        <p:txBody>
-          <a:bodyPr vert="horz" wrap="none" lIns="91440" tIns="45720" rIns="91440" bIns="45720" numCol="1" anchor="ctr" anchorCtr="0" compatLnSpc="1">
-            <a:prstTxWarp prst="textNoShape">
-              <a:avLst/>
-            </a:prstTxWarp>
-            <a:spAutoFit/>
-          </a:bodyPr>
-          <a:lstStyle/>
-          <a:p>
-            <a:pPr marL="0" marR="0" lvl="0" indent="0" algn="l" defTabSz="914400" rtl="0" eaLnBrk="1" fontAlgn="base" latinLnBrk="0" hangingPunct="1">
-              <a:lnSpc>
-                <a:spcPct val="100000"/>
-              </a:lnSpc>
-              <a:spcBef>
-                <a:spcPct val="0"/>
-              </a:spcBef>
-              <a:spcAft>
-                <a:spcPct val="0"/>
-              </a:spcAft>
-              <a:buClrTx/>
-              <a:buSzTx/>
-              <a:buFontTx/>
-              <a:buNone/>
-              <a:tabLst/>
-            </a:pPr>
-            <a:endParaRPr kumimoji="0" lang="de-DE" sz="1800" b="0" i="0" u="none" strike="noStrike" cap="none" normalizeH="0" baseline="0" smtClean="0">
-              <a:ln>
-                <a:noFill/>
-              </a:ln>
-              <a:solidFill>
-                <a:schemeClr val="tx1"/>
-              </a:solidFill>
-              <a:effectLst/>
-              <a:latin typeface="Arial" pitchFamily="34" charset="0"/>
-              <a:cs typeface="Arial" pitchFamily="34" charset="0"/>
-            </a:endParaRPr>
-          </a:p>
-        </p:txBody>
-      </p:sp>
-      <p:sp>
-        <p:nvSpPr>
-          <p:cNvPr id="1032" name="Rectangle 8"/>
-          <p:cNvSpPr>
-            <a:spLocks noChangeArrowheads="1"/>
-          </p:cNvSpPr>
-          <p:nvPr/>
-        </p:nvSpPr>
-        <p:spPr bwMode="auto">
-          <a:xfrm>
-            <a:off x="0" y="0"/>
-            <a:ext cx="9144000" cy="457200"/>
-          </a:xfrm>
-          <a:prstGeom prst="rect">
-            <a:avLst/>
-          </a:prstGeom>
-          <a:noFill/>
-          <a:ln w="9525">
-            <a:noFill/>
-            <a:miter lim="800000"/>
-            <a:headEnd/>
-            <a:tailEnd/>
-          </a:ln>
-          <a:effectLst/>
-        </p:spPr>
-        <p:txBody>
-          <a:bodyPr vert="horz" wrap="none" lIns="91440" tIns="45720" rIns="91440" bIns="45720" numCol="1" anchor="ctr" anchorCtr="0" compatLnSpc="1">
-            <a:prstTxWarp prst="textNoShape">
-              <a:avLst/>
-            </a:prstTxWarp>
-            <a:spAutoFit/>
-          </a:bodyPr>
-          <a:lstStyle/>
-          <a:p>
-            <a:endParaRPr lang="de-CH"/>
-          </a:p>
-        </p:txBody>
-      </p:sp>
-      <p:sp>
-        <p:nvSpPr>
-          <p:cNvPr id="1033" name="Rectangle 9"/>
-          <p:cNvSpPr>
-            <a:spLocks noChangeArrowheads="1"/>
-          </p:cNvSpPr>
-          <p:nvPr/>
-        </p:nvSpPr>
-        <p:spPr bwMode="auto">
-          <a:xfrm>
-            <a:off x="0" y="647700"/>
-            <a:ext cx="9144000" cy="0"/>
-          </a:xfrm>
-          <a:prstGeom prst="rect">
-            <a:avLst/>
-          </a:prstGeom>
-          <a:noFill/>
-          <a:ln w="9525">
-            <a:noFill/>
-            <a:miter lim="800000"/>
-            <a:headEnd/>
-            <a:tailEnd/>
-          </a:ln>
-          <a:effectLst/>
-        </p:spPr>
-        <p:txBody>
-          <a:bodyPr vert="horz" wrap="none" lIns="91440" tIns="45720" rIns="91440" bIns="45720" numCol="1" anchor="ctr" anchorCtr="0" compatLnSpc="1">
-            <a:prstTxWarp prst="textNoShape">
-              <a:avLst/>
-            </a:prstTxWarp>
-            <a:spAutoFit/>
-          </a:bodyPr>
-          <a:lstStyle/>
-          <a:p>
-            <a:pPr marL="0" marR="0" lvl="0" indent="0" algn="l" defTabSz="914400" rtl="0" eaLnBrk="1" fontAlgn="base" latinLnBrk="0" hangingPunct="1">
-              <a:lnSpc>
-                <a:spcPct val="100000"/>
-              </a:lnSpc>
-              <a:spcBef>
-                <a:spcPct val="0"/>
-              </a:spcBef>
-              <a:spcAft>
-                <a:spcPct val="0"/>
-              </a:spcAft>
-              <a:buClrTx/>
-              <a:buSzTx/>
-              <a:buFontTx/>
-              <a:buNone/>
-              <a:tabLst/>
-            </a:pPr>
-            <a:endParaRPr kumimoji="0" lang="de-DE" sz="1800" b="0" i="0" u="none" strike="noStrike" cap="none" normalizeH="0" baseline="0" smtClean="0">
-              <a:ln>
-                <a:noFill/>
-              </a:ln>
-              <a:solidFill>
-                <a:schemeClr val="tx1"/>
-              </a:solidFill>
-              <a:effectLst/>
-              <a:latin typeface="Arial" pitchFamily="34" charset="0"/>
-              <a:cs typeface="Arial" pitchFamily="34" charset="0"/>
-            </a:endParaRPr>
-          </a:p>
-        </p:txBody>
-      </p:sp>
-      <p:sp>
-        <p:nvSpPr>
-          <p:cNvPr id="1035" name="Rectangle 11"/>
-          <p:cNvSpPr>
-            <a:spLocks noChangeArrowheads="1"/>
-          </p:cNvSpPr>
-          <p:nvPr/>
-        </p:nvSpPr>
-        <p:spPr bwMode="auto">
-          <a:xfrm>
-            <a:off x="0" y="0"/>
-            <a:ext cx="9144000" cy="457200"/>
-          </a:xfrm>
-          <a:prstGeom prst="rect">
-            <a:avLst/>
-          </a:prstGeom>
-          <a:noFill/>
-          <a:ln w="9525">
-            <a:noFill/>
-            <a:miter lim="800000"/>
-            <a:headEnd/>
-            <a:tailEnd/>
-          </a:ln>
-          <a:effectLst/>
-        </p:spPr>
-        <p:txBody>
-          <a:bodyPr vert="horz" wrap="none" lIns="91440" tIns="45720" rIns="91440" bIns="45720" numCol="1" anchor="ctr" anchorCtr="0" compatLnSpc="1">
-            <a:prstTxWarp prst="textNoShape">
-              <a:avLst/>
-            </a:prstTxWarp>
-            <a:spAutoFit/>
-          </a:bodyPr>
-          <a:lstStyle/>
-          <a:p>
-            <a:endParaRPr lang="de-CH"/>
-          </a:p>
-        </p:txBody>
-      </p:sp>
-      <p:sp>
-        <p:nvSpPr>
-          <p:cNvPr id="1036" name="Rectangle 12"/>
-          <p:cNvSpPr>
-            <a:spLocks noChangeArrowheads="1"/>
-          </p:cNvSpPr>
-          <p:nvPr/>
-        </p:nvSpPr>
-        <p:spPr bwMode="auto">
-          <a:xfrm>
-            <a:off x="0" y="647700"/>
-            <a:ext cx="9144000" cy="0"/>
-          </a:xfrm>
-          <a:prstGeom prst="rect">
-            <a:avLst/>
-          </a:prstGeom>
-          <a:noFill/>
-          <a:ln w="9525">
-            <a:noFill/>
-            <a:miter lim="800000"/>
-            <a:headEnd/>
-            <a:tailEnd/>
-          </a:ln>
-          <a:effectLst/>
-        </p:spPr>
-        <p:txBody>
-          <a:bodyPr vert="horz" wrap="none" lIns="91440" tIns="45720" rIns="91440" bIns="45720" numCol="1" anchor="ctr" anchorCtr="0" compatLnSpc="1">
-            <a:prstTxWarp prst="textNoShape">
-              <a:avLst/>
-            </a:prstTxWarp>
-            <a:spAutoFit/>
-          </a:bodyPr>
-          <a:lstStyle/>
-          <a:p>
-            <a:pPr marL="0" marR="0" lvl="0" indent="0" algn="l" defTabSz="914400" rtl="0" eaLnBrk="1" fontAlgn="base" latinLnBrk="0" hangingPunct="1">
-              <a:lnSpc>
-                <a:spcPct val="100000"/>
-              </a:lnSpc>
-              <a:spcBef>
-                <a:spcPct val="0"/>
-              </a:spcBef>
-              <a:spcAft>
-                <a:spcPct val="0"/>
-              </a:spcAft>
-              <a:buClrTx/>
-              <a:buSzTx/>
-              <a:buFontTx/>
-              <a:buNone/>
-              <a:tabLst/>
-            </a:pPr>
-            <a:endParaRPr kumimoji="0" lang="de-DE" sz="1800" b="0" i="0" u="none" strike="noStrike" cap="none" normalizeH="0" baseline="0" smtClean="0">
-              <a:ln>
-                <a:noFill/>
-              </a:ln>
-              <a:solidFill>
-                <a:schemeClr val="tx1"/>
-              </a:solidFill>
-              <a:effectLst/>
-              <a:latin typeface="Arial" pitchFamily="34" charset="0"/>
-              <a:cs typeface="Arial" pitchFamily="34" charset="0"/>
-            </a:endParaRPr>
-          </a:p>
-        </p:txBody>
-      </p:sp>
-      <p:sp>
-        <p:nvSpPr>
-          <p:cNvPr id="16" name="Textfeld 15"/>
+      </p:pic>
+      <p:sp>
+        <p:nvSpPr>
+          <p:cNvPr id="9" name="Textfeld 8"/>
           <p:cNvSpPr txBox="1"/>
           <p:nvPr/>
         </p:nvSpPr>
         <p:spPr>
           <a:xfrm>
-            <a:off x="4211960" y="4221088"/>
-            <a:ext cx="4608512" cy="1323439"/>
+            <a:off x="539552" y="4941168"/>
+            <a:ext cx="7920880" cy="646331"/>
           </a:xfrm>
           <a:prstGeom prst="rect">
             <a:avLst/>
@@ -5315,34 +6461,142 @@
           <a:lstStyle/>
           <a:p>
             <a:r>
-              <a:rPr lang="en-GB" sz="1600" i="1" dirty="0" smtClean="0"/>
-              <a:t>Fig.: The natural logarithm of the optical densities of the cultures versus the growth time. A linear regression of the exponential growth phases was done to get the growth rates on different media. </a:t>
-            </a:r>
-            <a:r>
-              <a:rPr lang="en-GB" sz="1600" i="1" dirty="0" smtClean="0">
-                <a:solidFill>
-                  <a:srgbClr val="4F81BD"/>
-                </a:solidFill>
-              </a:rPr>
-              <a:t>LB</a:t>
-            </a:r>
-            <a:r>
-              <a:rPr lang="en-GB" sz="1600" i="1" dirty="0" smtClean="0"/>
+              <a:rPr lang="de-CH" dirty="0" err="1" smtClean="0"/>
+              <a:t>PyMOL</a:t>
+            </a:r>
+            <a:r>
+              <a:rPr lang="de-CH" dirty="0" smtClean="0"/>
+              <a:t> </a:t>
+            </a:r>
+            <a:r>
+              <a:rPr lang="de-CH" dirty="0" err="1" smtClean="0"/>
+              <a:t>pictures</a:t>
+            </a:r>
+            <a:r>
+              <a:rPr lang="de-CH" dirty="0" smtClean="0"/>
+              <a:t> </a:t>
+            </a:r>
+            <a:r>
+              <a:rPr lang="de-CH" dirty="0" err="1" smtClean="0"/>
+              <a:t>of</a:t>
+            </a:r>
+            <a:r>
+              <a:rPr lang="de-CH" dirty="0" smtClean="0"/>
+              <a:t> </a:t>
+            </a:r>
+            <a:r>
+              <a:rPr lang="de-CH" dirty="0" err="1" smtClean="0"/>
+              <a:t>the</a:t>
+            </a:r>
+            <a:r>
+              <a:rPr lang="de-CH" dirty="0" smtClean="0"/>
+              <a:t> </a:t>
+            </a:r>
+            <a:r>
+              <a:rPr lang="de-CH" dirty="0" err="1" smtClean="0"/>
+              <a:t>chromophore</a:t>
+            </a:r>
+            <a:r>
+              <a:rPr lang="de-CH" dirty="0" smtClean="0"/>
               <a:t>, </a:t>
             </a:r>
             <a:r>
-              <a:rPr lang="en-GB" sz="1600" i="1" dirty="0" smtClean="0">
-                <a:solidFill>
-                  <a:srgbClr val="C0504D"/>
-                </a:solidFill>
-              </a:rPr>
-              <a:t>M9</a:t>
-            </a:r>
-            <a:endParaRPr lang="de-CH" sz="1600" dirty="0">
-              <a:solidFill>
-                <a:srgbClr val="C0504D"/>
-              </a:solidFill>
-            </a:endParaRPr>
+              <a:rPr lang="de-CH" dirty="0" err="1" smtClean="0"/>
+              <a:t>showing</a:t>
+            </a:r>
+            <a:r>
+              <a:rPr lang="de-CH" dirty="0" smtClean="0"/>
+              <a:t> </a:t>
+            </a:r>
+            <a:r>
+              <a:rPr lang="de-CH" dirty="0" err="1" smtClean="0"/>
+              <a:t>it</a:t>
+            </a:r>
+            <a:r>
+              <a:rPr lang="de-CH" dirty="0" smtClean="0"/>
+              <a:t> </a:t>
+            </a:r>
+            <a:r>
+              <a:rPr lang="de-CH" dirty="0" err="1" smtClean="0"/>
+              <a:t>together</a:t>
+            </a:r>
+            <a:r>
+              <a:rPr lang="de-CH" dirty="0" smtClean="0"/>
+              <a:t> </a:t>
+            </a:r>
+            <a:r>
+              <a:rPr lang="de-CH" dirty="0" err="1" smtClean="0"/>
+              <a:t>with</a:t>
+            </a:r>
+            <a:r>
+              <a:rPr lang="de-CH" dirty="0" smtClean="0"/>
+              <a:t> </a:t>
+            </a:r>
+            <a:r>
+              <a:rPr lang="de-CH" dirty="0" err="1" smtClean="0"/>
+              <a:t>the</a:t>
+            </a:r>
+            <a:r>
+              <a:rPr lang="de-CH" dirty="0" smtClean="0"/>
+              <a:t> </a:t>
+            </a:r>
+            <a:r>
+              <a:rPr lang="de-CH" dirty="0" err="1" smtClean="0"/>
+              <a:t>mutated</a:t>
+            </a:r>
+            <a:r>
+              <a:rPr lang="de-CH" dirty="0" smtClean="0"/>
+              <a:t> </a:t>
+            </a:r>
+            <a:r>
+              <a:rPr lang="de-CH" dirty="0" err="1" smtClean="0"/>
+              <a:t>sites</a:t>
+            </a:r>
+            <a:r>
+              <a:rPr lang="de-CH" dirty="0" smtClean="0"/>
+              <a:t> (</a:t>
+            </a:r>
+            <a:r>
+              <a:rPr lang="de-CH" dirty="0" err="1" smtClean="0"/>
+              <a:t>left</a:t>
+            </a:r>
+            <a:r>
+              <a:rPr lang="de-CH" dirty="0" smtClean="0"/>
+              <a:t>) </a:t>
+            </a:r>
+            <a:r>
+              <a:rPr lang="de-CH" dirty="0" err="1" smtClean="0"/>
+              <a:t>and</a:t>
+            </a:r>
+            <a:r>
+              <a:rPr lang="de-CH" dirty="0" smtClean="0"/>
+              <a:t> all </a:t>
+            </a:r>
+            <a:r>
+              <a:rPr lang="de-CH" dirty="0" err="1" smtClean="0"/>
+              <a:t>interacting</a:t>
+            </a:r>
+            <a:r>
+              <a:rPr lang="de-CH" dirty="0" smtClean="0"/>
+              <a:t> </a:t>
+            </a:r>
+            <a:r>
+              <a:rPr lang="de-CH" dirty="0" err="1" smtClean="0"/>
+              <a:t>residues</a:t>
+            </a:r>
+            <a:r>
+              <a:rPr lang="de-CH" dirty="0" smtClean="0"/>
+              <a:t> (</a:t>
+            </a:r>
+            <a:r>
+              <a:rPr lang="de-CH" dirty="0" err="1" smtClean="0"/>
+              <a:t>right</a:t>
+            </a:r>
+            <a:r>
+              <a:rPr lang="de-CH" dirty="0" smtClean="0"/>
+              <a:t>)</a:t>
+            </a:r>
+            <a:endParaRPr lang="de-CH" dirty="0"/>
           </a:p>
         </p:txBody>
       </p:sp>
@@ -5354,13 +6608,6 @@
   <p:transition spd="slow">
     <p:fade/>
   </p:transition>
-  <p:timing>
-    <p:tnLst>
-      <p:par>
-        <p:cTn id="1" dur="indefinite" restart="never" nodeType="tmRoot"/>
-      </p:par>
-    </p:tnLst>
-  </p:timing>
 </p:sld>
 </file>
 

--- a/Presentation.pptx
+++ b/Presentation.pptx
@@ -206,7 +206,7 @@
             <a:fld id="{2B0FC3EC-6FB8-4B4A-81D8-157B7D12326A}" type="datetimeFigureOut">
               <a:rPr lang="en-US" smtClean="0"/>
               <a:pPr/>
-              <a:t>6/17/2012</a:t>
+              <a:t>6/18/2012</a:t>
             </a:fld>
             <a:endParaRPr lang="en-US"/>
           </a:p>
@@ -2761,11 +2761,7 @@
           <a:p>
             <a:r>
               <a:rPr lang="en-GB" sz="1600" i="1" dirty="0" smtClean="0"/>
-              <a:t>The </a:t>
-            </a:r>
-            <a:r>
-              <a:rPr lang="en-GB" sz="1600" i="1" dirty="0" smtClean="0"/>
-              <a:t>natural logarithm of the optical densities of the cultures versus the growth time. A linear regression of the exponential growth phases was done to get the growth rates on different media. </a:t>
+              <a:t>The natural logarithm of the optical densities of the cultures versus the growth time. A linear regression of the exponential growth phases was done to get the growth rates on different media. </a:t>
             </a:r>
             <a:r>
               <a:rPr lang="en-GB" sz="1600" i="1" dirty="0" smtClean="0">
@@ -2983,11 +2979,7 @@
           <a:p>
             <a:r>
               <a:rPr lang="en-GB" i="1" dirty="0" smtClean="0"/>
-              <a:t>Excitation </a:t>
-            </a:r>
-            <a:r>
-              <a:rPr lang="en-GB" i="1" dirty="0" smtClean="0"/>
-              <a:t>(395 nm) spectra of the product compared to the desired variant 2 and the wild type. </a:t>
+              <a:t>Excitation (395 nm) spectra of the product compared to the desired variant 2 and the wild type. </a:t>
             </a:r>
             <a:r>
               <a:rPr lang="en-GB" i="1" dirty="0" smtClean="0">
@@ -3207,11 +3199,7 @@
             </a:r>
             <a:r>
               <a:rPr lang="de-CH" dirty="0" smtClean="0"/>
-              <a:t> </a:t>
-            </a:r>
-            <a:r>
-              <a:rPr lang="de-CH" dirty="0" smtClean="0"/>
-              <a:t>a Bradford </a:t>
+              <a:t> a Bradford </a:t>
             </a:r>
             <a:r>
               <a:rPr lang="de-CH" dirty="0" err="1" smtClean="0"/>
@@ -3387,7 +3375,7 @@
         </p:nvGraphicFramePr>
         <p:xfrm>
           <a:off x="2627784" y="4509120"/>
-          <a:ext cx="4302363" cy="1640572"/>
+          <a:ext cx="4302363" cy="1661146"/>
         </p:xfrm>
         <a:graphic>
           <a:graphicData uri="http://schemas.openxmlformats.org/drawingml/2006/table">
@@ -3887,6 +3875,13 @@
   <p:transition spd="slow">
     <p:fade/>
   </p:transition>
+  <p:timing>
+    <p:tnLst>
+      <p:par>
+        <p:cTn id="1" dur="indefinite" restart="never" nodeType="tmRoot"/>
+      </p:par>
+    </p:tnLst>
+  </p:timing>
 </p:sld>
 </file>
 
@@ -3924,7 +3919,7 @@
           <a:p>
             <a:r>
               <a:rPr lang="en-US" dirty="0" smtClean="0"/>
-              <a:t>Discussion</a:t>
+              <a:t>Summary and Discussion</a:t>
             </a:r>
             <a:endParaRPr lang="en-US" dirty="0"/>
           </a:p>
@@ -3961,19 +3956,27 @@
             <a:pPr lvl="1"/>
             <a:r>
               <a:rPr lang="en-US" dirty="0" smtClean="0"/>
-              <a:t>Almost all were fluorescing under UV light</a:t>
+              <a:t>Almost all were fluorescing, at least slightly, under UV light</a:t>
             </a:r>
           </a:p>
           <a:p>
             <a:r>
               <a:rPr lang="en-US" dirty="0" smtClean="0"/>
-              <a:t>Red shift could well have been seen</a:t>
+              <a:t>Red shift could have been seen well (≈80 nm)</a:t>
             </a:r>
           </a:p>
           <a:p>
             <a:r>
               <a:rPr lang="en-US" dirty="0" smtClean="0"/>
-              <a:t>Growth was in a estimated range</a:t>
+              <a:t>Growth was in an estimated range (t</a:t>
+            </a:r>
+            <a:r>
+              <a:rPr lang="en-US" baseline="-25000" dirty="0" smtClean="0"/>
+              <a:t>2</a:t>
+            </a:r>
+            <a:r>
+              <a:rPr lang="en-US" dirty="0" smtClean="0"/>
+              <a:t> = 1.39 h)</a:t>
             </a:r>
           </a:p>
           <a:p>
@@ -3985,7 +3988,13 @@
           <a:p>
             <a:r>
               <a:rPr lang="en-US" dirty="0" smtClean="0"/>
-              <a:t>The produced GFP was from the wild type. Somehow not the correct one was chosen. Many possible sources for this contamination possible. Growth experiments were done with the wild type.</a:t>
+              <a:t>The produced GFP was from the wild type. Somehow not the correct one was chosen. Many possible sources for this contamination possible. Growth experiments were done with the wild type which could lead to a contamination</a:t>
+            </a:r>
+          </a:p>
+          <a:p>
+            <a:r>
+              <a:rPr lang="en-US" dirty="0" smtClean="0"/>
+              <a:t>In future other AA’s could be investigated for their effect on fluorescence</a:t>
             </a:r>
           </a:p>
         </p:txBody>
@@ -4083,7 +4092,7 @@
 </file>
 
 <file path=ppt/slides/slide14.xml><?xml version="1.0" encoding="utf-8"?>
-<p:sld xmlns:a="http://schemas.openxmlformats.org/drawingml/2006/main" xmlns:r="http://schemas.openxmlformats.org/officeDocument/2006/relationships" xmlns:p="http://schemas.openxmlformats.org/presentationml/2006/main">
+<p:sld xmlns:a="http://schemas.openxmlformats.org/drawingml/2006/main" xmlns:r="http://schemas.openxmlformats.org/officeDocument/2006/relationships" xmlns:p="http://schemas.openxmlformats.org/presentationml/2006/main" show="0">
   <p:cSld>
     <p:spTree>
       <p:nvGrpSpPr>
@@ -4474,12 +4483,8 @@
           <a:lstStyle/>
           <a:p>
             <a:r>
-              <a:rPr lang="en-US" sz="1600" b="1" dirty="0" err="1" smtClean="0"/>
-              <a:t>Practicle</a:t>
-            </a:r>
-            <a:r>
               <a:rPr lang="en-US" sz="1600" b="1" dirty="0" smtClean="0"/>
-              <a:t> Course in </a:t>
+              <a:t>Practical Course in </a:t>
             </a:r>
           </a:p>
           <a:p>
@@ -4489,7 +4494,7 @@
             </a:r>
             <a:r>
               <a:rPr lang="en-US" sz="1600" dirty="0" smtClean="0"/>
-              <a:t>, 20012</a:t>
+              <a:t>, 2012</a:t>
             </a:r>
             <a:endParaRPr lang="en-US" sz="1600" dirty="0"/>
           </a:p>
@@ -4652,13 +4657,8 @@
             <a:pPr lvl="1"/>
             <a:r>
               <a:rPr lang="en-US" dirty="0" smtClean="0"/>
-              <a:t>Different </a:t>
-            </a:r>
-            <a:r>
-              <a:rPr lang="en-US" dirty="0" err="1" smtClean="0"/>
-              <a:t>absorbations</a:t>
-            </a:r>
-            <a:endParaRPr lang="en-US" dirty="0" smtClean="0"/>
+              <a:t>Different absorptions </a:t>
+            </a:r>
           </a:p>
           <a:p>
             <a:pPr lvl="1"/>
@@ -4911,8 +4911,17 @@
           <a:p>
             <a:r>
               <a:rPr lang="en-US" dirty="0" smtClean="0"/>
-              <a:t>1. Create mutants library </a:t>
-            </a:r>
+              <a:t>1. Create </a:t>
+            </a:r>
+            <a:r>
+              <a:rPr lang="en-US" dirty="0" smtClean="0"/>
+              <a:t>a </a:t>
+            </a:r>
+            <a:r>
+              <a:rPr lang="en-US" dirty="0" smtClean="0"/>
+              <a:t>library of mutants </a:t>
+            </a:r>
+            <a:endParaRPr lang="en-US" dirty="0" smtClean="0"/>
           </a:p>
           <a:p>
             <a:pPr lvl="1"/>
@@ -5193,11 +5202,7 @@
           <a:p>
             <a:r>
               <a:rPr lang="en-GB" i="1" dirty="0" smtClean="0"/>
-              <a:t>Combined </a:t>
-            </a:r>
-            <a:r>
-              <a:rPr lang="en-GB" i="1" dirty="0" smtClean="0"/>
-              <a:t>excitation spectra (550nm) of all mutants and the wild type. </a:t>
+              <a:t>Combined excitation spectra (550nm) of all mutants and the wild type. </a:t>
             </a:r>
             <a:r>
               <a:rPr lang="en-GB" i="1" dirty="0" smtClean="0">
@@ -5440,11 +5445,7 @@
             </a:r>
             <a:r>
               <a:rPr lang="de-CH" dirty="0" smtClean="0"/>
-              <a:t>: </a:t>
-            </a:r>
-            <a:r>
-              <a:rPr lang="de-CH" dirty="0" smtClean="0"/>
-              <a:t>SDS PAGE</a:t>
+              <a:t>: SDS PAGE</a:t>
             </a:r>
             <a:endParaRPr lang="de-CH" dirty="0"/>
           </a:p>
@@ -5570,11 +5571,7 @@
           <a:p>
             <a:r>
               <a:rPr lang="en-GB" i="1" dirty="0" smtClean="0"/>
-              <a:t>SDS-PAGE </a:t>
-            </a:r>
-            <a:r>
-              <a:rPr lang="en-GB" i="1" dirty="0" smtClean="0"/>
-              <a:t>gel of the proteins present in the chosen mutants and the </a:t>
+              <a:t>SDS-PAGE gel of the proteins present in the chosen mutants and the </a:t>
             </a:r>
             <a:r>
               <a:rPr lang="en-GB" i="1" dirty="0" err="1" smtClean="0"/>

--- a/Presentation.pptx
+++ b/Presentation.pptx
@@ -4468,7 +4468,7 @@
         </p:nvSpPr>
         <p:spPr>
           <a:xfrm>
-            <a:off x="5273260" y="5517232"/>
+            <a:off x="5148064" y="5445224"/>
             <a:ext cx="4177747" cy="584775"/>
           </a:xfrm>
           <a:prstGeom prst="rect">
@@ -4911,17 +4911,8 @@
           <a:p>
             <a:r>
               <a:rPr lang="en-US" dirty="0" smtClean="0"/>
-              <a:t>1. Create </a:t>
-            </a:r>
-            <a:r>
-              <a:rPr lang="en-US" dirty="0" smtClean="0"/>
-              <a:t>a </a:t>
-            </a:r>
-            <a:r>
-              <a:rPr lang="en-US" dirty="0" smtClean="0"/>
-              <a:t>library of mutants </a:t>
-            </a:r>
-            <a:endParaRPr lang="en-US" dirty="0" smtClean="0"/>
+              <a:t>1. Create a library of mutants </a:t>
+            </a:r>
           </a:p>
           <a:p>
             <a:pPr lvl="1"/>
